--- a/doc/[www.java1234.com]java并发编程阿里巴巴-梁飞.pptx
+++ b/doc/[www.java1234.com]java并发编程阿里巴巴-梁飞.pptx
@@ -5,32 +5,33 @@
     <p:sldMasterId id="2147483648" r:id="rId1"/>
   </p:sldMasterIdLst>
   <p:notesMasterIdLst>
-    <p:notesMasterId r:id="rId25"/>
+    <p:notesMasterId r:id="rId26"/>
   </p:notesMasterIdLst>
   <p:sldIdLst>
     <p:sldId id="256" r:id="rId2"/>
     <p:sldId id="267" r:id="rId3"/>
     <p:sldId id="287" r:id="rId4"/>
-    <p:sldId id="288" r:id="rId5"/>
-    <p:sldId id="289" r:id="rId6"/>
-    <p:sldId id="290" r:id="rId7"/>
-    <p:sldId id="284" r:id="rId8"/>
-    <p:sldId id="269" r:id="rId9"/>
-    <p:sldId id="260" r:id="rId10"/>
-    <p:sldId id="282" r:id="rId11"/>
-    <p:sldId id="281" r:id="rId12"/>
-    <p:sldId id="280" r:id="rId13"/>
-    <p:sldId id="283" r:id="rId14"/>
-    <p:sldId id="262" r:id="rId15"/>
-    <p:sldId id="261" r:id="rId16"/>
-    <p:sldId id="276" r:id="rId17"/>
-    <p:sldId id="273" r:id="rId18"/>
-    <p:sldId id="285" r:id="rId19"/>
-    <p:sldId id="257" r:id="rId20"/>
-    <p:sldId id="259" r:id="rId21"/>
-    <p:sldId id="268" r:id="rId22"/>
-    <p:sldId id="265" r:id="rId23"/>
-    <p:sldId id="258" r:id="rId24"/>
+    <p:sldId id="291" r:id="rId5"/>
+    <p:sldId id="288" r:id="rId6"/>
+    <p:sldId id="289" r:id="rId7"/>
+    <p:sldId id="290" r:id="rId8"/>
+    <p:sldId id="284" r:id="rId9"/>
+    <p:sldId id="269" r:id="rId10"/>
+    <p:sldId id="260" r:id="rId11"/>
+    <p:sldId id="282" r:id="rId12"/>
+    <p:sldId id="281" r:id="rId13"/>
+    <p:sldId id="280" r:id="rId14"/>
+    <p:sldId id="283" r:id="rId15"/>
+    <p:sldId id="262" r:id="rId16"/>
+    <p:sldId id="261" r:id="rId17"/>
+    <p:sldId id="276" r:id="rId18"/>
+    <p:sldId id="273" r:id="rId19"/>
+    <p:sldId id="285" r:id="rId20"/>
+    <p:sldId id="257" r:id="rId21"/>
+    <p:sldId id="259" r:id="rId22"/>
+    <p:sldId id="268" r:id="rId23"/>
+    <p:sldId id="265" r:id="rId24"/>
+    <p:sldId id="258" r:id="rId25"/>
   </p:sldIdLst>
   <p:sldSz cx="9144000" cy="6858000" type="screen4x3"/>
   <p:notesSz cx="6858000" cy="9144000"/>
@@ -214,7 +215,7 @@
           <a:p>
             <a:fld id="{9491DF78-9CA4-47CA-9335-AC05776FB11B}" type="datetimeFigureOut">
               <a:rPr lang="zh-CN" altLang="en-US" smtClean="0"/>
-              <a:t>2018/5/23</a:t>
+              <a:t>2018/5/25</a:t>
             </a:fld>
             <a:endParaRPr lang="zh-CN" altLang="en-US"/>
           </a:p>
@@ -1093,6 +1094,7 @@
           <a:bodyPr/>
           <a:lstStyle/>
           <a:p>
+            <a:pPr latinLnBrk="1"/>
             <a:r>
               <a:rPr lang="zh-CN" altLang="en-US" sz="1200" b="0" i="0" kern="1200" dirty="0" smtClean="0">
                 <a:solidFill>
@@ -1103,7 +1105,7 @@
                 <a:ea typeface="+mn-ea"/>
                 <a:cs typeface="+mn-cs"/>
               </a:rPr>
-              <a:t>在操作</a:t>
+              <a:t>虚拟机对主内存和工作内存的操作有如下</a:t>
             </a:r>
             <a:r>
               <a:rPr lang="en-US" altLang="zh-CN" sz="1200" b="0" i="0" kern="1200" dirty="0" smtClean="0">
@@ -1115,7 +1117,7 @@
                 <a:ea typeface="+mn-ea"/>
                 <a:cs typeface="+mn-cs"/>
               </a:rPr>
-              <a:t>1</a:t>
+              <a:t>8</a:t>
             </a:r>
             <a:r>
               <a:rPr lang="zh-CN" altLang="en-US" sz="1200" b="0" i="0" kern="1200" dirty="0" smtClean="0">
@@ -1127,10 +1129,13 @@
                 <a:ea typeface="+mn-ea"/>
                 <a:cs typeface="+mn-cs"/>
               </a:rPr>
-              <a:t>和操作</a:t>
-            </a:r>
-            <a:r>
-              <a:rPr lang="en-US" altLang="zh-CN" sz="1200" b="0" i="0" kern="1200" dirty="0" smtClean="0">
+              <a:t>个（每个操作都具备原子性）：</a:t>
+            </a:r>
+          </a:p>
+          <a:p>
+            <a:pPr latinLnBrk="1"/>
+            <a:r>
+              <a:rPr lang="zh-CN" altLang="en-US" sz="1200" b="0" i="0" kern="1200" dirty="0" smtClean="0">
                 <a:solidFill>
                   <a:schemeClr val="tx1"/>
                 </a:solidFill>
@@ -1139,10 +1144,10 @@
                 <a:ea typeface="+mn-ea"/>
                 <a:cs typeface="+mn-cs"/>
               </a:rPr>
-              <a:t>5</a:t>
-            </a:r>
-            <a:r>
-              <a:rPr lang="zh-CN" altLang="en-US" sz="1200" b="0" i="0" kern="1200" dirty="0" smtClean="0">
+              <a:t>   </a:t>
+            </a:r>
+            <a:r>
+              <a:rPr lang="zh-CN" altLang="en-US" sz="1200" b="1" i="0" kern="1200" dirty="0" smtClean="0">
                 <a:solidFill>
                   <a:schemeClr val="tx1"/>
                 </a:solidFill>
@@ -1151,10 +1156,10 @@
                 <a:ea typeface="+mn-ea"/>
                 <a:cs typeface="+mn-cs"/>
               </a:rPr>
-              <a:t>中间，</a:t>
-            </a:r>
-            <a:r>
-              <a:rPr lang="en-US" altLang="zh-CN" sz="1200" b="0" i="0" kern="1200" dirty="0" smtClean="0">
+              <a:t> </a:t>
+            </a:r>
+            <a:r>
+              <a:rPr lang="en-US" altLang="zh-CN" sz="1200" b="1" i="0" kern="1200" dirty="0" smtClean="0">
                 <a:solidFill>
                   <a:schemeClr val="tx1"/>
                 </a:solidFill>
@@ -1163,7 +1168,7 @@
                 <a:ea typeface="+mn-ea"/>
                 <a:cs typeface="+mn-cs"/>
               </a:rPr>
-              <a:t>thread0</a:t>
+              <a:t>lock</a:t>
             </a:r>
             <a:r>
               <a:rPr lang="zh-CN" altLang="en-US" sz="1200" b="0" i="0" kern="1200" dirty="0" smtClean="0">
@@ -1175,10 +1180,13 @@
                 <a:ea typeface="+mn-ea"/>
                 <a:cs typeface="+mn-cs"/>
               </a:rPr>
-              <a:t>完成了对主内存的赋值，操作</a:t>
-            </a:r>
-            <a:r>
-              <a:rPr lang="en-US" altLang="zh-CN" sz="1200" b="0" i="0" kern="1200" dirty="0" smtClean="0">
+              <a:t>：锁定主内存中某变量的内存区域；</a:t>
+            </a:r>
+          </a:p>
+          <a:p>
+            <a:pPr latinLnBrk="1"/>
+            <a:r>
+              <a:rPr lang="zh-CN" altLang="en-US" sz="1200" b="0" i="0" kern="1200" dirty="0" smtClean="0">
                 <a:solidFill>
                   <a:schemeClr val="tx1"/>
                 </a:solidFill>
@@ -1187,10 +1195,10 @@
                 <a:ea typeface="+mn-ea"/>
                 <a:cs typeface="+mn-cs"/>
               </a:rPr>
-              <a:t>5</a:t>
-            </a:r>
-            <a:r>
-              <a:rPr lang="zh-CN" altLang="en-US" sz="1200" b="0" i="0" kern="1200" dirty="0" smtClean="0">
+              <a:t>   </a:t>
+            </a:r>
+            <a:r>
+              <a:rPr lang="zh-CN" altLang="en-US" sz="1200" b="1" i="0" kern="1200" dirty="0" smtClean="0">
                 <a:solidFill>
                   <a:schemeClr val="tx1"/>
                 </a:solidFill>
@@ -1199,10 +1207,10 @@
                 <a:ea typeface="+mn-ea"/>
                 <a:cs typeface="+mn-cs"/>
               </a:rPr>
-              <a:t>完成后，</a:t>
-            </a:r>
-            <a:r>
-              <a:rPr lang="en-US" altLang="zh-CN" sz="1200" b="0" i="0" kern="1200" dirty="0" smtClean="0">
+              <a:t> </a:t>
+            </a:r>
+            <a:r>
+              <a:rPr lang="en-US" altLang="zh-CN" sz="1200" b="1" i="0" kern="1200" dirty="0" smtClean="0">
                 <a:solidFill>
                   <a:schemeClr val="tx1"/>
                 </a:solidFill>
@@ -1211,7 +1219,7 @@
                 <a:ea typeface="+mn-ea"/>
                 <a:cs typeface="+mn-cs"/>
               </a:rPr>
-              <a:t>thread1</a:t>
+              <a:t>unlock</a:t>
             </a:r>
             <a:r>
               <a:rPr lang="zh-CN" altLang="en-US" sz="1200" b="0" i="0" kern="1200" dirty="0" smtClean="0">
@@ -1223,7 +1231,7 @@
                 <a:ea typeface="+mn-ea"/>
                 <a:cs typeface="+mn-cs"/>
               </a:rPr>
-              <a:t>的工作内存中的数据就已经过期了，然而</a:t>
+              <a:t>：和</a:t>
             </a:r>
             <a:r>
               <a:rPr lang="en-US" altLang="zh-CN" sz="1200" b="0" i="0" kern="1200" dirty="0" smtClean="0">
@@ -1235,7 +1243,7 @@
                 <a:ea typeface="+mn-ea"/>
                 <a:cs typeface="+mn-cs"/>
               </a:rPr>
-              <a:t>thread1</a:t>
+              <a:t>lock</a:t>
             </a:r>
             <a:r>
               <a:rPr lang="zh-CN" altLang="en-US" sz="1200" b="0" i="0" kern="1200" dirty="0" smtClean="0">
@@ -1247,10 +1255,13 @@
                 <a:ea typeface="+mn-ea"/>
                 <a:cs typeface="+mn-cs"/>
               </a:rPr>
-              <a:t>并不知道，仍然以为自己工作内存中的数据是正确的是最新的，所以把</a:t>
-            </a:r>
-            <a:r>
-              <a:rPr lang="en-US" altLang="zh-CN" sz="1200" b="0" i="0" kern="1200" dirty="0" smtClean="0">
+              <a:t>对应的解锁；</a:t>
+            </a:r>
+          </a:p>
+          <a:p>
+            <a:pPr latinLnBrk="1"/>
+            <a:r>
+              <a:rPr lang="zh-CN" altLang="en-US" sz="1200" b="0" i="0" kern="1200" dirty="0" smtClean="0">
                 <a:solidFill>
                   <a:schemeClr val="tx1"/>
                 </a:solidFill>
@@ -1259,10 +1270,10 @@
                 <a:ea typeface="+mn-ea"/>
                 <a:cs typeface="+mn-cs"/>
               </a:rPr>
-              <a:t>0</a:t>
-            </a:r>
-            <a:r>
-              <a:rPr lang="zh-CN" altLang="en-US" sz="1200" b="0" i="0" kern="1200" dirty="0" smtClean="0">
+              <a:t>    </a:t>
+            </a:r>
+            <a:r>
+              <a:rPr lang="en-US" altLang="zh-CN" sz="1200" b="1" i="0" kern="1200" dirty="0" smtClean="0">
                 <a:solidFill>
                   <a:schemeClr val="tx1"/>
                 </a:solidFill>
@@ -1271,10 +1282,10 @@
                 <a:ea typeface="+mn-ea"/>
                 <a:cs typeface="+mn-cs"/>
               </a:rPr>
-              <a:t>值传入到执行引擎，完成</a:t>
-            </a:r>
-            <a:r>
-              <a:rPr lang="en-US" altLang="zh-CN" sz="1200" b="0" i="0" kern="1200" dirty="0" smtClean="0">
+              <a:t>read</a:t>
+            </a:r>
+            <a:r>
+              <a:rPr lang="zh-CN" altLang="en-US" sz="1200" b="0" i="0" kern="1200" dirty="0" smtClean="0">
                 <a:solidFill>
                   <a:schemeClr val="tx1"/>
                 </a:solidFill>
@@ -1283,8 +1294,11 @@
                 <a:ea typeface="+mn-ea"/>
                 <a:cs typeface="+mn-cs"/>
               </a:rPr>
-              <a:t>+1</a:t>
-            </a:r>
+              <a:t>：从主内存中度变量的值；</a:t>
+            </a:r>
+          </a:p>
+          <a:p>
+            <a:pPr latinLnBrk="1"/>
             <a:r>
               <a:rPr lang="zh-CN" altLang="en-US" sz="1200" b="0" i="0" kern="1200" dirty="0" smtClean="0">
                 <a:solidFill>
@@ -1295,10 +1309,10 @@
                 <a:ea typeface="+mn-ea"/>
                 <a:cs typeface="+mn-cs"/>
               </a:rPr>
-              <a:t>后传到主内存，这样主内存中</a:t>
-            </a:r>
-            <a:r>
-              <a:rPr lang="en-US" altLang="zh-CN" sz="1200" b="0" i="0" kern="1200" dirty="0" smtClean="0">
+              <a:t>    </a:t>
+            </a:r>
+            <a:r>
+              <a:rPr lang="en-US" altLang="zh-CN" sz="1200" b="1" i="0" kern="1200" dirty="0" smtClean="0">
                 <a:solidFill>
                   <a:schemeClr val="tx1"/>
                 </a:solidFill>
@@ -1307,7 +1321,7 @@
                 <a:ea typeface="+mn-ea"/>
                 <a:cs typeface="+mn-cs"/>
               </a:rPr>
-              <a:t>v</a:t>
+              <a:t>load</a:t>
             </a:r>
             <a:r>
               <a:rPr lang="zh-CN" altLang="en-US" sz="1200" b="0" i="0" kern="1200" dirty="0" smtClean="0">
@@ -1319,7 +1333,7 @@
                 <a:ea typeface="+mn-ea"/>
                 <a:cs typeface="+mn-cs"/>
               </a:rPr>
-              <a:t>的最终结果是</a:t>
+              <a:t>：将</a:t>
             </a:r>
             <a:r>
               <a:rPr lang="en-US" altLang="zh-CN" sz="1200" b="0" i="0" kern="1200" dirty="0" smtClean="0">
@@ -1331,7 +1345,7 @@
                 <a:ea typeface="+mn-ea"/>
                 <a:cs typeface="+mn-cs"/>
               </a:rPr>
-              <a:t>1</a:t>
+              <a:t>read</a:t>
             </a:r>
             <a:r>
               <a:rPr lang="zh-CN" altLang="en-US" sz="1200" b="0" i="0" kern="1200" dirty="0" smtClean="0">
@@ -1343,10 +1357,13 @@
                 <a:ea typeface="+mn-ea"/>
                 <a:cs typeface="+mn-cs"/>
               </a:rPr>
-              <a:t>。导致非期望结果的关键原因是在</a:t>
-            </a:r>
-            <a:r>
-              <a:rPr lang="en-US" altLang="zh-CN" sz="1200" b="0" i="0" kern="1200" dirty="0" smtClean="0">
+              <a:t>操作读来的值加载到工作内存；</a:t>
+            </a:r>
+          </a:p>
+          <a:p>
+            <a:pPr latinLnBrk="1"/>
+            <a:r>
+              <a:rPr lang="zh-CN" altLang="en-US" sz="1200" b="0" i="0" kern="1200" dirty="0" smtClean="0">
                 <a:solidFill>
                   <a:schemeClr val="tx1"/>
                 </a:solidFill>
@@ -1355,10 +1372,10 @@
                 <a:ea typeface="+mn-ea"/>
                 <a:cs typeface="+mn-cs"/>
               </a:rPr>
-              <a:t>thread0</a:t>
-            </a:r>
-            <a:r>
-              <a:rPr lang="zh-CN" altLang="en-US" sz="1200" b="0" i="0" kern="1200" dirty="0" smtClean="0">
+              <a:t>    </a:t>
+            </a:r>
+            <a:r>
+              <a:rPr lang="en-US" altLang="zh-CN" sz="1200" b="1" i="0" kern="1200" dirty="0" smtClean="0">
                 <a:solidFill>
                   <a:schemeClr val="tx1"/>
                 </a:solidFill>
@@ -1367,10 +1384,10 @@
                 <a:ea typeface="+mn-ea"/>
                 <a:cs typeface="+mn-cs"/>
               </a:rPr>
-              <a:t>更新了主内存后，</a:t>
-            </a:r>
-            <a:r>
-              <a:rPr lang="en-US" altLang="zh-CN" sz="1200" b="0" i="0" kern="1200" dirty="0" smtClean="0">
+              <a:t>use</a:t>
+            </a:r>
+            <a:r>
+              <a:rPr lang="zh-CN" altLang="en-US" sz="1200" b="0" i="0" kern="1200" dirty="0" smtClean="0">
                 <a:solidFill>
                   <a:schemeClr val="tx1"/>
                 </a:solidFill>
@@ -1379,10 +1396,10 @@
                 <a:ea typeface="+mn-ea"/>
                 <a:cs typeface="+mn-cs"/>
               </a:rPr>
-              <a:t>thread1</a:t>
-            </a:r>
-            <a:r>
-              <a:rPr lang="zh-CN" altLang="en-US" sz="1200" b="0" i="0" kern="1200" dirty="0" smtClean="0">
+              <a:t>：将工作内存中变量的值传入执行引擎（</a:t>
+            </a:r>
+            <a:r>
+              <a:rPr lang="zh-CN" altLang="en-US" sz="1200" b="1" i="0" kern="1200" dirty="0" smtClean="0">
                 <a:solidFill>
                   <a:schemeClr val="tx1"/>
                 </a:solidFill>
@@ -1391,41 +1408,8 @@
                 <a:ea typeface="+mn-ea"/>
                 <a:cs typeface="+mn-cs"/>
               </a:rPr>
-              <a:t>没有得知这个更新，自以为自己的工作内存中的数据是最新的。这个工作内存数据过期引起的工作内存和主内存不相等的问题叫做“数据一致性问题”。</a:t>
-            </a:r>
-            <a:endParaRPr lang="en-US" altLang="zh-CN" sz="1200" b="0" i="0" kern="1200" dirty="0" smtClean="0">
-              <a:solidFill>
-                <a:schemeClr val="tx1"/>
-              </a:solidFill>
-              <a:effectLst/>
-              <a:latin typeface="+mn-lt"/>
-              <a:ea typeface="+mn-ea"/>
-              <a:cs typeface="+mn-cs"/>
-            </a:endParaRPr>
-          </a:p>
-          <a:p>
-            <a:endParaRPr lang="en-US" altLang="zh-CN" sz="1200" b="0" i="0" kern="1200" dirty="0" smtClean="0">
-              <a:solidFill>
-                <a:schemeClr val="tx1"/>
-              </a:solidFill>
-              <a:effectLst/>
-              <a:latin typeface="+mn-lt"/>
-              <a:ea typeface="+mn-ea"/>
-              <a:cs typeface="+mn-cs"/>
-            </a:endParaRPr>
-          </a:p>
-          <a:p>
-            <a:endParaRPr lang="en-US" altLang="zh-CN" sz="1200" b="0" i="0" kern="1200" dirty="0" smtClean="0">
-              <a:solidFill>
-                <a:schemeClr val="tx1"/>
-              </a:solidFill>
-              <a:effectLst/>
-              <a:latin typeface="+mn-lt"/>
-              <a:ea typeface="+mn-ea"/>
-              <a:cs typeface="+mn-cs"/>
-            </a:endParaRPr>
-          </a:p>
-          <a:p>
+              <a:t>注意</a:t>
+            </a:r>
             <a:r>
               <a:rPr lang="zh-CN" altLang="en-US" sz="1200" b="0" i="0" kern="1200" dirty="0" smtClean="0">
                 <a:solidFill>
@@ -1436,10 +1420,13 @@
                 <a:ea typeface="+mn-ea"/>
                 <a:cs typeface="+mn-cs"/>
               </a:rPr>
-              <a:t>那这个工作内存和主内存之间数据一致性问题该咋解决呢？答案是用</a:t>
-            </a:r>
-            <a:r>
-              <a:rPr lang="en-US" altLang="zh-CN" sz="1200" b="0" i="0" kern="1200" dirty="0" smtClean="0">
+              <a:t>：只是指这个传输动作，不包括计算，这和代码层面的“使用”不同）；</a:t>
+            </a:r>
+          </a:p>
+          <a:p>
+            <a:pPr latinLnBrk="1"/>
+            <a:r>
+              <a:rPr lang="zh-CN" altLang="en-US" sz="1200" b="0" i="0" kern="1200" dirty="0" smtClean="0">
                 <a:solidFill>
                   <a:schemeClr val="tx1"/>
                 </a:solidFill>
@@ -1448,10 +1435,10 @@
                 <a:ea typeface="+mn-ea"/>
                 <a:cs typeface="+mn-cs"/>
               </a:rPr>
-              <a:t>volatile</a:t>
-            </a:r>
-            <a:r>
-              <a:rPr lang="zh-CN" altLang="en-US" sz="1200" b="0" i="0" kern="1200" dirty="0" smtClean="0">
+              <a:t>    </a:t>
+            </a:r>
+            <a:r>
+              <a:rPr lang="en-US" altLang="zh-CN" sz="1200" b="1" i="0" kern="1200" dirty="0" smtClean="0">
                 <a:solidFill>
                   <a:schemeClr val="tx1"/>
                 </a:solidFill>
@@ -1460,10 +1447,10 @@
                 <a:ea typeface="+mn-ea"/>
                 <a:cs typeface="+mn-cs"/>
               </a:rPr>
-              <a:t>关键字修饰</a:t>
-            </a:r>
-            <a:r>
-              <a:rPr lang="en-US" altLang="zh-CN" sz="1200" b="0" i="0" kern="1200" dirty="0" smtClean="0">
+              <a:t>assign</a:t>
+            </a:r>
+            <a:r>
+              <a:rPr lang="zh-CN" altLang="en-US" sz="1200" b="0" i="0" kern="1200" dirty="0" smtClean="0">
                 <a:solidFill>
                   <a:schemeClr val="tx1"/>
                 </a:solidFill>
@@ -1472,8 +1459,11 @@
                 <a:ea typeface="+mn-ea"/>
                 <a:cs typeface="+mn-cs"/>
               </a:rPr>
-              <a:t>Test</a:t>
-            </a:r>
+              <a:t>：将执行引擎计算的结果写到工作内存；</a:t>
+            </a:r>
+          </a:p>
+          <a:p>
+            <a:pPr latinLnBrk="1"/>
             <a:r>
               <a:rPr lang="zh-CN" altLang="en-US" sz="1200" b="0" i="0" kern="1200" dirty="0" smtClean="0">
                 <a:solidFill>
@@ -1484,10 +1474,10 @@
                 <a:ea typeface="+mn-ea"/>
                 <a:cs typeface="+mn-cs"/>
               </a:rPr>
-              <a:t>类中的</a:t>
-            </a:r>
-            <a:r>
-              <a:rPr lang="en-US" altLang="zh-CN" sz="1200" b="0" i="0" kern="1200" dirty="0" smtClean="0">
+              <a:t>    </a:t>
+            </a:r>
+            <a:r>
+              <a:rPr lang="en-US" altLang="zh-CN" sz="1200" b="1" i="0" kern="1200" dirty="0" smtClean="0">
                 <a:solidFill>
                   <a:schemeClr val="tx1"/>
                 </a:solidFill>
@@ -1496,7 +1486,7 @@
                 <a:ea typeface="+mn-ea"/>
                 <a:cs typeface="+mn-cs"/>
               </a:rPr>
-              <a:t>v</a:t>
+              <a:t>store</a:t>
             </a:r>
             <a:r>
               <a:rPr lang="zh-CN" altLang="en-US" sz="1200" b="0" i="0" kern="1200" dirty="0" smtClean="0">
@@ -1508,8 +1498,85 @@
                 <a:ea typeface="+mn-ea"/>
                 <a:cs typeface="+mn-cs"/>
               </a:rPr>
-              <a:t>属性：</a:t>
-            </a:r>
+              <a:t>：将变量的值从工作内存中拿出；</a:t>
+            </a:r>
+          </a:p>
+          <a:p>
+            <a:pPr latinLnBrk="1"/>
+            <a:r>
+              <a:rPr lang="zh-CN" altLang="en-US" sz="1200" b="0" i="0" kern="1200" dirty="0" smtClean="0">
+                <a:solidFill>
+                  <a:schemeClr val="tx1"/>
+                </a:solidFill>
+                <a:effectLst/>
+                <a:latin typeface="+mn-lt"/>
+                <a:ea typeface="+mn-ea"/>
+                <a:cs typeface="+mn-cs"/>
+              </a:rPr>
+              <a:t>    </a:t>
+            </a:r>
+            <a:r>
+              <a:rPr lang="en-US" altLang="zh-CN" sz="1200" b="1" i="0" kern="1200" dirty="0" smtClean="0">
+                <a:solidFill>
+                  <a:schemeClr val="tx1"/>
+                </a:solidFill>
+                <a:effectLst/>
+                <a:latin typeface="+mn-lt"/>
+                <a:ea typeface="+mn-ea"/>
+                <a:cs typeface="+mn-cs"/>
+              </a:rPr>
+              <a:t>write</a:t>
+            </a:r>
+            <a:r>
+              <a:rPr lang="zh-CN" altLang="en-US" sz="1200" b="0" i="0" kern="1200" dirty="0" smtClean="0">
+                <a:solidFill>
+                  <a:schemeClr val="tx1"/>
+                </a:solidFill>
+                <a:effectLst/>
+                <a:latin typeface="+mn-lt"/>
+                <a:ea typeface="+mn-ea"/>
+                <a:cs typeface="+mn-cs"/>
+              </a:rPr>
+              <a:t>：将</a:t>
+            </a:r>
+            <a:r>
+              <a:rPr lang="en-US" altLang="zh-CN" sz="1200" b="0" i="0" kern="1200" dirty="0" smtClean="0">
+                <a:solidFill>
+                  <a:schemeClr val="tx1"/>
+                </a:solidFill>
+                <a:effectLst/>
+                <a:latin typeface="+mn-lt"/>
+                <a:ea typeface="+mn-ea"/>
+                <a:cs typeface="+mn-cs"/>
+              </a:rPr>
+              <a:t>store</a:t>
+            </a:r>
+            <a:r>
+              <a:rPr lang="zh-CN" altLang="en-US" sz="1200" b="0" i="0" kern="1200" dirty="0" smtClean="0">
+                <a:solidFill>
+                  <a:schemeClr val="tx1"/>
+                </a:solidFill>
+                <a:effectLst/>
+                <a:latin typeface="+mn-lt"/>
+                <a:ea typeface="+mn-ea"/>
+                <a:cs typeface="+mn-cs"/>
+              </a:rPr>
+              <a:t>拿出的值写到主内存</a:t>
+            </a:r>
+            <a:r>
+              <a:rPr lang="en-US" altLang="zh-CN" sz="1200" b="0" i="0" kern="1200" dirty="0" smtClean="0">
+                <a:solidFill>
+                  <a:schemeClr val="tx1"/>
+                </a:solidFill>
+                <a:effectLst/>
+                <a:latin typeface="+mn-lt"/>
+                <a:ea typeface="+mn-ea"/>
+                <a:cs typeface="+mn-cs"/>
+              </a:rPr>
+              <a:t>.</a:t>
+            </a:r>
+          </a:p>
+          <a:p>
             <a:endParaRPr lang="zh-CN" altLang="en-US" dirty="0"/>
           </a:p>
         </p:txBody>
@@ -1540,7 +1607,7 @@
     </p:spTree>
     <p:extLst>
       <p:ext uri="{BB962C8B-B14F-4D97-AF65-F5344CB8AC3E}">
-        <p14:creationId xmlns:p14="http://schemas.microsoft.com/office/powerpoint/2010/main" val="1871665474"/>
+        <p14:creationId xmlns:p14="http://schemas.microsoft.com/office/powerpoint/2010/main" val="565115799"/>
       </p:ext>
     </p:extLst>
   </p:cSld>
@@ -1604,7 +1671,7 @@
                 <a:ea typeface="+mn-ea"/>
                 <a:cs typeface="+mn-cs"/>
               </a:rPr>
-              <a:t> 在操作</a:t>
+              <a:t>在操作</a:t>
             </a:r>
             <a:r>
               <a:rPr lang="en-US" altLang="zh-CN" sz="1200" b="0" i="0" kern="1200" dirty="0" smtClean="0">
@@ -1616,7 +1683,7 @@
                 <a:ea typeface="+mn-ea"/>
                 <a:cs typeface="+mn-cs"/>
               </a:rPr>
-              <a:t>2</a:t>
+              <a:t>1</a:t>
             </a:r>
             <a:r>
               <a:rPr lang="zh-CN" altLang="en-US" sz="1200" b="0" i="0" kern="1200" dirty="0" smtClean="0">
@@ -1640,7 +1707,7 @@
                 <a:ea typeface="+mn-ea"/>
                 <a:cs typeface="+mn-cs"/>
               </a:rPr>
-              <a:t>3</a:t>
+              <a:t>5</a:t>
             </a:r>
             <a:r>
               <a:rPr lang="zh-CN" altLang="en-US" sz="1200" b="0" i="0" kern="1200" dirty="0" smtClean="0">
@@ -1652,7 +1719,7 @@
                 <a:ea typeface="+mn-ea"/>
                 <a:cs typeface="+mn-cs"/>
               </a:rPr>
-              <a:t>之间，</a:t>
+              <a:t>中间，</a:t>
             </a:r>
             <a:r>
               <a:rPr lang="en-US" altLang="zh-CN" sz="1200" b="0" i="0" kern="1200" dirty="0" smtClean="0">
@@ -1676,7 +1743,7 @@
                 <a:ea typeface="+mn-ea"/>
                 <a:cs typeface="+mn-cs"/>
               </a:rPr>
-              <a:t>完成了对主内存的赋值。虽然</a:t>
+              <a:t>完成了对主内存的赋值，操作</a:t>
             </a:r>
             <a:r>
               <a:rPr lang="en-US" altLang="zh-CN" sz="1200" b="0" i="0" kern="1200" dirty="0" smtClean="0">
@@ -1688,7 +1755,7 @@
                 <a:ea typeface="+mn-ea"/>
                 <a:cs typeface="+mn-cs"/>
               </a:rPr>
-              <a:t>thread1</a:t>
+              <a:t>5</a:t>
             </a:r>
             <a:r>
               <a:rPr lang="zh-CN" altLang="en-US" sz="1200" b="0" i="0" kern="1200" dirty="0" smtClean="0">
@@ -1700,7 +1767,7 @@
                 <a:ea typeface="+mn-ea"/>
                 <a:cs typeface="+mn-cs"/>
               </a:rPr>
-              <a:t>的工作内存会在下次读的时候得到及时刷新，可是在下次读工作内存之前，</a:t>
+              <a:t>完成后，</a:t>
             </a:r>
             <a:r>
               <a:rPr lang="en-US" altLang="zh-CN" sz="1200" b="0" i="0" kern="1200" dirty="0" smtClean="0">
@@ -1724,7 +1791,7 @@
                 <a:ea typeface="+mn-ea"/>
                 <a:cs typeface="+mn-cs"/>
               </a:rPr>
-              <a:t>还有</a:t>
+              <a:t>的工作内存中的数据就已经过期了，然而</a:t>
             </a:r>
             <a:r>
               <a:rPr lang="en-US" altLang="zh-CN" sz="1200" b="0" i="0" kern="1200" dirty="0" smtClean="0">
@@ -1736,7 +1803,7 @@
                 <a:ea typeface="+mn-ea"/>
                 <a:cs typeface="+mn-cs"/>
               </a:rPr>
-              <a:t>v=0</a:t>
+              <a:t>thread1</a:t>
             </a:r>
             <a:r>
               <a:rPr lang="zh-CN" altLang="en-US" sz="1200" b="0" i="0" kern="1200" dirty="0" smtClean="0">
@@ -1748,7 +1815,7 @@
                 <a:ea typeface="+mn-ea"/>
                 <a:cs typeface="+mn-cs"/>
               </a:rPr>
-              <a:t>这个数据正在执行引擎中翻滚呀，它不会得到更新啊，最终执行引擎计算的结果是</a:t>
+              <a:t>并不知道，仍然以为自己工作内存中的数据是正确的是最新的，所以把</a:t>
             </a:r>
             <a:r>
               <a:rPr lang="en-US" altLang="zh-CN" sz="1200" b="0" i="0" kern="1200" dirty="0" smtClean="0">
@@ -1760,7 +1827,7 @@
                 <a:ea typeface="+mn-ea"/>
                 <a:cs typeface="+mn-cs"/>
               </a:rPr>
-              <a:t>v=1</a:t>
+              <a:t>0</a:t>
             </a:r>
             <a:r>
               <a:rPr lang="zh-CN" altLang="en-US" sz="1200" b="0" i="0" kern="1200" dirty="0" smtClean="0">
@@ -1772,7 +1839,7 @@
                 <a:ea typeface="+mn-ea"/>
                 <a:cs typeface="+mn-cs"/>
               </a:rPr>
-              <a:t>，那最后</a:t>
+              <a:t>值传入到执行引擎，完成</a:t>
             </a:r>
             <a:r>
               <a:rPr lang="en-US" altLang="zh-CN" sz="1200" b="0" i="0" kern="1200" dirty="0" smtClean="0">
@@ -1784,7 +1851,7 @@
                 <a:ea typeface="+mn-ea"/>
                 <a:cs typeface="+mn-cs"/>
               </a:rPr>
-              <a:t>thread1</a:t>
+              <a:t>+1</a:t>
             </a:r>
             <a:r>
               <a:rPr lang="zh-CN" altLang="en-US" sz="1200" b="0" i="0" kern="1200" dirty="0" smtClean="0">
@@ -1796,7 +1863,7 @@
                 <a:ea typeface="+mn-ea"/>
                 <a:cs typeface="+mn-cs"/>
               </a:rPr>
-              <a:t>赋给主内存的结果还是</a:t>
+              <a:t>后传到主内存，这样主内存中</a:t>
             </a:r>
             <a:r>
               <a:rPr lang="en-US" altLang="zh-CN" sz="1200" b="0" i="0" kern="1200" dirty="0" smtClean="0">
@@ -1808,7 +1875,7 @@
                 <a:ea typeface="+mn-ea"/>
                 <a:cs typeface="+mn-cs"/>
               </a:rPr>
-              <a:t>v=1</a:t>
+              <a:t>v</a:t>
             </a:r>
             <a:r>
               <a:rPr lang="zh-CN" altLang="en-US" sz="1200" b="0" i="0" kern="1200" dirty="0" smtClean="0">
@@ -1820,7 +1887,79 @@
                 <a:ea typeface="+mn-ea"/>
                 <a:cs typeface="+mn-cs"/>
               </a:rPr>
-              <a:t>。</a:t>
+              <a:t>的最终结果是</a:t>
+            </a:r>
+            <a:r>
+              <a:rPr lang="en-US" altLang="zh-CN" sz="1200" b="0" i="0" kern="1200" dirty="0" smtClean="0">
+                <a:solidFill>
+                  <a:schemeClr val="tx1"/>
+                </a:solidFill>
+                <a:effectLst/>
+                <a:latin typeface="+mn-lt"/>
+                <a:ea typeface="+mn-ea"/>
+                <a:cs typeface="+mn-cs"/>
+              </a:rPr>
+              <a:t>1</a:t>
+            </a:r>
+            <a:r>
+              <a:rPr lang="zh-CN" altLang="en-US" sz="1200" b="0" i="0" kern="1200" dirty="0" smtClean="0">
+                <a:solidFill>
+                  <a:schemeClr val="tx1"/>
+                </a:solidFill>
+                <a:effectLst/>
+                <a:latin typeface="+mn-lt"/>
+                <a:ea typeface="+mn-ea"/>
+                <a:cs typeface="+mn-cs"/>
+              </a:rPr>
+              <a:t>。导致非期望结果的关键原因是在</a:t>
+            </a:r>
+            <a:r>
+              <a:rPr lang="en-US" altLang="zh-CN" sz="1200" b="0" i="0" kern="1200" dirty="0" smtClean="0">
+                <a:solidFill>
+                  <a:schemeClr val="tx1"/>
+                </a:solidFill>
+                <a:effectLst/>
+                <a:latin typeface="+mn-lt"/>
+                <a:ea typeface="+mn-ea"/>
+                <a:cs typeface="+mn-cs"/>
+              </a:rPr>
+              <a:t>thread0</a:t>
+            </a:r>
+            <a:r>
+              <a:rPr lang="zh-CN" altLang="en-US" sz="1200" b="0" i="0" kern="1200" dirty="0" smtClean="0">
+                <a:solidFill>
+                  <a:schemeClr val="tx1"/>
+                </a:solidFill>
+                <a:effectLst/>
+                <a:latin typeface="+mn-lt"/>
+                <a:ea typeface="+mn-ea"/>
+                <a:cs typeface="+mn-cs"/>
+              </a:rPr>
+              <a:t>更新了主内存后，</a:t>
+            </a:r>
+            <a:r>
+              <a:rPr lang="en-US" altLang="zh-CN" sz="1200" b="0" i="0" kern="1200" dirty="0" smtClean="0">
+                <a:solidFill>
+                  <a:schemeClr val="tx1"/>
+                </a:solidFill>
+                <a:effectLst/>
+                <a:latin typeface="+mn-lt"/>
+                <a:ea typeface="+mn-ea"/>
+                <a:cs typeface="+mn-cs"/>
+              </a:rPr>
+              <a:t>thread1</a:t>
+            </a:r>
+            <a:r>
+              <a:rPr lang="zh-CN" altLang="en-US" sz="1200" b="0" i="0" kern="1200" dirty="0" smtClean="0">
+                <a:solidFill>
+                  <a:schemeClr val="tx1"/>
+                </a:solidFill>
+                <a:effectLst/>
+                <a:latin typeface="+mn-lt"/>
+                <a:ea typeface="+mn-ea"/>
+                <a:cs typeface="+mn-cs"/>
+              </a:rPr>
+              <a:t>没有得知这个更新，自以为自己的工作内存中的数据是最新的。这个工作内存数据过期引起的工作内存和主内存不相等的问题叫做“数据一致性问题”。</a:t>
             </a:r>
             <a:endParaRPr lang="en-US" altLang="zh-CN" sz="1200" b="0" i="0" kern="1200" dirty="0" smtClean="0">
               <a:solidFill>
@@ -1833,6 +1972,66 @@
             </a:endParaRPr>
           </a:p>
           <a:p>
+            <a:endParaRPr lang="en-US" altLang="zh-CN" sz="1200" b="0" i="0" kern="1200" dirty="0" smtClean="0">
+              <a:solidFill>
+                <a:schemeClr val="tx1"/>
+              </a:solidFill>
+              <a:effectLst/>
+              <a:latin typeface="+mn-lt"/>
+              <a:ea typeface="+mn-ea"/>
+              <a:cs typeface="+mn-cs"/>
+            </a:endParaRPr>
+          </a:p>
+          <a:p>
+            <a:endParaRPr lang="en-US" altLang="zh-CN" sz="1200" b="0" i="0" kern="1200" dirty="0" smtClean="0">
+              <a:solidFill>
+                <a:schemeClr val="tx1"/>
+              </a:solidFill>
+              <a:effectLst/>
+              <a:latin typeface="+mn-lt"/>
+              <a:ea typeface="+mn-ea"/>
+              <a:cs typeface="+mn-cs"/>
+            </a:endParaRPr>
+          </a:p>
+          <a:p>
+            <a:r>
+              <a:rPr lang="en-US" altLang="zh-CN" dirty="0" err="1" smtClean="0"/>
+              <a:t>CountDownLatch</a:t>
+            </a:r>
+            <a:r>
+              <a:rPr lang="zh-CN" altLang="en-US" dirty="0" smtClean="0"/>
+              <a:t>和</a:t>
+            </a:r>
+            <a:r>
+              <a:rPr lang="en-US" altLang="zh-CN" dirty="0" err="1" smtClean="0"/>
+              <a:t>Thread.join</a:t>
+            </a:r>
+            <a:r>
+              <a:rPr lang="en-US" altLang="zh-CN" dirty="0" smtClean="0"/>
+              <a:t>()</a:t>
+            </a:r>
+            <a:endParaRPr lang="en-US" altLang="zh-CN" sz="1200" b="0" i="0" kern="1200" dirty="0" smtClean="0">
+              <a:solidFill>
+                <a:schemeClr val="tx1"/>
+              </a:solidFill>
+              <a:effectLst/>
+              <a:latin typeface="+mn-lt"/>
+              <a:ea typeface="+mn-ea"/>
+              <a:cs typeface="+mn-cs"/>
+            </a:endParaRPr>
+          </a:p>
+          <a:p>
+            <a:endParaRPr lang="en-US" altLang="zh-CN" sz="1200" b="0" i="0" kern="1200" dirty="0" smtClean="0">
+              <a:solidFill>
+                <a:schemeClr val="tx1"/>
+              </a:solidFill>
+              <a:effectLst/>
+              <a:latin typeface="+mn-lt"/>
+              <a:ea typeface="+mn-ea"/>
+              <a:cs typeface="+mn-cs"/>
+            </a:endParaRPr>
+          </a:p>
+          <a:p>
             <a:r>
               <a:rPr lang="zh-CN" altLang="en-US" sz="1200" b="0" i="0" kern="1200" dirty="0" smtClean="0">
                 <a:solidFill>
@@ -1843,7 +2042,7 @@
                 <a:ea typeface="+mn-ea"/>
                 <a:cs typeface="+mn-cs"/>
               </a:rPr>
-              <a:t>这个“执行引擎数据”和“主内存数据”之间的不一致问题咋解决呢？答案是用</a:t>
+              <a:t>那这个工作内存和主内存之间数据一致性问题该咋解决呢？答案是用</a:t>
             </a:r>
             <a:r>
               <a:rPr lang="en-US" altLang="zh-CN" sz="1200" b="0" i="0" kern="1200" dirty="0" smtClean="0">
@@ -1855,7 +2054,7 @@
                 <a:ea typeface="+mn-ea"/>
                 <a:cs typeface="+mn-cs"/>
               </a:rPr>
-              <a:t>synchronized</a:t>
+              <a:t>volatile</a:t>
             </a:r>
             <a:r>
               <a:rPr lang="zh-CN" altLang="en-US" sz="1200" b="0" i="0" kern="1200" dirty="0" smtClean="0">
@@ -1867,7 +2066,55 @@
                 <a:ea typeface="+mn-ea"/>
                 <a:cs typeface="+mn-cs"/>
               </a:rPr>
-              <a:t>：</a:t>
+              <a:t>关键字修饰</a:t>
+            </a:r>
+            <a:r>
+              <a:rPr lang="en-US" altLang="zh-CN" sz="1200" b="0" i="0" kern="1200" dirty="0" smtClean="0">
+                <a:solidFill>
+                  <a:schemeClr val="tx1"/>
+                </a:solidFill>
+                <a:effectLst/>
+                <a:latin typeface="+mn-lt"/>
+                <a:ea typeface="+mn-ea"/>
+                <a:cs typeface="+mn-cs"/>
+              </a:rPr>
+              <a:t>Test</a:t>
+            </a:r>
+            <a:r>
+              <a:rPr lang="zh-CN" altLang="en-US" sz="1200" b="0" i="0" kern="1200" dirty="0" smtClean="0">
+                <a:solidFill>
+                  <a:schemeClr val="tx1"/>
+                </a:solidFill>
+                <a:effectLst/>
+                <a:latin typeface="+mn-lt"/>
+                <a:ea typeface="+mn-ea"/>
+                <a:cs typeface="+mn-cs"/>
+              </a:rPr>
+              <a:t>类中的</a:t>
+            </a:r>
+            <a:r>
+              <a:rPr lang="en-US" altLang="zh-CN" sz="1200" b="0" i="0" kern="1200" dirty="0" smtClean="0">
+                <a:solidFill>
+                  <a:schemeClr val="tx1"/>
+                </a:solidFill>
+                <a:effectLst/>
+                <a:latin typeface="+mn-lt"/>
+                <a:ea typeface="+mn-ea"/>
+                <a:cs typeface="+mn-cs"/>
+              </a:rPr>
+              <a:t>v</a:t>
+            </a:r>
+            <a:r>
+              <a:rPr lang="zh-CN" altLang="en-US" sz="1200" b="0" i="0" kern="1200" dirty="0" smtClean="0">
+                <a:solidFill>
+                  <a:schemeClr val="tx1"/>
+                </a:solidFill>
+                <a:effectLst/>
+                <a:latin typeface="+mn-lt"/>
+                <a:ea typeface="+mn-ea"/>
+                <a:cs typeface="+mn-cs"/>
+              </a:rPr>
+              <a:t>属性：</a:t>
             </a:r>
             <a:endParaRPr lang="zh-CN" altLang="en-US" dirty="0"/>
           </a:p>
@@ -1954,7 +2201,7 @@
           <a:lstStyle/>
           <a:p>
             <a:r>
-              <a:rPr lang="en-US" altLang="zh-CN" sz="1200" b="0" i="0" kern="1200" dirty="0" smtClean="0">
+              <a:rPr lang="zh-CN" altLang="en-US" sz="1200" b="0" i="0" kern="1200" dirty="0" smtClean="0">
                 <a:solidFill>
                   <a:schemeClr val="tx1"/>
                 </a:solidFill>
@@ -1963,7 +2210,7 @@
                 <a:ea typeface="+mn-ea"/>
                 <a:cs typeface="+mn-cs"/>
               </a:rPr>
-              <a:t>https://www.cnblogs.com/toSeeMyDream/p/7151635.html   -</a:t>
+              <a:t> 在操作</a:t>
             </a:r>
             <a:r>
               <a:rPr lang="en-US" altLang="zh-CN" sz="1200" b="0" i="0" kern="1200" dirty="0" smtClean="0">
@@ -1974,9 +2221,8 @@
                 <a:latin typeface="+mn-lt"/>
                 <a:ea typeface="+mn-ea"/>
                 <a:cs typeface="+mn-cs"/>
-                <a:sym typeface="Wingdings" pitchFamily="2" charset="2"/>
-              </a:rPr>
-              <a:t>  dump </a:t>
+              </a:rPr>
+              <a:t>2</a:t>
             </a:r>
             <a:r>
               <a:rPr lang="zh-CN" altLang="en-US" sz="1200" b="0" i="0" kern="1200" dirty="0" smtClean="0">
@@ -1987,9 +2233,200 @@
                 <a:latin typeface="+mn-lt"/>
                 <a:ea typeface="+mn-ea"/>
                 <a:cs typeface="+mn-cs"/>
-                <a:sym typeface="Wingdings" pitchFamily="2" charset="2"/>
-              </a:rPr>
-              <a:t>日志</a:t>
+              </a:rPr>
+              <a:t>和操作</a:t>
+            </a:r>
+            <a:r>
+              <a:rPr lang="en-US" altLang="zh-CN" sz="1200" b="0" i="0" kern="1200" dirty="0" smtClean="0">
+                <a:solidFill>
+                  <a:schemeClr val="tx1"/>
+                </a:solidFill>
+                <a:effectLst/>
+                <a:latin typeface="+mn-lt"/>
+                <a:ea typeface="+mn-ea"/>
+                <a:cs typeface="+mn-cs"/>
+              </a:rPr>
+              <a:t>3</a:t>
+            </a:r>
+            <a:r>
+              <a:rPr lang="zh-CN" altLang="en-US" sz="1200" b="0" i="0" kern="1200" dirty="0" smtClean="0">
+                <a:solidFill>
+                  <a:schemeClr val="tx1"/>
+                </a:solidFill>
+                <a:effectLst/>
+                <a:latin typeface="+mn-lt"/>
+                <a:ea typeface="+mn-ea"/>
+                <a:cs typeface="+mn-cs"/>
+              </a:rPr>
+              <a:t>之间，</a:t>
+            </a:r>
+            <a:r>
+              <a:rPr lang="en-US" altLang="zh-CN" sz="1200" b="0" i="0" kern="1200" dirty="0" smtClean="0">
+                <a:solidFill>
+                  <a:schemeClr val="tx1"/>
+                </a:solidFill>
+                <a:effectLst/>
+                <a:latin typeface="+mn-lt"/>
+                <a:ea typeface="+mn-ea"/>
+                <a:cs typeface="+mn-cs"/>
+              </a:rPr>
+              <a:t>thread0</a:t>
+            </a:r>
+            <a:r>
+              <a:rPr lang="zh-CN" altLang="en-US" sz="1200" b="0" i="0" kern="1200" dirty="0" smtClean="0">
+                <a:solidFill>
+                  <a:schemeClr val="tx1"/>
+                </a:solidFill>
+                <a:effectLst/>
+                <a:latin typeface="+mn-lt"/>
+                <a:ea typeface="+mn-ea"/>
+                <a:cs typeface="+mn-cs"/>
+              </a:rPr>
+              <a:t>完成了对主内存的赋值。虽然</a:t>
+            </a:r>
+            <a:r>
+              <a:rPr lang="en-US" altLang="zh-CN" sz="1200" b="0" i="0" kern="1200" dirty="0" smtClean="0">
+                <a:solidFill>
+                  <a:schemeClr val="tx1"/>
+                </a:solidFill>
+                <a:effectLst/>
+                <a:latin typeface="+mn-lt"/>
+                <a:ea typeface="+mn-ea"/>
+                <a:cs typeface="+mn-cs"/>
+              </a:rPr>
+              <a:t>thread1</a:t>
+            </a:r>
+            <a:r>
+              <a:rPr lang="zh-CN" altLang="en-US" sz="1200" b="0" i="0" kern="1200" dirty="0" smtClean="0">
+                <a:solidFill>
+                  <a:schemeClr val="tx1"/>
+                </a:solidFill>
+                <a:effectLst/>
+                <a:latin typeface="+mn-lt"/>
+                <a:ea typeface="+mn-ea"/>
+                <a:cs typeface="+mn-cs"/>
+              </a:rPr>
+              <a:t>的工作内存会在下次读的时候得到及时刷新，可是在下次读工作内存之前，</a:t>
+            </a:r>
+            <a:r>
+              <a:rPr lang="en-US" altLang="zh-CN" sz="1200" b="0" i="0" kern="1200" dirty="0" smtClean="0">
+                <a:solidFill>
+                  <a:schemeClr val="tx1"/>
+                </a:solidFill>
+                <a:effectLst/>
+                <a:latin typeface="+mn-lt"/>
+                <a:ea typeface="+mn-ea"/>
+                <a:cs typeface="+mn-cs"/>
+              </a:rPr>
+              <a:t>thread1</a:t>
+            </a:r>
+            <a:r>
+              <a:rPr lang="zh-CN" altLang="en-US" sz="1200" b="0" i="0" kern="1200" dirty="0" smtClean="0">
+                <a:solidFill>
+                  <a:schemeClr val="tx1"/>
+                </a:solidFill>
+                <a:effectLst/>
+                <a:latin typeface="+mn-lt"/>
+                <a:ea typeface="+mn-ea"/>
+                <a:cs typeface="+mn-cs"/>
+              </a:rPr>
+              <a:t>还有</a:t>
+            </a:r>
+            <a:r>
+              <a:rPr lang="en-US" altLang="zh-CN" sz="1200" b="0" i="0" kern="1200" dirty="0" smtClean="0">
+                <a:solidFill>
+                  <a:schemeClr val="tx1"/>
+                </a:solidFill>
+                <a:effectLst/>
+                <a:latin typeface="+mn-lt"/>
+                <a:ea typeface="+mn-ea"/>
+                <a:cs typeface="+mn-cs"/>
+              </a:rPr>
+              <a:t>v=0</a:t>
+            </a:r>
+            <a:r>
+              <a:rPr lang="zh-CN" altLang="en-US" sz="1200" b="0" i="0" kern="1200" dirty="0" smtClean="0">
+                <a:solidFill>
+                  <a:schemeClr val="tx1"/>
+                </a:solidFill>
+                <a:effectLst/>
+                <a:latin typeface="+mn-lt"/>
+                <a:ea typeface="+mn-ea"/>
+                <a:cs typeface="+mn-cs"/>
+              </a:rPr>
+              <a:t>这个数据正在执行引擎中翻滚呀，它不会得到更新啊，最终执行引擎计算的结果是</a:t>
+            </a:r>
+            <a:r>
+              <a:rPr lang="en-US" altLang="zh-CN" sz="1200" b="0" i="0" kern="1200" dirty="0" smtClean="0">
+                <a:solidFill>
+                  <a:schemeClr val="tx1"/>
+                </a:solidFill>
+                <a:effectLst/>
+                <a:latin typeface="+mn-lt"/>
+                <a:ea typeface="+mn-ea"/>
+                <a:cs typeface="+mn-cs"/>
+              </a:rPr>
+              <a:t>v=1</a:t>
+            </a:r>
+            <a:r>
+              <a:rPr lang="zh-CN" altLang="en-US" sz="1200" b="0" i="0" kern="1200" dirty="0" smtClean="0">
+                <a:solidFill>
+                  <a:schemeClr val="tx1"/>
+                </a:solidFill>
+                <a:effectLst/>
+                <a:latin typeface="+mn-lt"/>
+                <a:ea typeface="+mn-ea"/>
+                <a:cs typeface="+mn-cs"/>
+              </a:rPr>
+              <a:t>，那最后</a:t>
+            </a:r>
+            <a:r>
+              <a:rPr lang="en-US" altLang="zh-CN" sz="1200" b="0" i="0" kern="1200" dirty="0" smtClean="0">
+                <a:solidFill>
+                  <a:schemeClr val="tx1"/>
+                </a:solidFill>
+                <a:effectLst/>
+                <a:latin typeface="+mn-lt"/>
+                <a:ea typeface="+mn-ea"/>
+                <a:cs typeface="+mn-cs"/>
+              </a:rPr>
+              <a:t>thread1</a:t>
+            </a:r>
+            <a:r>
+              <a:rPr lang="zh-CN" altLang="en-US" sz="1200" b="0" i="0" kern="1200" dirty="0" smtClean="0">
+                <a:solidFill>
+                  <a:schemeClr val="tx1"/>
+                </a:solidFill>
+                <a:effectLst/>
+                <a:latin typeface="+mn-lt"/>
+                <a:ea typeface="+mn-ea"/>
+                <a:cs typeface="+mn-cs"/>
+              </a:rPr>
+              <a:t>赋给主内存的结果还是</a:t>
+            </a:r>
+            <a:r>
+              <a:rPr lang="en-US" altLang="zh-CN" sz="1200" b="0" i="0" kern="1200" dirty="0" smtClean="0">
+                <a:solidFill>
+                  <a:schemeClr val="tx1"/>
+                </a:solidFill>
+                <a:effectLst/>
+                <a:latin typeface="+mn-lt"/>
+                <a:ea typeface="+mn-ea"/>
+                <a:cs typeface="+mn-cs"/>
+              </a:rPr>
+              <a:t>v=1</a:t>
+            </a:r>
+            <a:r>
+              <a:rPr lang="zh-CN" altLang="en-US" sz="1200" b="0" i="0" kern="1200" dirty="0" smtClean="0">
+                <a:solidFill>
+                  <a:schemeClr val="tx1"/>
+                </a:solidFill>
+                <a:effectLst/>
+                <a:latin typeface="+mn-lt"/>
+                <a:ea typeface="+mn-ea"/>
+                <a:cs typeface="+mn-cs"/>
+              </a:rPr>
+              <a:t>。</a:t>
             </a:r>
             <a:endParaRPr lang="en-US" altLang="zh-CN" sz="1200" b="0" i="0" kern="1200" dirty="0" smtClean="0">
               <a:solidFill>
@@ -1999,111 +2436,45 @@
               <a:latin typeface="+mn-lt"/>
               <a:ea typeface="+mn-ea"/>
               <a:cs typeface="+mn-cs"/>
-              <a:sym typeface="Wingdings" pitchFamily="2" charset="2"/>
             </a:endParaRPr>
           </a:p>
           <a:p>
-            <a:endParaRPr lang="en-US" altLang="zh-CN" sz="1200" b="0" i="0" kern="1200" dirty="0" smtClean="0">
-              <a:solidFill>
-                <a:schemeClr val="tx1"/>
-              </a:solidFill>
-              <a:effectLst/>
-              <a:latin typeface="+mn-lt"/>
-              <a:ea typeface="+mn-ea"/>
-              <a:cs typeface="+mn-cs"/>
-              <a:sym typeface="Wingdings" pitchFamily="2" charset="2"/>
-            </a:endParaRPr>
-          </a:p>
-          <a:p>
-            <a:r>
-              <a:rPr lang="en-US" altLang="zh-CN" dirty="0" smtClean="0"/>
-              <a:t>https://blog.csdn.net/wgw335363240/article/details/21373015   --&gt;  </a:t>
-            </a:r>
-            <a:r>
-              <a:rPr lang="zh-CN" altLang="en-US" dirty="0" smtClean="0"/>
-              <a:t>线程分析</a:t>
-            </a:r>
-            <a:r>
-              <a:rPr lang="en-US" altLang="zh-CN" baseline="0" dirty="0" smtClean="0"/>
-              <a:t> </a:t>
-            </a:r>
-          </a:p>
-          <a:p>
-            <a:endParaRPr lang="en-US" altLang="zh-CN" baseline="0" dirty="0" smtClean="0"/>
-          </a:p>
-          <a:p>
-            <a:endParaRPr lang="en-US" altLang="zh-CN" baseline="0" dirty="0" smtClean="0"/>
-          </a:p>
-          <a:p>
-            <a:r>
-              <a:rPr lang="zh-CN" altLang="en-US" dirty="0" smtClean="0"/>
-              <a:t>方案有三种</a:t>
-            </a:r>
-            <a:r>
-              <a:rPr lang="en-US" altLang="zh-CN" dirty="0" smtClean="0"/>
-              <a:t>1</a:t>
-            </a:r>
-            <a:r>
-              <a:rPr lang="zh-CN" altLang="en-US" dirty="0" smtClean="0"/>
-              <a:t>、</a:t>
-            </a:r>
-            <a:r>
-              <a:rPr lang="en-US" altLang="zh-CN" dirty="0" err="1" smtClean="0"/>
-              <a:t>redis</a:t>
-            </a:r>
-            <a:r>
-              <a:rPr lang="en-US" altLang="zh-CN" dirty="0" smtClean="0"/>
-              <a:t> incr2</a:t>
-            </a:r>
-            <a:r>
-              <a:rPr lang="zh-CN" altLang="en-US" dirty="0" smtClean="0"/>
-              <a:t>、数据库</a:t>
-            </a:r>
-            <a:r>
-              <a:rPr lang="en-US" altLang="zh-CN" dirty="0" smtClean="0"/>
-              <a:t>for update3</a:t>
-            </a:r>
-            <a:r>
-              <a:rPr lang="zh-CN" altLang="en-US" dirty="0" smtClean="0"/>
-              <a:t>、一次批量生成一些放</a:t>
-            </a:r>
-            <a:r>
-              <a:rPr lang="en-US" altLang="zh-CN" dirty="0" err="1" smtClean="0"/>
-              <a:t>blockqueue</a:t>
-            </a:r>
-            <a:r>
-              <a:rPr lang="zh-CN" altLang="en-US" dirty="0" smtClean="0"/>
-              <a:t>，取完之后再生成</a:t>
-            </a:r>
-            <a:endParaRPr lang="en-US" altLang="zh-CN" dirty="0" smtClean="0"/>
-          </a:p>
-          <a:p>
-            <a:endParaRPr lang="en-US" altLang="zh-CN" dirty="0" smtClean="0"/>
-          </a:p>
-          <a:p>
-            <a:r>
-              <a:rPr lang="zh-CN" altLang="en-US" dirty="0" smtClean="0"/>
-              <a:t>但是除了</a:t>
-            </a:r>
-            <a:r>
-              <a:rPr lang="en-US" altLang="zh-CN" dirty="0" err="1" smtClean="0"/>
-              <a:t>redis</a:t>
-            </a:r>
-            <a:r>
-              <a:rPr lang="zh-CN" altLang="en-US" dirty="0" smtClean="0"/>
-              <a:t>可以解决分布式以外，数据库主从之后锁表不能锁全部库，</a:t>
-            </a:r>
-            <a:r>
-              <a:rPr lang="en-US" altLang="zh-CN" dirty="0" err="1" smtClean="0"/>
-              <a:t>blockqueue</a:t>
-            </a:r>
-            <a:r>
-              <a:rPr lang="zh-CN" altLang="en-US" dirty="0" smtClean="0"/>
-              <a:t>也只是存内存里面的</a:t>
-            </a:r>
-            <a:endParaRPr lang="en-US" altLang="zh-CN" dirty="0" smtClean="0"/>
-          </a:p>
-          <a:p>
+            <a:r>
+              <a:rPr lang="zh-CN" altLang="en-US" sz="1200" b="0" i="0" kern="1200" dirty="0" smtClean="0">
+                <a:solidFill>
+                  <a:schemeClr val="tx1"/>
+                </a:solidFill>
+                <a:effectLst/>
+                <a:latin typeface="+mn-lt"/>
+                <a:ea typeface="+mn-ea"/>
+                <a:cs typeface="+mn-cs"/>
+              </a:rPr>
+              <a:t>这个“执行引擎数据”和“主内存数据”之间的不一致问题咋解决呢？答案是用</a:t>
+            </a:r>
+            <a:r>
+              <a:rPr lang="en-US" altLang="zh-CN" sz="1200" b="0" i="0" kern="1200" dirty="0" smtClean="0">
+                <a:solidFill>
+                  <a:schemeClr val="tx1"/>
+                </a:solidFill>
+                <a:effectLst/>
+                <a:latin typeface="+mn-lt"/>
+                <a:ea typeface="+mn-ea"/>
+                <a:cs typeface="+mn-cs"/>
+              </a:rPr>
+              <a:t>synchronized</a:t>
+            </a:r>
+            <a:r>
+              <a:rPr lang="zh-CN" altLang="en-US" sz="1200" b="0" i="0" kern="1200" dirty="0" smtClean="0">
+                <a:solidFill>
+                  <a:schemeClr val="tx1"/>
+                </a:solidFill>
+                <a:effectLst/>
+                <a:latin typeface="+mn-lt"/>
+                <a:ea typeface="+mn-ea"/>
+                <a:cs typeface="+mn-cs"/>
+              </a:rPr>
+              <a:t>：</a:t>
+            </a:r>
             <a:endParaRPr lang="zh-CN" altLang="en-US" dirty="0"/>
           </a:p>
         </p:txBody>
@@ -2126,6 +2497,407 @@
             <a:fld id="{72B5C451-00F3-48A6-A44B-DB8AECB57F26}" type="slidenum">
               <a:rPr lang="zh-CN" altLang="en-US" smtClean="0"/>
               <a:t>6</a:t>
+            </a:fld>
+            <a:endParaRPr lang="zh-CN" altLang="en-US"/>
+          </a:p>
+        </p:txBody>
+      </p:sp>
+    </p:spTree>
+    <p:extLst>
+      <p:ext uri="{BB962C8B-B14F-4D97-AF65-F5344CB8AC3E}">
+        <p14:creationId xmlns:p14="http://schemas.microsoft.com/office/powerpoint/2010/main" val="1871665474"/>
+      </p:ext>
+    </p:extLst>
+  </p:cSld>
+  <p:clrMapOvr>
+    <a:masterClrMapping/>
+  </p:clrMapOvr>
+</p:notes>
+</file>
+
+<file path=ppt/notesSlides/notesSlide5.xml><?xml version="1.0" encoding="utf-8"?>
+<p:notes xmlns:a="http://schemas.openxmlformats.org/drawingml/2006/main" xmlns:r="http://schemas.openxmlformats.org/officeDocument/2006/relationships" xmlns:p="http://schemas.openxmlformats.org/presentationml/2006/main">
+  <p:cSld>
+    <p:spTree>
+      <p:nvGrpSpPr>
+        <p:cNvPr id="1" name=""/>
+        <p:cNvGrpSpPr/>
+        <p:nvPr/>
+      </p:nvGrpSpPr>
+      <p:grpSpPr>
+        <a:xfrm>
+          <a:off x="0" y="0"/>
+          <a:ext cx="0" cy="0"/>
+          <a:chOff x="0" y="0"/>
+          <a:chExt cx="0" cy="0"/>
+        </a:xfrm>
+      </p:grpSpPr>
+      <p:sp>
+        <p:nvSpPr>
+          <p:cNvPr id="2" name="幻灯片图像占位符 1"/>
+          <p:cNvSpPr>
+            <a:spLocks noGrp="1" noRot="1" noChangeAspect="1"/>
+          </p:cNvSpPr>
+          <p:nvPr>
+            <p:ph type="sldImg"/>
+          </p:nvPr>
+        </p:nvSpPr>
+        <p:spPr/>
+      </p:sp>
+      <p:sp>
+        <p:nvSpPr>
+          <p:cNvPr id="3" name="备注占位符 2"/>
+          <p:cNvSpPr>
+            <a:spLocks noGrp="1"/>
+          </p:cNvSpPr>
+          <p:nvPr>
+            <p:ph type="body" idx="1"/>
+          </p:nvPr>
+        </p:nvSpPr>
+        <p:spPr/>
+        <p:txBody>
+          <a:bodyPr/>
+          <a:lstStyle/>
+          <a:p>
+            <a:r>
+              <a:rPr lang="zh-CN" altLang="en-US" sz="1200" b="0" i="0" kern="1200" dirty="0" smtClean="0">
+                <a:solidFill>
+                  <a:schemeClr val="tx1"/>
+                </a:solidFill>
+                <a:effectLst/>
+                <a:latin typeface="+mn-lt"/>
+                <a:ea typeface="+mn-ea"/>
+                <a:cs typeface="+mn-cs"/>
+              </a:rPr>
+              <a:t>代码</a:t>
+            </a:r>
+            <a:r>
+              <a:rPr lang="en-US" altLang="zh-CN" sz="1200" b="0" i="0" kern="1200" dirty="0" smtClean="0">
+                <a:solidFill>
+                  <a:schemeClr val="tx1"/>
+                </a:solidFill>
+                <a:effectLst/>
+                <a:latin typeface="+mn-lt"/>
+                <a:ea typeface="+mn-ea"/>
+                <a:cs typeface="+mn-cs"/>
+              </a:rPr>
+              <a:t>3</a:t>
+            </a:r>
+            <a:r>
+              <a:rPr lang="zh-CN" altLang="en-US" sz="1200" b="0" i="0" kern="1200" dirty="0" smtClean="0">
+                <a:solidFill>
+                  <a:schemeClr val="tx1"/>
+                </a:solidFill>
+                <a:effectLst/>
+                <a:latin typeface="+mn-lt"/>
+                <a:ea typeface="+mn-ea"/>
+                <a:cs typeface="+mn-cs"/>
+              </a:rPr>
+              <a:t>和</a:t>
+            </a:r>
+            <a:r>
+              <a:rPr lang="en-US" altLang="zh-CN" sz="1200" b="0" i="0" kern="1200" dirty="0" smtClean="0">
+                <a:solidFill>
+                  <a:schemeClr val="tx1"/>
+                </a:solidFill>
+                <a:effectLst/>
+                <a:latin typeface="+mn-lt"/>
+                <a:ea typeface="+mn-ea"/>
+                <a:cs typeface="+mn-cs"/>
+              </a:rPr>
+              <a:t>4</a:t>
+            </a:r>
+            <a:r>
+              <a:rPr lang="zh-CN" altLang="en-US" sz="1200" b="0" i="0" kern="1200" dirty="0" smtClean="0">
+                <a:solidFill>
+                  <a:schemeClr val="tx1"/>
+                </a:solidFill>
+                <a:effectLst/>
+                <a:latin typeface="+mn-lt"/>
+                <a:ea typeface="+mn-ea"/>
+                <a:cs typeface="+mn-cs"/>
+              </a:rPr>
+              <a:t>的区别，</a:t>
+            </a:r>
+            <a:r>
+              <a:rPr lang="en-US" altLang="zh-CN" sz="1200" b="0" i="0" kern="1200" dirty="0" smtClean="0">
+                <a:solidFill>
+                  <a:schemeClr val="tx1"/>
+                </a:solidFill>
+                <a:effectLst/>
+                <a:latin typeface="+mn-lt"/>
+                <a:ea typeface="+mn-ea"/>
+                <a:cs typeface="+mn-cs"/>
+              </a:rPr>
+              <a:t>4</a:t>
+            </a:r>
+            <a:r>
+              <a:rPr lang="zh-CN" altLang="en-US" sz="1200" b="0" i="0" kern="1200" dirty="0" smtClean="0">
+                <a:solidFill>
+                  <a:schemeClr val="tx1"/>
+                </a:solidFill>
+                <a:effectLst/>
+                <a:latin typeface="+mn-lt"/>
+                <a:ea typeface="+mn-ea"/>
+                <a:cs typeface="+mn-cs"/>
+              </a:rPr>
+              <a:t>模拟了程序处理</a:t>
+            </a:r>
+            <a:r>
+              <a:rPr lang="en-US" altLang="zh-CN" sz="1200" b="0" i="0" kern="1200" dirty="0" smtClean="0">
+                <a:solidFill>
+                  <a:schemeClr val="tx1"/>
+                </a:solidFill>
+                <a:effectLst/>
+                <a:latin typeface="+mn-lt"/>
+                <a:ea typeface="+mn-ea"/>
+                <a:cs typeface="+mn-cs"/>
+              </a:rPr>
+              <a:t>10</a:t>
+            </a:r>
+            <a:r>
+              <a:rPr lang="zh-CN" altLang="en-US" sz="1200" b="0" i="0" kern="1200" dirty="0" smtClean="0">
+                <a:solidFill>
+                  <a:schemeClr val="tx1"/>
+                </a:solidFill>
+                <a:effectLst/>
+                <a:latin typeface="+mn-lt"/>
+                <a:ea typeface="+mn-ea"/>
+                <a:cs typeface="+mn-cs"/>
+              </a:rPr>
+              <a:t>毫秒，导致线程切换抢夺资源阻塞死锁。代码</a:t>
+            </a:r>
+            <a:r>
+              <a:rPr lang="en-US" altLang="zh-CN" sz="1200" b="0" i="0" kern="1200" dirty="0" smtClean="0">
+                <a:solidFill>
+                  <a:schemeClr val="tx1"/>
+                </a:solidFill>
+                <a:effectLst/>
+                <a:latin typeface="+mn-lt"/>
+                <a:ea typeface="+mn-ea"/>
+                <a:cs typeface="+mn-cs"/>
+              </a:rPr>
+              <a:t>3</a:t>
+            </a:r>
+            <a:r>
+              <a:rPr lang="zh-CN" altLang="en-US" sz="1200" b="0" i="0" kern="1200" dirty="0" smtClean="0">
+                <a:solidFill>
+                  <a:schemeClr val="tx1"/>
+                </a:solidFill>
+                <a:effectLst/>
+                <a:latin typeface="+mn-lt"/>
+                <a:ea typeface="+mn-ea"/>
+                <a:cs typeface="+mn-cs"/>
+              </a:rPr>
+              <a:t>在另一个线程还没开启的时候就已经执行完毕释放锁了。</a:t>
+            </a:r>
+            <a:endParaRPr lang="en-US" altLang="zh-CN" sz="1200" b="0" i="0" kern="1200" dirty="0" smtClean="0">
+              <a:solidFill>
+                <a:schemeClr val="tx1"/>
+              </a:solidFill>
+              <a:effectLst/>
+              <a:latin typeface="+mn-lt"/>
+              <a:ea typeface="+mn-ea"/>
+              <a:cs typeface="+mn-cs"/>
+            </a:endParaRPr>
+          </a:p>
+          <a:p>
+            <a:endParaRPr lang="en-US" altLang="zh-CN" sz="1200" b="0" i="0" kern="1200" dirty="0" smtClean="0">
+              <a:solidFill>
+                <a:schemeClr val="tx1"/>
+              </a:solidFill>
+              <a:effectLst/>
+              <a:latin typeface="+mn-lt"/>
+              <a:ea typeface="+mn-ea"/>
+              <a:cs typeface="+mn-cs"/>
+            </a:endParaRPr>
+          </a:p>
+          <a:p>
+            <a:r>
+              <a:rPr lang="en-US" altLang="zh-CN" sz="1200" b="0" i="0" kern="1200" dirty="0" smtClean="0">
+                <a:solidFill>
+                  <a:schemeClr val="tx1"/>
+                </a:solidFill>
+                <a:effectLst/>
+                <a:latin typeface="+mn-lt"/>
+                <a:ea typeface="+mn-ea"/>
+                <a:cs typeface="+mn-cs"/>
+              </a:rPr>
+              <a:t>https</a:t>
+            </a:r>
+            <a:r>
+              <a:rPr lang="en-US" altLang="zh-CN" sz="1200" b="0" i="0" kern="1200" dirty="0" smtClean="0">
+                <a:solidFill>
+                  <a:schemeClr val="tx1"/>
+                </a:solidFill>
+                <a:effectLst/>
+                <a:latin typeface="+mn-lt"/>
+                <a:ea typeface="+mn-ea"/>
+                <a:cs typeface="+mn-cs"/>
+              </a:rPr>
+              <a:t>://www.cnblogs.com/toSeeMyDream/p/7151635.html   -</a:t>
+            </a:r>
+            <a:r>
+              <a:rPr lang="en-US" altLang="zh-CN" sz="1200" b="0" i="0" kern="1200" dirty="0" smtClean="0">
+                <a:solidFill>
+                  <a:schemeClr val="tx1"/>
+                </a:solidFill>
+                <a:effectLst/>
+                <a:latin typeface="+mn-lt"/>
+                <a:ea typeface="+mn-ea"/>
+                <a:cs typeface="+mn-cs"/>
+                <a:sym typeface="Wingdings" pitchFamily="2" charset="2"/>
+              </a:rPr>
+              <a:t>  dump </a:t>
+            </a:r>
+            <a:r>
+              <a:rPr lang="zh-CN" altLang="en-US" sz="1200" b="0" i="0" kern="1200" dirty="0" smtClean="0">
+                <a:solidFill>
+                  <a:schemeClr val="tx1"/>
+                </a:solidFill>
+                <a:effectLst/>
+                <a:latin typeface="+mn-lt"/>
+                <a:ea typeface="+mn-ea"/>
+                <a:cs typeface="+mn-cs"/>
+                <a:sym typeface="Wingdings" pitchFamily="2" charset="2"/>
+              </a:rPr>
+              <a:t>日志</a:t>
+            </a:r>
+            <a:endParaRPr lang="en-US" altLang="zh-CN" sz="1200" b="0" i="0" kern="1200" dirty="0" smtClean="0">
+              <a:solidFill>
+                <a:schemeClr val="tx1"/>
+              </a:solidFill>
+              <a:effectLst/>
+              <a:latin typeface="+mn-lt"/>
+              <a:ea typeface="+mn-ea"/>
+              <a:cs typeface="+mn-cs"/>
+              <a:sym typeface="Wingdings" pitchFamily="2" charset="2"/>
+            </a:endParaRPr>
+          </a:p>
+          <a:p>
+            <a:endParaRPr lang="en-US" altLang="zh-CN" sz="1200" b="0" i="0" kern="1200" dirty="0" smtClean="0">
+              <a:solidFill>
+                <a:schemeClr val="tx1"/>
+              </a:solidFill>
+              <a:effectLst/>
+              <a:latin typeface="+mn-lt"/>
+              <a:ea typeface="+mn-ea"/>
+              <a:cs typeface="+mn-cs"/>
+              <a:sym typeface="Wingdings" pitchFamily="2" charset="2"/>
+            </a:endParaRPr>
+          </a:p>
+          <a:p>
+            <a:r>
+              <a:rPr lang="en-US" altLang="zh-CN" dirty="0" smtClean="0"/>
+              <a:t>https://blog.csdn.net/wgw335363240/article/details/21373015   --&gt;  </a:t>
+            </a:r>
+            <a:r>
+              <a:rPr lang="zh-CN" altLang="en-US" dirty="0" smtClean="0"/>
+              <a:t>线程分析</a:t>
+            </a:r>
+            <a:r>
+              <a:rPr lang="en-US" altLang="zh-CN" baseline="0" dirty="0" smtClean="0"/>
+              <a:t> </a:t>
+            </a:r>
+          </a:p>
+          <a:p>
+            <a:endParaRPr lang="en-US" altLang="zh-CN" baseline="0" dirty="0" smtClean="0"/>
+          </a:p>
+          <a:p>
+            <a:endParaRPr lang="en-US" altLang="zh-CN" baseline="0" dirty="0" smtClean="0"/>
+          </a:p>
+          <a:p>
+            <a:r>
+              <a:rPr lang="zh-CN" altLang="en-US" dirty="0" smtClean="0"/>
+              <a:t>方案有三种</a:t>
+            </a:r>
+            <a:r>
+              <a:rPr lang="en-US" altLang="zh-CN" dirty="0" smtClean="0"/>
+              <a:t>1</a:t>
+            </a:r>
+            <a:r>
+              <a:rPr lang="zh-CN" altLang="en-US" dirty="0" smtClean="0"/>
+              <a:t>、</a:t>
+            </a:r>
+            <a:r>
+              <a:rPr lang="en-US" altLang="zh-CN" dirty="0" err="1" smtClean="0"/>
+              <a:t>redis</a:t>
+            </a:r>
+            <a:r>
+              <a:rPr lang="en-US" altLang="zh-CN" dirty="0" smtClean="0"/>
+              <a:t> incr2</a:t>
+            </a:r>
+            <a:r>
+              <a:rPr lang="zh-CN" altLang="en-US" dirty="0" smtClean="0"/>
+              <a:t>、数据库</a:t>
+            </a:r>
+            <a:r>
+              <a:rPr lang="en-US" altLang="zh-CN" dirty="0" smtClean="0"/>
+              <a:t>for update3</a:t>
+            </a:r>
+            <a:r>
+              <a:rPr lang="zh-CN" altLang="en-US" dirty="0" smtClean="0"/>
+              <a:t>、一次批量生成一些放</a:t>
+            </a:r>
+            <a:r>
+              <a:rPr lang="en-US" altLang="zh-CN" dirty="0" err="1" smtClean="0"/>
+              <a:t>blockqueue</a:t>
+            </a:r>
+            <a:r>
+              <a:rPr lang="zh-CN" altLang="en-US" dirty="0" smtClean="0"/>
+              <a:t>，取完之后再生成</a:t>
+            </a:r>
+            <a:endParaRPr lang="en-US" altLang="zh-CN" dirty="0" smtClean="0"/>
+          </a:p>
+          <a:p>
+            <a:endParaRPr lang="en-US" altLang="zh-CN" dirty="0" smtClean="0"/>
+          </a:p>
+          <a:p>
+            <a:r>
+              <a:rPr lang="zh-CN" altLang="en-US" dirty="0" smtClean="0"/>
+              <a:t>但是除了</a:t>
+            </a:r>
+            <a:r>
+              <a:rPr lang="en-US" altLang="zh-CN" dirty="0" err="1" smtClean="0"/>
+              <a:t>redis</a:t>
+            </a:r>
+            <a:r>
+              <a:rPr lang="zh-CN" altLang="en-US" dirty="0" smtClean="0"/>
+              <a:t>可以解决分布式以外，数据库主从之后锁表不能锁全部库，</a:t>
+            </a:r>
+            <a:r>
+              <a:rPr lang="en-US" altLang="zh-CN" dirty="0" err="1" smtClean="0"/>
+              <a:t>blockqueue</a:t>
+            </a:r>
+            <a:r>
+              <a:rPr lang="zh-CN" altLang="en-US" dirty="0" smtClean="0"/>
+              <a:t>也只是存内存里面的</a:t>
+            </a:r>
+            <a:endParaRPr lang="en-US" altLang="zh-CN" dirty="0" smtClean="0"/>
+          </a:p>
+          <a:p>
+            <a:endParaRPr lang="zh-CN" altLang="en-US" dirty="0"/>
+          </a:p>
+        </p:txBody>
+      </p:sp>
+      <p:sp>
+        <p:nvSpPr>
+          <p:cNvPr id="4" name="灯片编号占位符 3"/>
+          <p:cNvSpPr>
+            <a:spLocks noGrp="1"/>
+          </p:cNvSpPr>
+          <p:nvPr>
+            <p:ph type="sldNum" sz="quarter" idx="10"/>
+          </p:nvPr>
+        </p:nvSpPr>
+        <p:spPr/>
+        <p:txBody>
+          <a:bodyPr/>
+          <a:lstStyle/>
+          <a:p>
+            <a:fld id="{72B5C451-00F3-48A6-A44B-DB8AECB57F26}" type="slidenum">
+              <a:rPr lang="zh-CN" altLang="en-US" smtClean="0"/>
+              <a:t>7</a:t>
             </a:fld>
             <a:endParaRPr lang="zh-CN" altLang="en-US"/>
           </a:p>
@@ -2380,7 +3152,7 @@
           <a:p>
             <a:fld id="{45A17B48-887A-0540-9537-37F4DBE465A9}" type="datetimeFigureOut">
               <a:rPr kumimoji="1" lang="zh-CN" altLang="en-US" smtClean="0"/>
-              <a:t>2018/5/22</a:t>
+              <a:t>2018/5/25</a:t>
             </a:fld>
             <a:endParaRPr kumimoji="1" lang="zh-CN" altLang="en-US"/>
           </a:p>
@@ -2580,7 +3352,7 @@
           <a:p>
             <a:fld id="{45A17B48-887A-0540-9537-37F4DBE465A9}" type="datetimeFigureOut">
               <a:rPr kumimoji="1" lang="zh-CN" altLang="en-US" smtClean="0"/>
-              <a:t>2018/5/22</a:t>
+              <a:t>2018/5/25</a:t>
             </a:fld>
             <a:endParaRPr kumimoji="1" lang="zh-CN" altLang="en-US"/>
           </a:p>
@@ -2760,7 +3532,7 @@
           <a:p>
             <a:fld id="{45A17B48-887A-0540-9537-37F4DBE465A9}" type="datetimeFigureOut">
               <a:rPr kumimoji="1" lang="zh-CN" altLang="en-US" smtClean="0"/>
-              <a:t>2018/5/22</a:t>
+              <a:t>2018/5/25</a:t>
             </a:fld>
             <a:endParaRPr kumimoji="1" lang="zh-CN" altLang="en-US"/>
           </a:p>
@@ -2930,7 +3702,7 @@
           <a:p>
             <a:fld id="{45A17B48-887A-0540-9537-37F4DBE465A9}" type="datetimeFigureOut">
               <a:rPr kumimoji="1" lang="zh-CN" altLang="en-US" smtClean="0"/>
-              <a:t>2018/5/22</a:t>
+              <a:t>2018/5/25</a:t>
             </a:fld>
             <a:endParaRPr kumimoji="1" lang="zh-CN" altLang="en-US"/>
           </a:p>
@@ -3176,7 +3948,7 @@
           <a:p>
             <a:fld id="{45A17B48-887A-0540-9537-37F4DBE465A9}" type="datetimeFigureOut">
               <a:rPr kumimoji="1" lang="zh-CN" altLang="en-US" smtClean="0"/>
-              <a:t>2018/5/22</a:t>
+              <a:t>2018/5/25</a:t>
             </a:fld>
             <a:endParaRPr kumimoji="1" lang="zh-CN" altLang="en-US"/>
           </a:p>
@@ -3464,7 +4236,7 @@
           <a:p>
             <a:fld id="{45A17B48-887A-0540-9537-37F4DBE465A9}" type="datetimeFigureOut">
               <a:rPr kumimoji="1" lang="zh-CN" altLang="en-US" smtClean="0"/>
-              <a:t>2018/5/22</a:t>
+              <a:t>2018/5/25</a:t>
             </a:fld>
             <a:endParaRPr kumimoji="1" lang="zh-CN" altLang="en-US"/>
           </a:p>
@@ -3886,7 +4658,7 @@
           <a:p>
             <a:fld id="{45A17B48-887A-0540-9537-37F4DBE465A9}" type="datetimeFigureOut">
               <a:rPr kumimoji="1" lang="zh-CN" altLang="en-US" smtClean="0"/>
-              <a:t>2018/5/22</a:t>
+              <a:t>2018/5/25</a:t>
             </a:fld>
             <a:endParaRPr kumimoji="1" lang="zh-CN" altLang="en-US"/>
           </a:p>
@@ -4004,7 +4776,7 @@
           <a:p>
             <a:fld id="{45A17B48-887A-0540-9537-37F4DBE465A9}" type="datetimeFigureOut">
               <a:rPr kumimoji="1" lang="zh-CN" altLang="en-US" smtClean="0"/>
-              <a:t>2018/5/22</a:t>
+              <a:t>2018/5/25</a:t>
             </a:fld>
             <a:endParaRPr kumimoji="1" lang="zh-CN" altLang="en-US"/>
           </a:p>
@@ -4143,7 +4915,7 @@
           <a:p>
             <a:fld id="{45A17B48-887A-0540-9537-37F4DBE465A9}" type="datetimeFigureOut">
               <a:rPr kumimoji="1" lang="zh-CN" altLang="en-US" smtClean="0"/>
-              <a:t>2018/5/22</a:t>
+              <a:t>2018/5/25</a:t>
             </a:fld>
             <a:endParaRPr kumimoji="1" lang="zh-CN" altLang="en-US"/>
           </a:p>
@@ -4450,7 +5222,7 @@
           <a:p>
             <a:fld id="{45A17B48-887A-0540-9537-37F4DBE465A9}" type="datetimeFigureOut">
               <a:rPr kumimoji="1" lang="zh-CN" altLang="en-US" smtClean="0"/>
-              <a:t>2018/5/22</a:t>
+              <a:t>2018/5/25</a:t>
             </a:fld>
             <a:endParaRPr kumimoji="1" lang="zh-CN" altLang="en-US"/>
           </a:p>
@@ -4703,7 +5475,7 @@
           <a:p>
             <a:fld id="{45A17B48-887A-0540-9537-37F4DBE465A9}" type="datetimeFigureOut">
               <a:rPr kumimoji="1" lang="zh-CN" altLang="en-US" smtClean="0"/>
-              <a:t>2018/5/22</a:t>
+              <a:t>2018/5/25</a:t>
             </a:fld>
             <a:endParaRPr kumimoji="1" lang="zh-CN" altLang="en-US"/>
           </a:p>
@@ -4946,7 +5718,7 @@
           <a:p>
             <a:fld id="{45A17B48-887A-0540-9537-37F4DBE465A9}" type="datetimeFigureOut">
               <a:rPr kumimoji="1" lang="zh-CN" altLang="en-US" smtClean="0"/>
-              <a:t>2018/5/22</a:t>
+              <a:t>2018/5/25</a:t>
             </a:fld>
             <a:endParaRPr kumimoji="1" lang="zh-CN" altLang="en-US"/>
           </a:p>
@@ -5342,7 +6114,11 @@
             </a:r>
             <a:r>
               <a:rPr kumimoji="1" lang="zh-CN" altLang="en-US" dirty="0" smtClean="0"/>
-              <a:t>并发编程常识</a:t>
+              <a:t>并发编程</a:t>
+            </a:r>
+            <a:r>
+              <a:rPr kumimoji="1" lang="zh-CN" altLang="en-US" dirty="0" smtClean="0"/>
+              <a:t>常</a:t>
             </a:r>
             <a:endParaRPr kumimoji="1" lang="zh-CN" altLang="en-US" dirty="0"/>
           </a:p>
@@ -5365,19 +6141,7 @@
           <a:p>
             <a:r>
               <a:rPr kumimoji="1" lang="zh-CN" altLang="en-US" dirty="0" smtClean="0"/>
-              <a:t>虚极</a:t>
-            </a:r>
-            <a:r>
-              <a:rPr kumimoji="1" lang="en-US" altLang="zh-CN" dirty="0" smtClean="0"/>
-              <a:t>(</a:t>
-            </a:r>
-            <a:r>
-              <a:rPr kumimoji="1" lang="zh-CN" altLang="en-US" dirty="0" smtClean="0"/>
-              <a:t>梁飞</a:t>
-            </a:r>
-            <a:r>
-              <a:rPr kumimoji="1" lang="en-US" altLang="zh-CN" dirty="0" smtClean="0"/>
-              <a:t>)</a:t>
+              <a:t>冯建</a:t>
             </a:r>
             <a:endParaRPr kumimoji="1" lang="zh-CN" altLang="en-US" dirty="0"/>
           </a:p>
@@ -5404,6 +6168,377 @@
 </file>
 
 <file path=ppt/slides/slide10.xml><?xml version="1.0" encoding="utf-8"?>
+<p:sld xmlns:a="http://schemas.openxmlformats.org/drawingml/2006/main" xmlns:r="http://schemas.openxmlformats.org/officeDocument/2006/relationships" xmlns:p="http://schemas.openxmlformats.org/presentationml/2006/main">
+  <p:cSld>
+    <p:spTree>
+      <p:nvGrpSpPr>
+        <p:cNvPr id="1" name=""/>
+        <p:cNvGrpSpPr/>
+        <p:nvPr/>
+      </p:nvGrpSpPr>
+      <p:grpSpPr>
+        <a:xfrm>
+          <a:off x="0" y="0"/>
+          <a:ext cx="0" cy="0"/>
+          <a:chOff x="0" y="0"/>
+          <a:chExt cx="0" cy="0"/>
+        </a:xfrm>
+      </p:grpSpPr>
+      <p:sp>
+        <p:nvSpPr>
+          <p:cNvPr id="2" name="标题 1"/>
+          <p:cNvSpPr>
+            <a:spLocks noGrp="1"/>
+          </p:cNvSpPr>
+          <p:nvPr>
+            <p:ph type="title"/>
+          </p:nvPr>
+        </p:nvSpPr>
+        <p:spPr/>
+        <p:txBody>
+          <a:bodyPr/>
+          <a:lstStyle/>
+          <a:p>
+            <a:r>
+              <a:rPr kumimoji="1" lang="zh-CN" altLang="en-US" dirty="0"/>
+              <a:t>可排序</a:t>
+            </a:r>
+            <a:r>
+              <a:rPr kumimoji="1" lang="zh-CN" altLang="en-US" dirty="0" smtClean="0"/>
+              <a:t>性</a:t>
+            </a:r>
+            <a:endParaRPr kumimoji="1" lang="zh-CN" altLang="en-US" dirty="0"/>
+          </a:p>
+        </p:txBody>
+      </p:sp>
+      <p:sp>
+        <p:nvSpPr>
+          <p:cNvPr id="3" name="内容占位符 2"/>
+          <p:cNvSpPr>
+            <a:spLocks noGrp="1"/>
+          </p:cNvSpPr>
+          <p:nvPr>
+            <p:ph idx="1"/>
+          </p:nvPr>
+        </p:nvSpPr>
+        <p:spPr/>
+        <p:txBody>
+          <a:bodyPr>
+            <a:normAutofit fontScale="55000" lnSpcReduction="20000"/>
+          </a:bodyPr>
+          <a:lstStyle/>
+          <a:p>
+            <a:r>
+              <a:rPr kumimoji="1" lang="en-US" altLang="zh-CN" dirty="0"/>
+              <a:t>Happen</a:t>
+            </a:r>
+            <a:r>
+              <a:rPr kumimoji="1" lang="zh-CN" altLang="en-US" dirty="0"/>
+              <a:t> </a:t>
+            </a:r>
+            <a:r>
+              <a:rPr kumimoji="1" lang="en-US" altLang="zh-CN" dirty="0" smtClean="0"/>
+              <a:t>Before</a:t>
+            </a:r>
+            <a:r>
+              <a:rPr kumimoji="1" lang="zh-CN" altLang="en-US" dirty="0" smtClean="0"/>
+              <a:t> 法则</a:t>
+            </a:r>
+            <a:endParaRPr kumimoji="1" lang="en-US" altLang="zh-CN" dirty="0" smtClean="0"/>
+          </a:p>
+          <a:p>
+            <a:pPr lvl="1"/>
+            <a:r>
+              <a:rPr kumimoji="1" lang="zh-CN" altLang="en-US" dirty="0" smtClean="0"/>
+              <a:t>程序次序法则</a:t>
+            </a:r>
+            <a:endParaRPr kumimoji="1" lang="en-US" altLang="zh-CN" dirty="0" smtClean="0"/>
+          </a:p>
+          <a:p>
+            <a:pPr lvl="2"/>
+            <a:r>
+              <a:rPr kumimoji="1" lang="zh-CN" altLang="en-US" dirty="0" smtClean="0"/>
+              <a:t>如果</a:t>
+            </a:r>
+            <a:r>
+              <a:rPr kumimoji="1" lang="en-US" altLang="zh-CN" dirty="0"/>
+              <a:t>A</a:t>
+            </a:r>
+            <a:r>
+              <a:rPr kumimoji="1" lang="zh-CN" altLang="en-US" dirty="0"/>
+              <a:t>一定在</a:t>
+            </a:r>
+            <a:r>
+              <a:rPr kumimoji="1" lang="en-US" altLang="zh-CN" dirty="0"/>
+              <a:t>B</a:t>
+            </a:r>
+            <a:r>
+              <a:rPr kumimoji="1" lang="zh-CN" altLang="en-US" dirty="0"/>
+              <a:t>之前发生，则</a:t>
+            </a:r>
+            <a:r>
+              <a:rPr kumimoji="1" lang="en-US" altLang="zh-CN" dirty="0"/>
+              <a:t>happen before,</a:t>
+            </a:r>
+          </a:p>
+          <a:p>
+            <a:pPr lvl="1"/>
+            <a:r>
+              <a:rPr kumimoji="1" lang="zh-CN" altLang="en-US" dirty="0" smtClean="0"/>
+              <a:t>监视器法则</a:t>
+            </a:r>
+            <a:endParaRPr kumimoji="1" lang="en-US" altLang="zh-CN" dirty="0" smtClean="0"/>
+          </a:p>
+          <a:p>
+            <a:pPr lvl="2"/>
+            <a:r>
+              <a:rPr kumimoji="1" lang="zh-CN" altLang="en-US" dirty="0" smtClean="0"/>
+              <a:t>对一个监视</a:t>
+            </a:r>
+            <a:r>
+              <a:rPr kumimoji="1" lang="zh-CN" altLang="en-US" dirty="0"/>
+              <a:t>器的解锁一定发生在后续对同一监视器加锁之前</a:t>
+            </a:r>
+          </a:p>
+          <a:p>
+            <a:pPr lvl="1"/>
+            <a:r>
+              <a:rPr kumimoji="1" lang="en-US" altLang="zh-CN" dirty="0" err="1" smtClean="0"/>
+              <a:t>Volatie</a:t>
+            </a:r>
+            <a:r>
+              <a:rPr kumimoji="1" lang="zh-CN" altLang="en-US" dirty="0" smtClean="0"/>
+              <a:t>变量法则</a:t>
+            </a:r>
+            <a:endParaRPr kumimoji="1" lang="en-US" altLang="zh-CN" dirty="0" smtClean="0"/>
+          </a:p>
+          <a:p>
+            <a:pPr lvl="2"/>
+            <a:r>
+              <a:rPr kumimoji="1" lang="zh-CN" altLang="en-US" dirty="0" smtClean="0"/>
+              <a:t>写</a:t>
+            </a:r>
+            <a:r>
+              <a:rPr kumimoji="1" lang="en-US" altLang="zh-CN" dirty="0"/>
+              <a:t>volatile</a:t>
+            </a:r>
+            <a:r>
+              <a:rPr kumimoji="1" lang="zh-CN" altLang="en-US" dirty="0"/>
+              <a:t>变量一定发生在后续对它的读之前</a:t>
+            </a:r>
+          </a:p>
+          <a:p>
+            <a:pPr lvl="1"/>
+            <a:r>
+              <a:rPr kumimoji="1" lang="zh-CN" altLang="en-US" dirty="0" smtClean="0"/>
+              <a:t>线程启动法则</a:t>
+            </a:r>
+            <a:endParaRPr kumimoji="1" lang="en-US" altLang="zh-CN" dirty="0" smtClean="0"/>
+          </a:p>
+          <a:p>
+            <a:pPr lvl="2"/>
+            <a:r>
+              <a:rPr kumimoji="1" lang="en-US" altLang="zh-CN" dirty="0" err="1" smtClean="0"/>
+              <a:t>Thread.start</a:t>
+            </a:r>
+            <a:r>
+              <a:rPr kumimoji="1" lang="zh-CN" altLang="en-US" dirty="0"/>
+              <a:t>一定发生在线程</a:t>
+            </a:r>
+            <a:r>
+              <a:rPr kumimoji="1" lang="zh-CN" altLang="en-US" dirty="0" smtClean="0"/>
+              <a:t>中的动作之前</a:t>
+            </a:r>
+            <a:endParaRPr kumimoji="1" lang="zh-CN" altLang="en-US" dirty="0"/>
+          </a:p>
+          <a:p>
+            <a:pPr lvl="1"/>
+            <a:r>
+              <a:rPr kumimoji="1" lang="zh-CN" altLang="en-US" dirty="0" smtClean="0"/>
+              <a:t>线程终结法则</a:t>
+            </a:r>
+            <a:endParaRPr kumimoji="1" lang="en-US" altLang="zh-CN" dirty="0" smtClean="0"/>
+          </a:p>
+          <a:p>
+            <a:pPr lvl="2"/>
+            <a:r>
+              <a:rPr kumimoji="1" lang="zh-CN" altLang="en-US" dirty="0" smtClean="0"/>
+              <a:t>线</a:t>
+            </a:r>
+            <a:r>
+              <a:rPr kumimoji="1" lang="zh-CN" altLang="en-US" dirty="0"/>
+              <a:t>程中的任何动作一定发生在括号中的动作之前（其他线程检测到这个线程已经终止，从</a:t>
+            </a:r>
+            <a:r>
+              <a:rPr kumimoji="1" lang="en-US" altLang="zh-CN" dirty="0" err="1"/>
+              <a:t>Thread.join</a:t>
+            </a:r>
+            <a:r>
+              <a:rPr kumimoji="1" lang="zh-CN" altLang="en-US" dirty="0"/>
+              <a:t>调用成功返回，</a:t>
+            </a:r>
+            <a:r>
+              <a:rPr kumimoji="1" lang="en-US" altLang="zh-CN" dirty="0" err="1"/>
+              <a:t>Thread.isAlive</a:t>
+            </a:r>
+            <a:r>
+              <a:rPr kumimoji="1" lang="en-US" altLang="zh-CN" dirty="0"/>
+              <a:t>()</a:t>
+            </a:r>
+            <a:r>
+              <a:rPr kumimoji="1" lang="zh-CN" altLang="en-US" dirty="0"/>
+              <a:t>返回</a:t>
+            </a:r>
+            <a:r>
+              <a:rPr kumimoji="1" lang="en-US" altLang="zh-CN" dirty="0"/>
+              <a:t>false</a:t>
+            </a:r>
+            <a:r>
+              <a:rPr kumimoji="1" lang="zh-CN" altLang="en-US" dirty="0"/>
+              <a:t>）</a:t>
+            </a:r>
+          </a:p>
+          <a:p>
+            <a:pPr lvl="1"/>
+            <a:r>
+              <a:rPr kumimoji="1" lang="zh-CN" altLang="en-US" dirty="0" smtClean="0"/>
+              <a:t>中断法则</a:t>
+            </a:r>
+            <a:endParaRPr kumimoji="1" lang="en-US" altLang="zh-CN" dirty="0" smtClean="0"/>
+          </a:p>
+          <a:p>
+            <a:pPr lvl="2"/>
+            <a:r>
+              <a:rPr kumimoji="1" lang="zh-CN" altLang="en-US" dirty="0" smtClean="0"/>
+              <a:t>一个线程调用另一个线</a:t>
+            </a:r>
+            <a:r>
+              <a:rPr kumimoji="1" lang="zh-CN" altLang="en-US" dirty="0"/>
+              <a:t>程的</a:t>
+            </a:r>
+            <a:r>
+              <a:rPr kumimoji="1" lang="en-US" altLang="zh-CN" dirty="0"/>
+              <a:t>interrupt</a:t>
+            </a:r>
+            <a:r>
+              <a:rPr kumimoji="1" lang="zh-CN" altLang="en-US" dirty="0"/>
+              <a:t>一定发</a:t>
+            </a:r>
+            <a:r>
+              <a:rPr kumimoji="1" lang="zh-CN" altLang="en-US" dirty="0" smtClean="0"/>
+              <a:t>生在另一线程发现中断之前。</a:t>
+            </a:r>
+            <a:endParaRPr kumimoji="1" lang="zh-CN" altLang="en-US" dirty="0"/>
+          </a:p>
+          <a:p>
+            <a:pPr lvl="1"/>
+            <a:r>
+              <a:rPr kumimoji="1" lang="zh-CN" altLang="en-US" dirty="0" smtClean="0"/>
+              <a:t>终结法则</a:t>
+            </a:r>
+            <a:endParaRPr kumimoji="1" lang="en-US" altLang="zh-CN" dirty="0" smtClean="0"/>
+          </a:p>
+          <a:p>
+            <a:pPr lvl="2"/>
+            <a:r>
+              <a:rPr kumimoji="1" lang="zh-CN" altLang="en-US" dirty="0" smtClean="0"/>
+              <a:t>一个对</a:t>
+            </a:r>
+            <a:r>
+              <a:rPr kumimoji="1" lang="zh-CN" altLang="en-US" dirty="0"/>
+              <a:t>象的构造函数结束一定发生在对象的</a:t>
+            </a:r>
+            <a:r>
+              <a:rPr kumimoji="1" lang="en-US" altLang="zh-CN" dirty="0" err="1"/>
+              <a:t>finalizer</a:t>
+            </a:r>
+            <a:r>
+              <a:rPr kumimoji="1" lang="zh-CN" altLang="en-US" dirty="0"/>
+              <a:t>之前</a:t>
+            </a:r>
+          </a:p>
+          <a:p>
+            <a:pPr lvl="1"/>
+            <a:r>
+              <a:rPr kumimoji="1" lang="zh-CN" altLang="en-US" dirty="0" smtClean="0"/>
+              <a:t>传递性</a:t>
+            </a:r>
+            <a:endParaRPr kumimoji="1" lang="en-US" altLang="zh-CN" dirty="0" smtClean="0"/>
+          </a:p>
+          <a:p>
+            <a:pPr lvl="2"/>
+            <a:r>
+              <a:rPr kumimoji="1" lang="en-US" altLang="zh-CN" dirty="0" smtClean="0"/>
+              <a:t>A</a:t>
+            </a:r>
+            <a:r>
+              <a:rPr kumimoji="1" lang="zh-CN" altLang="en-US" dirty="0"/>
+              <a:t>发生在</a:t>
+            </a:r>
+            <a:r>
+              <a:rPr kumimoji="1" lang="en-US" altLang="zh-CN" dirty="0"/>
+              <a:t>B</a:t>
+            </a:r>
+            <a:r>
+              <a:rPr kumimoji="1" lang="zh-CN" altLang="en-US" dirty="0"/>
+              <a:t>之前，</a:t>
+            </a:r>
+            <a:r>
+              <a:rPr kumimoji="1" lang="en-US" altLang="zh-CN" dirty="0"/>
+              <a:t>B</a:t>
+            </a:r>
+            <a:r>
+              <a:rPr kumimoji="1" lang="zh-CN" altLang="en-US" dirty="0"/>
+              <a:t>发生在</a:t>
+            </a:r>
+            <a:r>
+              <a:rPr kumimoji="1" lang="en-US" altLang="zh-CN" dirty="0"/>
+              <a:t>C</a:t>
+            </a:r>
+            <a:r>
+              <a:rPr kumimoji="1" lang="zh-CN" altLang="en-US" dirty="0"/>
+              <a:t>之前，</a:t>
+            </a:r>
+            <a:r>
+              <a:rPr kumimoji="1" lang="en-US" altLang="zh-CN" dirty="0"/>
+              <a:t>A</a:t>
+            </a:r>
+            <a:r>
+              <a:rPr kumimoji="1" lang="zh-CN" altLang="en-US" dirty="0"/>
+              <a:t>一定发生在</a:t>
+            </a:r>
+            <a:r>
+              <a:rPr kumimoji="1" lang="en-US" altLang="zh-CN" dirty="0"/>
+              <a:t>C</a:t>
+            </a:r>
+            <a:r>
+              <a:rPr kumimoji="1" lang="zh-CN" altLang="en-US" dirty="0"/>
+              <a:t>之前。 </a:t>
+            </a:r>
+          </a:p>
+        </p:txBody>
+      </p:sp>
+    </p:spTree>
+    <p:extLst>
+      <p:ext uri="{BB962C8B-B14F-4D97-AF65-F5344CB8AC3E}">
+        <p14:creationId xmlns:p14="http://schemas.microsoft.com/office/powerpoint/2010/main" val="44307136"/>
+      </p:ext>
+    </p:extLst>
+  </p:cSld>
+  <p:clrMapOvr>
+    <a:masterClrMapping/>
+  </p:clrMapOvr>
+  <p:timing>
+    <p:tnLst>
+      <p:par>
+        <p:cTn id="1" dur="indefinite" restart="never" nodeType="tmRoot"/>
+      </p:par>
+    </p:tnLst>
+  </p:timing>
+</p:sld>
+</file>
+
+<file path=ppt/slides/slide11.xml><?xml version="1.0" encoding="utf-8"?>
 <p:sld xmlns:a="http://schemas.openxmlformats.org/drawingml/2006/main" xmlns:r="http://schemas.openxmlformats.org/officeDocument/2006/relationships" xmlns:p="http://schemas.openxmlformats.org/presentationml/2006/main">
   <p:cSld>
     <p:spTree>
@@ -6376,316 +7511,6 @@
 </p:sld>
 </file>
 
-<file path=ppt/slides/slide11.xml><?xml version="1.0" encoding="utf-8"?>
-<p:sld xmlns:a="http://schemas.openxmlformats.org/drawingml/2006/main" xmlns:r="http://schemas.openxmlformats.org/officeDocument/2006/relationships" xmlns:p="http://schemas.openxmlformats.org/presentationml/2006/main">
-  <p:cSld>
-    <p:spTree>
-      <p:nvGrpSpPr>
-        <p:cNvPr id="1" name=""/>
-        <p:cNvGrpSpPr/>
-        <p:nvPr/>
-      </p:nvGrpSpPr>
-      <p:grpSpPr>
-        <a:xfrm>
-          <a:off x="0" y="0"/>
-          <a:ext cx="0" cy="0"/>
-          <a:chOff x="0" y="0"/>
-          <a:chExt cx="0" cy="0"/>
-        </a:xfrm>
-      </p:grpSpPr>
-      <p:sp>
-        <p:nvSpPr>
-          <p:cNvPr id="2" name="标题 1"/>
-          <p:cNvSpPr>
-            <a:spLocks noGrp="1"/>
-          </p:cNvSpPr>
-          <p:nvPr>
-            <p:ph type="title"/>
-          </p:nvPr>
-        </p:nvSpPr>
-        <p:spPr/>
-        <p:txBody>
-          <a:bodyPr/>
-          <a:lstStyle/>
-          <a:p>
-            <a:r>
-              <a:rPr kumimoji="1" lang="zh-CN" altLang="en-US" dirty="0" smtClean="0"/>
-              <a:t>内存栅栏</a:t>
-            </a:r>
-            <a:endParaRPr kumimoji="1" lang="zh-CN" altLang="en-US" dirty="0"/>
-          </a:p>
-        </p:txBody>
-      </p:sp>
-      <p:sp>
-        <p:nvSpPr>
-          <p:cNvPr id="3" name="内容占位符 2"/>
-          <p:cNvSpPr>
-            <a:spLocks noGrp="1"/>
-          </p:cNvSpPr>
-          <p:nvPr>
-            <p:ph idx="1"/>
-          </p:nvPr>
-        </p:nvSpPr>
-        <p:spPr/>
-        <p:txBody>
-          <a:bodyPr>
-            <a:normAutofit lnSpcReduction="10000"/>
-          </a:bodyPr>
-          <a:lstStyle/>
-          <a:p>
-            <a:r>
-              <a:rPr kumimoji="1" lang="zh-CN" altLang="en-US" dirty="0" smtClean="0"/>
-              <a:t>读：</a:t>
-            </a:r>
-            <a:endParaRPr kumimoji="1" lang="en-US" altLang="zh-CN" dirty="0" smtClean="0"/>
-          </a:p>
-          <a:p>
-            <a:pPr lvl="1"/>
-            <a:r>
-              <a:rPr kumimoji="1" lang="en-US" altLang="zh-CN" dirty="0"/>
-              <a:t>v</a:t>
-            </a:r>
-            <a:r>
-              <a:rPr kumimoji="1" lang="en-US" altLang="zh-CN" dirty="0" smtClean="0"/>
-              <a:t>olatile </a:t>
-            </a:r>
-            <a:r>
-              <a:rPr kumimoji="1" lang="en-US" altLang="zh-CN" dirty="0" err="1" smtClean="0"/>
-              <a:t>int</a:t>
-            </a:r>
-            <a:r>
-              <a:rPr kumimoji="1" lang="en-US" altLang="zh-CN" dirty="0" smtClean="0"/>
-              <a:t> a, b; if(a == 1 &amp;&amp; b == 2)</a:t>
-            </a:r>
-          </a:p>
-          <a:p>
-            <a:pPr lvl="1"/>
-            <a:r>
-              <a:rPr kumimoji="1" lang="en-US" altLang="zh-CN" dirty="0" smtClean="0"/>
-              <a:t>JIT</a:t>
-            </a:r>
-            <a:r>
-              <a:rPr kumimoji="1" lang="zh-CN" altLang="en-US" dirty="0" smtClean="0"/>
-              <a:t>通过</a:t>
-            </a:r>
-            <a:r>
-              <a:rPr kumimoji="1" lang="en-US" altLang="zh-CN" dirty="0"/>
-              <a:t>load </a:t>
-            </a:r>
-            <a:r>
-              <a:rPr kumimoji="1" lang="en-US" altLang="zh-CN" dirty="0" smtClean="0"/>
-              <a:t>acquire</a:t>
-            </a:r>
-            <a:r>
-              <a:rPr kumimoji="1" lang="zh-CN" altLang="en-US" dirty="0" smtClean="0"/>
-              <a:t>依赖保证读顺序：</a:t>
-            </a:r>
-            <a:endParaRPr kumimoji="1" lang="en-US" altLang="zh-CN" dirty="0" smtClean="0"/>
-          </a:p>
-          <a:p>
-            <a:pPr lvl="2"/>
-            <a:r>
-              <a:rPr kumimoji="1" lang="en-US" altLang="zh-CN" sz="2000" dirty="0" smtClean="0"/>
-              <a:t>0x2000000001de819c:  adds </a:t>
-            </a:r>
-            <a:r>
-              <a:rPr kumimoji="1" lang="en-US" altLang="zh-CN" sz="2000" dirty="0"/>
-              <a:t>r37=597,r36;;  ;...84112554</a:t>
-            </a:r>
-          </a:p>
-          <a:p>
-            <a:pPr lvl="2"/>
-            <a:r>
-              <a:rPr kumimoji="1" lang="en-US" altLang="zh-CN" sz="2000" dirty="0" smtClean="0"/>
-              <a:t>0x2000000001de81a0:  </a:t>
-            </a:r>
-            <a:r>
-              <a:rPr kumimoji="1" lang="en-US" altLang="zh-CN" sz="2000" dirty="0" smtClean="0">
-                <a:solidFill>
-                  <a:srgbClr val="FF0000"/>
-                </a:solidFill>
-              </a:rPr>
-              <a:t>ld1</a:t>
-            </a:r>
-            <a:r>
-              <a:rPr kumimoji="1" lang="en-US" altLang="zh-CN" sz="2000" dirty="0">
-                <a:solidFill>
-                  <a:srgbClr val="FF0000"/>
-                </a:solidFill>
-              </a:rPr>
-              <a:t>.acq</a:t>
-            </a:r>
-            <a:r>
-              <a:rPr kumimoji="1" lang="en-US" altLang="zh-CN" sz="2000" dirty="0"/>
-              <a:t> r38=[r37];;  ;...0b30014a </a:t>
-            </a:r>
-            <a:r>
-              <a:rPr kumimoji="1" lang="en-US" altLang="zh-CN" sz="2000" dirty="0" smtClean="0"/>
-              <a:t>a010</a:t>
-            </a:r>
-          </a:p>
-          <a:p>
-            <a:r>
-              <a:rPr kumimoji="1" lang="zh-CN" altLang="en-US" dirty="0" smtClean="0"/>
-              <a:t>写：</a:t>
-            </a:r>
-            <a:endParaRPr kumimoji="1" lang="en-US" altLang="zh-CN" dirty="0" smtClean="0"/>
-          </a:p>
-          <a:p>
-            <a:pPr lvl="1"/>
-            <a:r>
-              <a:rPr kumimoji="1" lang="en-US" altLang="zh-CN" dirty="0"/>
-              <a:t>volatile </a:t>
-            </a:r>
-            <a:r>
-              <a:rPr kumimoji="1" lang="en-US" altLang="zh-CN" dirty="0" smtClean="0"/>
-              <a:t>A a; a = </a:t>
-            </a:r>
-            <a:r>
-              <a:rPr kumimoji="1" lang="en-US" altLang="zh-CN" dirty="0"/>
-              <a:t>new </a:t>
-            </a:r>
-            <a:r>
-              <a:rPr kumimoji="1" lang="en-US" altLang="zh-CN" dirty="0" smtClean="0"/>
-              <a:t>A(</a:t>
-            </a:r>
-            <a:r>
-              <a:rPr kumimoji="1" lang="en-US" altLang="zh-CN" dirty="0"/>
-              <a:t>)</a:t>
-            </a:r>
-            <a:r>
-              <a:rPr kumimoji="1" lang="en-US" altLang="zh-CN" dirty="0" smtClean="0"/>
-              <a:t>;</a:t>
-            </a:r>
-          </a:p>
-          <a:p>
-            <a:pPr lvl="1"/>
-            <a:r>
-              <a:rPr kumimoji="1" lang="en-US" altLang="zh-CN" dirty="0" smtClean="0"/>
-              <a:t>JIT</a:t>
-            </a:r>
-            <a:r>
-              <a:rPr kumimoji="1" lang="zh-CN" altLang="en-US" dirty="0" smtClean="0"/>
-              <a:t>通过</a:t>
-            </a:r>
-            <a:r>
-              <a:rPr kumimoji="1" lang="en-US" altLang="zh-CN" dirty="0" smtClean="0"/>
-              <a:t>lock </a:t>
-            </a:r>
-            <a:r>
-              <a:rPr kumimoji="1" lang="en-US" altLang="zh-CN" dirty="0" err="1" smtClean="0"/>
-              <a:t>addl</a:t>
-            </a:r>
-            <a:r>
-              <a:rPr kumimoji="1" lang="zh-CN" altLang="en-US" dirty="0" smtClean="0"/>
-              <a:t>使</a:t>
-            </a:r>
-            <a:r>
-              <a:rPr kumimoji="1" lang="en-US" altLang="zh-CN" dirty="0" smtClean="0"/>
-              <a:t>CPU</a:t>
-            </a:r>
-            <a:r>
-              <a:rPr kumimoji="1" lang="zh-CN" altLang="en-US" dirty="0" smtClean="0"/>
-              <a:t>的</a:t>
-            </a:r>
-            <a:r>
-              <a:rPr kumimoji="1" lang="en-US" altLang="zh-CN" dirty="0" smtClean="0"/>
-              <a:t>cache line</a:t>
-            </a:r>
-            <a:r>
-              <a:rPr kumimoji="1" lang="zh-CN" altLang="en-US" dirty="0" smtClean="0"/>
-              <a:t>失效：</a:t>
-            </a:r>
-            <a:endParaRPr kumimoji="1" lang="en-US" altLang="zh-CN" dirty="0" smtClean="0"/>
-          </a:p>
-          <a:p>
-            <a:pPr lvl="2"/>
-            <a:r>
-              <a:rPr kumimoji="1" lang="en-US" altLang="zh-CN" dirty="0" smtClean="0"/>
-              <a:t>0x01a3de1d</a:t>
-            </a:r>
-            <a:r>
-              <a:rPr kumimoji="1" lang="en-US" altLang="zh-CN" dirty="0"/>
-              <a:t>: </a:t>
-            </a:r>
-            <a:r>
-              <a:rPr kumimoji="1" lang="en-US" altLang="zh-CN" dirty="0" err="1"/>
-              <a:t>movb</a:t>
-            </a:r>
-            <a:r>
-              <a:rPr kumimoji="1" lang="en-US" altLang="zh-CN" dirty="0"/>
-              <a:t> $0x0,0x1104800(%</a:t>
-            </a:r>
-            <a:r>
-              <a:rPr kumimoji="1" lang="en-US" altLang="zh-CN" dirty="0" err="1"/>
-              <a:t>esi</a:t>
-            </a:r>
-            <a:r>
-              <a:rPr kumimoji="1" lang="en-US" altLang="zh-CN" dirty="0"/>
-              <a:t>);</a:t>
-            </a:r>
-          </a:p>
-          <a:p>
-            <a:pPr lvl="2"/>
-            <a:r>
-              <a:rPr kumimoji="1" lang="en-US" altLang="zh-CN" dirty="0"/>
-              <a:t>0x01a3de24: </a:t>
-            </a:r>
-            <a:r>
-              <a:rPr kumimoji="1" lang="en-US" altLang="zh-CN" dirty="0">
-                <a:solidFill>
-                  <a:srgbClr val="FF0000"/>
-                </a:solidFill>
-              </a:rPr>
-              <a:t>lock </a:t>
-            </a:r>
-            <a:r>
-              <a:rPr kumimoji="1" lang="en-US" altLang="zh-CN" dirty="0" err="1">
-                <a:solidFill>
-                  <a:srgbClr val="FF0000"/>
-                </a:solidFill>
-              </a:rPr>
-              <a:t>addl</a:t>
-            </a:r>
-            <a:r>
-              <a:rPr kumimoji="1" lang="en-US" altLang="zh-CN" dirty="0"/>
-              <a:t> $0x0,(%</a:t>
-            </a:r>
-            <a:r>
-              <a:rPr kumimoji="1" lang="en-US" altLang="zh-CN" dirty="0" err="1"/>
-              <a:t>esp</a:t>
-            </a:r>
-            <a:r>
-              <a:rPr kumimoji="1" lang="en-US" altLang="zh-CN" dirty="0"/>
-              <a:t>)</a:t>
-            </a:r>
-            <a:r>
-              <a:rPr kumimoji="1" lang="en-US" altLang="zh-CN" dirty="0" smtClean="0"/>
-              <a:t>;</a:t>
-            </a:r>
-          </a:p>
-        </p:txBody>
-      </p:sp>
-    </p:spTree>
-    <p:extLst>
-      <p:ext uri="{BB962C8B-B14F-4D97-AF65-F5344CB8AC3E}">
-        <p14:creationId xmlns:p14="http://schemas.microsoft.com/office/powerpoint/2010/main" val="2969888346"/>
-      </p:ext>
-    </p:extLst>
-  </p:cSld>
-  <p:clrMapOvr>
-    <a:masterClrMapping/>
-  </p:clrMapOvr>
-  <p:timing>
-    <p:tnLst>
-      <p:par>
-        <p:cTn id="1" dur="indefinite" restart="never" nodeType="tmRoot"/>
-      </p:par>
-    </p:tnLst>
-  </p:timing>
-</p:sld>
-</file>
-
 <file path=ppt/slides/slide12.xml><?xml version="1.0" encoding="utf-8"?>
 <p:sld xmlns:a="http://schemas.openxmlformats.org/drawingml/2006/main" xmlns:r="http://schemas.openxmlformats.org/officeDocument/2006/relationships" xmlns:p="http://schemas.openxmlformats.org/presentationml/2006/main">
   <p:cSld>
@@ -6720,6 +7545,316 @@
           <a:p>
             <a:r>
               <a:rPr kumimoji="1" lang="zh-CN" altLang="en-US" dirty="0" smtClean="0"/>
+              <a:t>内存栅栏</a:t>
+            </a:r>
+            <a:endParaRPr kumimoji="1" lang="zh-CN" altLang="en-US" dirty="0"/>
+          </a:p>
+        </p:txBody>
+      </p:sp>
+      <p:sp>
+        <p:nvSpPr>
+          <p:cNvPr id="3" name="内容占位符 2"/>
+          <p:cNvSpPr>
+            <a:spLocks noGrp="1"/>
+          </p:cNvSpPr>
+          <p:nvPr>
+            <p:ph idx="1"/>
+          </p:nvPr>
+        </p:nvSpPr>
+        <p:spPr/>
+        <p:txBody>
+          <a:bodyPr>
+            <a:normAutofit lnSpcReduction="10000"/>
+          </a:bodyPr>
+          <a:lstStyle/>
+          <a:p>
+            <a:r>
+              <a:rPr kumimoji="1" lang="zh-CN" altLang="en-US" dirty="0" smtClean="0"/>
+              <a:t>读：</a:t>
+            </a:r>
+            <a:endParaRPr kumimoji="1" lang="en-US" altLang="zh-CN" dirty="0" smtClean="0"/>
+          </a:p>
+          <a:p>
+            <a:pPr lvl="1"/>
+            <a:r>
+              <a:rPr kumimoji="1" lang="en-US" altLang="zh-CN" dirty="0"/>
+              <a:t>v</a:t>
+            </a:r>
+            <a:r>
+              <a:rPr kumimoji="1" lang="en-US" altLang="zh-CN" dirty="0" smtClean="0"/>
+              <a:t>olatile </a:t>
+            </a:r>
+            <a:r>
+              <a:rPr kumimoji="1" lang="en-US" altLang="zh-CN" dirty="0" err="1" smtClean="0"/>
+              <a:t>int</a:t>
+            </a:r>
+            <a:r>
+              <a:rPr kumimoji="1" lang="en-US" altLang="zh-CN" dirty="0" smtClean="0"/>
+              <a:t> a, b; if(a == 1 &amp;&amp; b == 2)</a:t>
+            </a:r>
+          </a:p>
+          <a:p>
+            <a:pPr lvl="1"/>
+            <a:r>
+              <a:rPr kumimoji="1" lang="en-US" altLang="zh-CN" dirty="0" smtClean="0"/>
+              <a:t>JIT</a:t>
+            </a:r>
+            <a:r>
+              <a:rPr kumimoji="1" lang="zh-CN" altLang="en-US" dirty="0" smtClean="0"/>
+              <a:t>通过</a:t>
+            </a:r>
+            <a:r>
+              <a:rPr kumimoji="1" lang="en-US" altLang="zh-CN" dirty="0"/>
+              <a:t>load </a:t>
+            </a:r>
+            <a:r>
+              <a:rPr kumimoji="1" lang="en-US" altLang="zh-CN" dirty="0" smtClean="0"/>
+              <a:t>acquire</a:t>
+            </a:r>
+            <a:r>
+              <a:rPr kumimoji="1" lang="zh-CN" altLang="en-US" dirty="0" smtClean="0"/>
+              <a:t>依赖保证读顺序：</a:t>
+            </a:r>
+            <a:endParaRPr kumimoji="1" lang="en-US" altLang="zh-CN" dirty="0" smtClean="0"/>
+          </a:p>
+          <a:p>
+            <a:pPr lvl="2"/>
+            <a:r>
+              <a:rPr kumimoji="1" lang="en-US" altLang="zh-CN" sz="2000" dirty="0" smtClean="0"/>
+              <a:t>0x2000000001de819c:  adds </a:t>
+            </a:r>
+            <a:r>
+              <a:rPr kumimoji="1" lang="en-US" altLang="zh-CN" sz="2000" dirty="0"/>
+              <a:t>r37=597,r36;;  ;...84112554</a:t>
+            </a:r>
+          </a:p>
+          <a:p>
+            <a:pPr lvl="2"/>
+            <a:r>
+              <a:rPr kumimoji="1" lang="en-US" altLang="zh-CN" sz="2000" dirty="0" smtClean="0"/>
+              <a:t>0x2000000001de81a0:  </a:t>
+            </a:r>
+            <a:r>
+              <a:rPr kumimoji="1" lang="en-US" altLang="zh-CN" sz="2000" dirty="0" smtClean="0">
+                <a:solidFill>
+                  <a:srgbClr val="FF0000"/>
+                </a:solidFill>
+              </a:rPr>
+              <a:t>ld1</a:t>
+            </a:r>
+            <a:r>
+              <a:rPr kumimoji="1" lang="en-US" altLang="zh-CN" sz="2000" dirty="0">
+                <a:solidFill>
+                  <a:srgbClr val="FF0000"/>
+                </a:solidFill>
+              </a:rPr>
+              <a:t>.acq</a:t>
+            </a:r>
+            <a:r>
+              <a:rPr kumimoji="1" lang="en-US" altLang="zh-CN" sz="2000" dirty="0"/>
+              <a:t> r38=[r37];;  ;...0b30014a </a:t>
+            </a:r>
+            <a:r>
+              <a:rPr kumimoji="1" lang="en-US" altLang="zh-CN" sz="2000" dirty="0" smtClean="0"/>
+              <a:t>a010</a:t>
+            </a:r>
+          </a:p>
+          <a:p>
+            <a:r>
+              <a:rPr kumimoji="1" lang="zh-CN" altLang="en-US" dirty="0" smtClean="0"/>
+              <a:t>写：</a:t>
+            </a:r>
+            <a:endParaRPr kumimoji="1" lang="en-US" altLang="zh-CN" dirty="0" smtClean="0"/>
+          </a:p>
+          <a:p>
+            <a:pPr lvl="1"/>
+            <a:r>
+              <a:rPr kumimoji="1" lang="en-US" altLang="zh-CN" dirty="0"/>
+              <a:t>volatile </a:t>
+            </a:r>
+            <a:r>
+              <a:rPr kumimoji="1" lang="en-US" altLang="zh-CN" dirty="0" smtClean="0"/>
+              <a:t>A a; a = </a:t>
+            </a:r>
+            <a:r>
+              <a:rPr kumimoji="1" lang="en-US" altLang="zh-CN" dirty="0"/>
+              <a:t>new </a:t>
+            </a:r>
+            <a:r>
+              <a:rPr kumimoji="1" lang="en-US" altLang="zh-CN" dirty="0" smtClean="0"/>
+              <a:t>A(</a:t>
+            </a:r>
+            <a:r>
+              <a:rPr kumimoji="1" lang="en-US" altLang="zh-CN" dirty="0"/>
+              <a:t>)</a:t>
+            </a:r>
+            <a:r>
+              <a:rPr kumimoji="1" lang="en-US" altLang="zh-CN" dirty="0" smtClean="0"/>
+              <a:t>;</a:t>
+            </a:r>
+          </a:p>
+          <a:p>
+            <a:pPr lvl="1"/>
+            <a:r>
+              <a:rPr kumimoji="1" lang="en-US" altLang="zh-CN" dirty="0" smtClean="0"/>
+              <a:t>JIT</a:t>
+            </a:r>
+            <a:r>
+              <a:rPr kumimoji="1" lang="zh-CN" altLang="en-US" dirty="0" smtClean="0"/>
+              <a:t>通过</a:t>
+            </a:r>
+            <a:r>
+              <a:rPr kumimoji="1" lang="en-US" altLang="zh-CN" dirty="0" smtClean="0"/>
+              <a:t>lock </a:t>
+            </a:r>
+            <a:r>
+              <a:rPr kumimoji="1" lang="en-US" altLang="zh-CN" dirty="0" err="1" smtClean="0"/>
+              <a:t>addl</a:t>
+            </a:r>
+            <a:r>
+              <a:rPr kumimoji="1" lang="zh-CN" altLang="en-US" dirty="0" smtClean="0"/>
+              <a:t>使</a:t>
+            </a:r>
+            <a:r>
+              <a:rPr kumimoji="1" lang="en-US" altLang="zh-CN" dirty="0" smtClean="0"/>
+              <a:t>CPU</a:t>
+            </a:r>
+            <a:r>
+              <a:rPr kumimoji="1" lang="zh-CN" altLang="en-US" dirty="0" smtClean="0"/>
+              <a:t>的</a:t>
+            </a:r>
+            <a:r>
+              <a:rPr kumimoji="1" lang="en-US" altLang="zh-CN" dirty="0" smtClean="0"/>
+              <a:t>cache line</a:t>
+            </a:r>
+            <a:r>
+              <a:rPr kumimoji="1" lang="zh-CN" altLang="en-US" dirty="0" smtClean="0"/>
+              <a:t>失效：</a:t>
+            </a:r>
+            <a:endParaRPr kumimoji="1" lang="en-US" altLang="zh-CN" dirty="0" smtClean="0"/>
+          </a:p>
+          <a:p>
+            <a:pPr lvl="2"/>
+            <a:r>
+              <a:rPr kumimoji="1" lang="en-US" altLang="zh-CN" dirty="0" smtClean="0"/>
+              <a:t>0x01a3de1d</a:t>
+            </a:r>
+            <a:r>
+              <a:rPr kumimoji="1" lang="en-US" altLang="zh-CN" dirty="0"/>
+              <a:t>: </a:t>
+            </a:r>
+            <a:r>
+              <a:rPr kumimoji="1" lang="en-US" altLang="zh-CN" dirty="0" err="1"/>
+              <a:t>movb</a:t>
+            </a:r>
+            <a:r>
+              <a:rPr kumimoji="1" lang="en-US" altLang="zh-CN" dirty="0"/>
+              <a:t> $0x0,0x1104800(%</a:t>
+            </a:r>
+            <a:r>
+              <a:rPr kumimoji="1" lang="en-US" altLang="zh-CN" dirty="0" err="1"/>
+              <a:t>esi</a:t>
+            </a:r>
+            <a:r>
+              <a:rPr kumimoji="1" lang="en-US" altLang="zh-CN" dirty="0"/>
+              <a:t>);</a:t>
+            </a:r>
+          </a:p>
+          <a:p>
+            <a:pPr lvl="2"/>
+            <a:r>
+              <a:rPr kumimoji="1" lang="en-US" altLang="zh-CN" dirty="0"/>
+              <a:t>0x01a3de24: </a:t>
+            </a:r>
+            <a:r>
+              <a:rPr kumimoji="1" lang="en-US" altLang="zh-CN" dirty="0">
+                <a:solidFill>
+                  <a:srgbClr val="FF0000"/>
+                </a:solidFill>
+              </a:rPr>
+              <a:t>lock </a:t>
+            </a:r>
+            <a:r>
+              <a:rPr kumimoji="1" lang="en-US" altLang="zh-CN" dirty="0" err="1">
+                <a:solidFill>
+                  <a:srgbClr val="FF0000"/>
+                </a:solidFill>
+              </a:rPr>
+              <a:t>addl</a:t>
+            </a:r>
+            <a:r>
+              <a:rPr kumimoji="1" lang="en-US" altLang="zh-CN" dirty="0"/>
+              <a:t> $0x0,(%</a:t>
+            </a:r>
+            <a:r>
+              <a:rPr kumimoji="1" lang="en-US" altLang="zh-CN" dirty="0" err="1"/>
+              <a:t>esp</a:t>
+            </a:r>
+            <a:r>
+              <a:rPr kumimoji="1" lang="en-US" altLang="zh-CN" dirty="0"/>
+              <a:t>)</a:t>
+            </a:r>
+            <a:r>
+              <a:rPr kumimoji="1" lang="en-US" altLang="zh-CN" dirty="0" smtClean="0"/>
+              <a:t>;</a:t>
+            </a:r>
+          </a:p>
+        </p:txBody>
+      </p:sp>
+    </p:spTree>
+    <p:extLst>
+      <p:ext uri="{BB962C8B-B14F-4D97-AF65-F5344CB8AC3E}">
+        <p14:creationId xmlns:p14="http://schemas.microsoft.com/office/powerpoint/2010/main" val="2969888346"/>
+      </p:ext>
+    </p:extLst>
+  </p:cSld>
+  <p:clrMapOvr>
+    <a:masterClrMapping/>
+  </p:clrMapOvr>
+  <p:timing>
+    <p:tnLst>
+      <p:par>
+        <p:cTn id="1" dur="indefinite" restart="never" nodeType="tmRoot"/>
+      </p:par>
+    </p:tnLst>
+  </p:timing>
+</p:sld>
+</file>
+
+<file path=ppt/slides/slide13.xml><?xml version="1.0" encoding="utf-8"?>
+<p:sld xmlns:a="http://schemas.openxmlformats.org/drawingml/2006/main" xmlns:r="http://schemas.openxmlformats.org/officeDocument/2006/relationships" xmlns:p="http://schemas.openxmlformats.org/presentationml/2006/main">
+  <p:cSld>
+    <p:spTree>
+      <p:nvGrpSpPr>
+        <p:cNvPr id="1" name=""/>
+        <p:cNvGrpSpPr/>
+        <p:nvPr/>
+      </p:nvGrpSpPr>
+      <p:grpSpPr>
+        <a:xfrm>
+          <a:off x="0" y="0"/>
+          <a:ext cx="0" cy="0"/>
+          <a:chOff x="0" y="0"/>
+          <a:chExt cx="0" cy="0"/>
+        </a:xfrm>
+      </p:grpSpPr>
+      <p:sp>
+        <p:nvSpPr>
+          <p:cNvPr id="2" name="标题 1"/>
+          <p:cNvSpPr>
+            <a:spLocks noGrp="1"/>
+          </p:cNvSpPr>
+          <p:nvPr>
+            <p:ph type="title"/>
+          </p:nvPr>
+        </p:nvSpPr>
+        <p:spPr/>
+        <p:txBody>
+          <a:bodyPr/>
+          <a:lstStyle/>
+          <a:p>
+            <a:r>
+              <a:rPr kumimoji="1" lang="zh-CN" altLang="en-US" dirty="0" smtClean="0"/>
               <a:t>查看</a:t>
             </a:r>
             <a:r>
@@ -6813,7 +7948,7 @@
 </p:sld>
 </file>
 
-<file path=ppt/slides/slide13.xml><?xml version="1.0" encoding="utf-8"?>
+<file path=ppt/slides/slide14.xml><?xml version="1.0" encoding="utf-8"?>
 <p:sld xmlns:a="http://schemas.openxmlformats.org/drawingml/2006/main" xmlns:r="http://schemas.openxmlformats.org/officeDocument/2006/relationships" xmlns:p="http://schemas.openxmlformats.org/presentationml/2006/main">
   <p:cSld>
     <p:spTree>
@@ -7350,7 +8485,7 @@
 </p:sld>
 </file>
 
-<file path=ppt/slides/slide14.xml><?xml version="1.0" encoding="utf-8"?>
+<file path=ppt/slides/slide15.xml><?xml version="1.0" encoding="utf-8"?>
 <p:sld xmlns:a="http://schemas.openxmlformats.org/drawingml/2006/main" xmlns:r="http://schemas.openxmlformats.org/officeDocument/2006/relationships" xmlns:p="http://schemas.openxmlformats.org/presentationml/2006/main">
   <p:cSld>
     <p:spTree>
@@ -7855,7 +8990,7 @@
 </p:sld>
 </file>
 
-<file path=ppt/slides/slide15.xml><?xml version="1.0" encoding="utf-8"?>
+<file path=ppt/slides/slide16.xml><?xml version="1.0" encoding="utf-8"?>
 <p:sld xmlns:a="http://schemas.openxmlformats.org/drawingml/2006/main" xmlns:r="http://schemas.openxmlformats.org/officeDocument/2006/relationships" xmlns:p="http://schemas.openxmlformats.org/presentationml/2006/main">
   <p:cSld>
     <p:spTree>
@@ -9233,7 +10368,7 @@
 </p:sld>
 </file>
 
-<file path=ppt/slides/slide16.xml><?xml version="1.0" encoding="utf-8"?>
+<file path=ppt/slides/slide17.xml><?xml version="1.0" encoding="utf-8"?>
 <p:sld xmlns:a="http://schemas.openxmlformats.org/drawingml/2006/main" xmlns:r="http://schemas.openxmlformats.org/officeDocument/2006/relationships" xmlns:p="http://schemas.openxmlformats.org/presentationml/2006/main">
   <p:cSld>
     <p:spTree>
@@ -10262,7 +11397,7 @@
 </p:sld>
 </file>
 
-<file path=ppt/slides/slide17.xml><?xml version="1.0" encoding="utf-8"?>
+<file path=ppt/slides/slide18.xml><?xml version="1.0" encoding="utf-8"?>
 <p:sld xmlns:a="http://schemas.openxmlformats.org/drawingml/2006/main" xmlns:r="http://schemas.openxmlformats.org/officeDocument/2006/relationships" xmlns:p="http://schemas.openxmlformats.org/presentationml/2006/main">
   <p:cSld>
     <p:spTree>
@@ -11800,7 +12935,7 @@
 </p:sld>
 </file>
 
-<file path=ppt/slides/slide18.xml><?xml version="1.0" encoding="utf-8"?>
+<file path=ppt/slides/slide19.xml><?xml version="1.0" encoding="utf-8"?>
 <p:sld xmlns:a="http://schemas.openxmlformats.org/drawingml/2006/main" xmlns:r="http://schemas.openxmlformats.org/officeDocument/2006/relationships" xmlns:p="http://schemas.openxmlformats.org/presentationml/2006/main">
   <p:cSld>
     <p:spTree>
@@ -12318,7 +13453,1294 @@
 </p:sld>
 </file>
 
-<file path=ppt/slides/slide19.xml><?xml version="1.0" encoding="utf-8"?>
+<file path=ppt/slides/slide2.xml><?xml version="1.0" encoding="utf-8"?>
+<p:sld xmlns:a="http://schemas.openxmlformats.org/drawingml/2006/main" xmlns:r="http://schemas.openxmlformats.org/officeDocument/2006/relationships" xmlns:p="http://schemas.openxmlformats.org/presentationml/2006/main">
+  <p:cSld>
+    <p:spTree>
+      <p:nvGrpSpPr>
+        <p:cNvPr id="1" name=""/>
+        <p:cNvGrpSpPr/>
+        <p:nvPr/>
+      </p:nvGrpSpPr>
+      <p:grpSpPr>
+        <a:xfrm>
+          <a:off x="0" y="0"/>
+          <a:ext cx="0" cy="0"/>
+          <a:chOff x="0" y="0"/>
+          <a:chExt cx="0" cy="0"/>
+        </a:xfrm>
+      </p:grpSpPr>
+      <p:sp>
+        <p:nvSpPr>
+          <p:cNvPr id="2" name="标题 1"/>
+          <p:cNvSpPr>
+            <a:spLocks noGrp="1"/>
+          </p:cNvSpPr>
+          <p:nvPr>
+            <p:ph type="title"/>
+          </p:nvPr>
+        </p:nvSpPr>
+        <p:spPr/>
+        <p:txBody>
+          <a:bodyPr/>
+          <a:lstStyle/>
+          <a:p>
+            <a:r>
+              <a:rPr kumimoji="1" lang="en-US" altLang="zh-CN" dirty="0" smtClean="0"/>
+              <a:t>JVM</a:t>
+            </a:r>
+            <a:r>
+              <a:rPr kumimoji="1" lang="zh-CN" altLang="en-US" dirty="0" smtClean="0"/>
+              <a:t>内存模型</a:t>
+            </a:r>
+            <a:endParaRPr kumimoji="1" lang="zh-CN" altLang="en-US" dirty="0"/>
+          </a:p>
+        </p:txBody>
+      </p:sp>
+      <p:sp>
+        <p:nvSpPr>
+          <p:cNvPr id="33" name="内容占位符 32"/>
+          <p:cNvSpPr>
+            <a:spLocks noGrp="1"/>
+          </p:cNvSpPr>
+          <p:nvPr>
+            <p:ph idx="1"/>
+          </p:nvPr>
+        </p:nvSpPr>
+        <p:spPr>
+          <a:xfrm>
+            <a:off x="457200" y="1600200"/>
+            <a:ext cx="4549421" cy="4525963"/>
+          </a:xfrm>
+        </p:spPr>
+        <p:txBody>
+          <a:bodyPr>
+            <a:normAutofit fontScale="70000" lnSpcReduction="20000"/>
+          </a:bodyPr>
+          <a:lstStyle/>
+          <a:p>
+            <a:r>
+              <a:rPr kumimoji="1" lang="zh-CN" altLang="en-US" dirty="0" smtClean="0"/>
+              <a:t>堆：</a:t>
+            </a:r>
+            <a:endParaRPr kumimoji="1" lang="en-US" altLang="zh-CN" dirty="0" smtClean="0"/>
+          </a:p>
+          <a:p>
+            <a:pPr lvl="1"/>
+            <a:r>
+              <a:rPr kumimoji="1" lang="zh-CN" altLang="en-US" dirty="0" smtClean="0"/>
+              <a:t>所有对</a:t>
+            </a:r>
+            <a:r>
+              <a:rPr kumimoji="1" lang="zh-CN" altLang="en-US" dirty="0"/>
+              <a:t>象全部</a:t>
+            </a:r>
+            <a:r>
+              <a:rPr kumimoji="1" lang="zh-CN" altLang="en-US" dirty="0" smtClean="0"/>
+              <a:t>放在共享堆空间中</a:t>
+            </a:r>
+            <a:endParaRPr kumimoji="1" lang="en-US" altLang="zh-CN" dirty="0" smtClean="0"/>
+          </a:p>
+          <a:p>
+            <a:pPr lvl="1"/>
+            <a:r>
+              <a:rPr kumimoji="1" lang="zh-CN" altLang="en-US" dirty="0"/>
+              <a:t>对象的属性在共享堆空间内</a:t>
+            </a:r>
+            <a:endParaRPr kumimoji="1" lang="en-US" altLang="zh-CN" dirty="0"/>
+          </a:p>
+          <a:p>
+            <a:pPr lvl="2"/>
+            <a:r>
+              <a:rPr kumimoji="1" lang="zh-CN" altLang="en-US" dirty="0"/>
+              <a:t>堆内存单字节对齐，</a:t>
+            </a:r>
+            <a:r>
+              <a:rPr kumimoji="1" lang="en-US" altLang="zh-CN" dirty="0"/>
+              <a:t>short</a:t>
+            </a:r>
+            <a:r>
+              <a:rPr kumimoji="1" lang="zh-CN" altLang="en-US" dirty="0" smtClean="0"/>
+              <a:t>不变</a:t>
+            </a:r>
+            <a:endParaRPr kumimoji="1" lang="en-US" altLang="zh-CN" dirty="0" smtClean="0"/>
+          </a:p>
+          <a:p>
+            <a:r>
+              <a:rPr kumimoji="1" lang="zh-CN" altLang="en-US" dirty="0" smtClean="0"/>
+              <a:t>栈：</a:t>
+            </a:r>
+            <a:endParaRPr kumimoji="1" lang="zh-CN" altLang="en-US" dirty="0"/>
+          </a:p>
+          <a:p>
+            <a:pPr lvl="1"/>
+            <a:r>
+              <a:rPr kumimoji="1" lang="zh-CN" altLang="en-US" dirty="0"/>
+              <a:t>每个线程都有独立的线程栈空间</a:t>
+            </a:r>
+          </a:p>
+          <a:p>
+            <a:pPr lvl="1"/>
+            <a:r>
+              <a:rPr kumimoji="1" lang="zh-CN" altLang="en-US" dirty="0"/>
+              <a:t>线程栈只存基本类型和对象地址</a:t>
+            </a:r>
+          </a:p>
+          <a:p>
+            <a:pPr lvl="2"/>
+            <a:r>
+              <a:rPr kumimoji="1" lang="zh-CN" altLang="en-US" dirty="0" smtClean="0"/>
+              <a:t>栈内存</a:t>
+            </a:r>
+            <a:r>
+              <a:rPr kumimoji="1" lang="en-US" altLang="zh-CN" dirty="0" smtClean="0"/>
+              <a:t>4</a:t>
+            </a:r>
+            <a:r>
+              <a:rPr kumimoji="1" lang="zh-CN" altLang="en-US" dirty="0" smtClean="0"/>
+              <a:t>字节对齐</a:t>
+            </a:r>
+            <a:r>
+              <a:rPr kumimoji="1" lang="zh-CN" altLang="en-US" dirty="0"/>
+              <a:t>，</a:t>
+            </a:r>
+            <a:r>
+              <a:rPr kumimoji="1" lang="en-US" altLang="zh-CN" dirty="0"/>
+              <a:t>short</a:t>
+            </a:r>
+            <a:r>
+              <a:rPr kumimoji="1" lang="zh-CN" altLang="en-US" dirty="0"/>
+              <a:t>变</a:t>
+            </a:r>
+            <a:r>
+              <a:rPr kumimoji="1" lang="en-US" altLang="zh-CN" dirty="0" err="1" smtClean="0"/>
+              <a:t>int</a:t>
+            </a:r>
+            <a:endParaRPr kumimoji="1" lang="en-US" altLang="zh-CN" dirty="0" smtClean="0"/>
+          </a:p>
+          <a:p>
+            <a:pPr lvl="2"/>
+            <a:r>
+              <a:rPr kumimoji="1" lang="zh-CN" altLang="en-US" dirty="0" smtClean="0"/>
+              <a:t>对象地址</a:t>
+            </a:r>
+            <a:r>
+              <a:rPr kumimoji="1" lang="en-US" altLang="zh-CN" dirty="0" smtClean="0"/>
+              <a:t>4</a:t>
+            </a:r>
+            <a:r>
+              <a:rPr kumimoji="1" lang="zh-CN" altLang="en-US" dirty="0" smtClean="0"/>
+              <a:t>字节，引用堆空间</a:t>
+            </a:r>
+            <a:endParaRPr kumimoji="1" lang="en-US" altLang="zh-CN" dirty="0"/>
+          </a:p>
+          <a:p>
+            <a:pPr lvl="1"/>
+            <a:r>
+              <a:rPr kumimoji="1" lang="zh-CN" altLang="en-US" dirty="0"/>
+              <a:t>方法中局部变量在线程栈空间内</a:t>
+            </a:r>
+          </a:p>
+          <a:p>
+            <a:pPr lvl="2"/>
+            <a:r>
+              <a:rPr kumimoji="1" lang="zh-CN" altLang="en-US" dirty="0"/>
+              <a:t>局部变量不会竞争，线程安全</a:t>
+            </a:r>
+          </a:p>
+          <a:p>
+            <a:pPr lvl="2"/>
+            <a:r>
+              <a:rPr kumimoji="1" lang="zh-CN" altLang="en-US" dirty="0"/>
+              <a:t>方法参数在栈顶交叉，不拷贝</a:t>
+            </a:r>
+          </a:p>
+          <a:p>
+            <a:pPr lvl="2"/>
+            <a:r>
+              <a:rPr kumimoji="1" lang="zh-CN" altLang="en-US" dirty="0"/>
+              <a:t>栈顶寄存，减少中间状态读</a:t>
+            </a:r>
+            <a:r>
+              <a:rPr kumimoji="1" lang="zh-CN" altLang="en-US" dirty="0" smtClean="0"/>
+              <a:t>取</a:t>
+            </a:r>
+            <a:endParaRPr kumimoji="1" lang="en-US" altLang="zh-CN" dirty="0" smtClean="0"/>
+          </a:p>
+          <a:p>
+            <a:pPr lvl="1"/>
+            <a:r>
+              <a:rPr kumimoji="1" lang="en-US" altLang="zh-CN" dirty="0" smtClean="0"/>
+              <a:t>PC</a:t>
+            </a:r>
+            <a:r>
+              <a:rPr kumimoji="1" lang="zh-CN" altLang="en-US" dirty="0" smtClean="0"/>
+              <a:t>指针记录当前执行位置</a:t>
+            </a:r>
+            <a:endParaRPr kumimoji="1" lang="zh-CN" altLang="en-US" dirty="0"/>
+          </a:p>
+          <a:p>
+            <a:endParaRPr kumimoji="1" lang="zh-CN" altLang="en-US" dirty="0"/>
+          </a:p>
+        </p:txBody>
+      </p:sp>
+      <p:sp>
+        <p:nvSpPr>
+          <p:cNvPr id="4" name="矩形 3"/>
+          <p:cNvSpPr/>
+          <p:nvPr/>
+        </p:nvSpPr>
+        <p:spPr>
+          <a:xfrm>
+            <a:off x="5927991" y="1893709"/>
+            <a:ext cx="1016000" cy="268111"/>
+          </a:xfrm>
+          <a:prstGeom prst="rect">
+            <a:avLst/>
+          </a:prstGeom>
+        </p:spPr>
+        <p:style>
+          <a:lnRef idx="2">
+            <a:schemeClr val="accent3">
+              <a:shade val="50000"/>
+            </a:schemeClr>
+          </a:lnRef>
+          <a:fillRef idx="1">
+            <a:schemeClr val="accent3"/>
+          </a:fillRef>
+          <a:effectRef idx="0">
+            <a:schemeClr val="accent3"/>
+          </a:effectRef>
+          <a:fontRef idx="minor">
+            <a:schemeClr val="lt1"/>
+          </a:fontRef>
+        </p:style>
+        <p:txBody>
+          <a:bodyPr rtlCol="0" anchor="ctr"/>
+          <a:lstStyle/>
+          <a:p>
+            <a:pPr algn="ctr"/>
+            <a:endParaRPr kumimoji="1" lang="zh-CN" altLang="en-US"/>
+          </a:p>
+        </p:txBody>
+      </p:sp>
+      <p:sp>
+        <p:nvSpPr>
+          <p:cNvPr id="5" name="矩形 4"/>
+          <p:cNvSpPr/>
+          <p:nvPr/>
+        </p:nvSpPr>
+        <p:spPr>
+          <a:xfrm>
+            <a:off x="5927991" y="2166053"/>
+            <a:ext cx="1016000" cy="268111"/>
+          </a:xfrm>
+          <a:prstGeom prst="rect">
+            <a:avLst/>
+          </a:prstGeom>
+        </p:spPr>
+        <p:style>
+          <a:lnRef idx="2">
+            <a:schemeClr val="accent3">
+              <a:shade val="50000"/>
+            </a:schemeClr>
+          </a:lnRef>
+          <a:fillRef idx="1">
+            <a:schemeClr val="accent3"/>
+          </a:fillRef>
+          <a:effectRef idx="0">
+            <a:schemeClr val="accent3"/>
+          </a:effectRef>
+          <a:fontRef idx="minor">
+            <a:schemeClr val="lt1"/>
+          </a:fontRef>
+        </p:style>
+        <p:txBody>
+          <a:bodyPr rtlCol="0" anchor="ctr"/>
+          <a:lstStyle/>
+          <a:p>
+            <a:pPr algn="ctr"/>
+            <a:endParaRPr kumimoji="1" lang="zh-CN" altLang="en-US"/>
+          </a:p>
+        </p:txBody>
+      </p:sp>
+      <p:sp>
+        <p:nvSpPr>
+          <p:cNvPr id="6" name="矩形 5"/>
+          <p:cNvSpPr/>
+          <p:nvPr/>
+        </p:nvSpPr>
+        <p:spPr>
+          <a:xfrm>
+            <a:off x="5927991" y="2442630"/>
+            <a:ext cx="1016000" cy="268111"/>
+          </a:xfrm>
+          <a:prstGeom prst="rect">
+            <a:avLst/>
+          </a:prstGeom>
+        </p:spPr>
+        <p:style>
+          <a:lnRef idx="2">
+            <a:schemeClr val="accent3">
+              <a:shade val="50000"/>
+            </a:schemeClr>
+          </a:lnRef>
+          <a:fillRef idx="1">
+            <a:schemeClr val="accent3"/>
+          </a:fillRef>
+          <a:effectRef idx="0">
+            <a:schemeClr val="accent3"/>
+          </a:effectRef>
+          <a:fontRef idx="minor">
+            <a:schemeClr val="lt1"/>
+          </a:fontRef>
+        </p:style>
+        <p:txBody>
+          <a:bodyPr rtlCol="0" anchor="ctr"/>
+          <a:lstStyle/>
+          <a:p>
+            <a:pPr algn="ctr"/>
+            <a:r>
+              <a:rPr kumimoji="1" lang="zh-CN" altLang="en-US" dirty="0" smtClean="0"/>
+              <a:t>参数</a:t>
+            </a:r>
+            <a:endParaRPr kumimoji="1" lang="zh-CN" altLang="en-US" dirty="0"/>
+          </a:p>
+        </p:txBody>
+      </p:sp>
+      <p:sp>
+        <p:nvSpPr>
+          <p:cNvPr id="7" name="矩形 6"/>
+          <p:cNvSpPr/>
+          <p:nvPr/>
+        </p:nvSpPr>
+        <p:spPr>
+          <a:xfrm>
+            <a:off x="5927991" y="2714974"/>
+            <a:ext cx="1016000" cy="268111"/>
+          </a:xfrm>
+          <a:prstGeom prst="rect">
+            <a:avLst/>
+          </a:prstGeom>
+        </p:spPr>
+        <p:style>
+          <a:lnRef idx="2">
+            <a:schemeClr val="accent3">
+              <a:shade val="50000"/>
+            </a:schemeClr>
+          </a:lnRef>
+          <a:fillRef idx="1">
+            <a:schemeClr val="accent3"/>
+          </a:fillRef>
+          <a:effectRef idx="0">
+            <a:schemeClr val="accent3"/>
+          </a:effectRef>
+          <a:fontRef idx="minor">
+            <a:schemeClr val="lt1"/>
+          </a:fontRef>
+        </p:style>
+        <p:txBody>
+          <a:bodyPr rtlCol="0" anchor="ctr"/>
+          <a:lstStyle/>
+          <a:p>
+            <a:pPr algn="ctr"/>
+            <a:endParaRPr kumimoji="1" lang="zh-CN" altLang="en-US"/>
+          </a:p>
+        </p:txBody>
+      </p:sp>
+      <p:sp>
+        <p:nvSpPr>
+          <p:cNvPr id="8" name="矩形 7"/>
+          <p:cNvSpPr/>
+          <p:nvPr/>
+        </p:nvSpPr>
+        <p:spPr>
+          <a:xfrm>
+            <a:off x="7602894" y="1875367"/>
+            <a:ext cx="1016000" cy="268111"/>
+          </a:xfrm>
+          <a:prstGeom prst="rect">
+            <a:avLst/>
+          </a:prstGeom>
+        </p:spPr>
+        <p:style>
+          <a:lnRef idx="2">
+            <a:schemeClr val="accent3">
+              <a:shade val="50000"/>
+            </a:schemeClr>
+          </a:lnRef>
+          <a:fillRef idx="1">
+            <a:schemeClr val="accent3"/>
+          </a:fillRef>
+          <a:effectRef idx="0">
+            <a:schemeClr val="accent3"/>
+          </a:effectRef>
+          <a:fontRef idx="minor">
+            <a:schemeClr val="lt1"/>
+          </a:fontRef>
+        </p:style>
+        <p:txBody>
+          <a:bodyPr rtlCol="0" anchor="ctr"/>
+          <a:lstStyle/>
+          <a:p>
+            <a:pPr algn="ctr"/>
+            <a:r>
+              <a:rPr kumimoji="1" lang="zh-CN" altLang="en-US" dirty="0" smtClean="0"/>
+              <a:t>数值</a:t>
+            </a:r>
+            <a:endParaRPr kumimoji="1" lang="zh-CN" altLang="en-US" dirty="0"/>
+          </a:p>
+        </p:txBody>
+      </p:sp>
+      <p:sp>
+        <p:nvSpPr>
+          <p:cNvPr id="9" name="矩形 8"/>
+          <p:cNvSpPr/>
+          <p:nvPr/>
+        </p:nvSpPr>
+        <p:spPr>
+          <a:xfrm>
+            <a:off x="7602894" y="2147711"/>
+            <a:ext cx="1016000" cy="268111"/>
+          </a:xfrm>
+          <a:prstGeom prst="rect">
+            <a:avLst/>
+          </a:prstGeom>
+        </p:spPr>
+        <p:style>
+          <a:lnRef idx="2">
+            <a:schemeClr val="accent3">
+              <a:shade val="50000"/>
+            </a:schemeClr>
+          </a:lnRef>
+          <a:fillRef idx="1">
+            <a:schemeClr val="accent3"/>
+          </a:fillRef>
+          <a:effectRef idx="0">
+            <a:schemeClr val="accent3"/>
+          </a:effectRef>
+          <a:fontRef idx="minor">
+            <a:schemeClr val="lt1"/>
+          </a:fontRef>
+        </p:style>
+        <p:txBody>
+          <a:bodyPr rtlCol="0" anchor="ctr"/>
+          <a:lstStyle/>
+          <a:p>
+            <a:pPr algn="ctr"/>
+            <a:r>
+              <a:rPr kumimoji="1" lang="zh-CN" altLang="en-US" dirty="0" smtClean="0"/>
+              <a:t>地址</a:t>
+            </a:r>
+            <a:endParaRPr kumimoji="1" lang="zh-CN" altLang="en-US" dirty="0"/>
+          </a:p>
+        </p:txBody>
+      </p:sp>
+      <p:sp>
+        <p:nvSpPr>
+          <p:cNvPr id="10" name="矩形 9"/>
+          <p:cNvSpPr/>
+          <p:nvPr/>
+        </p:nvSpPr>
+        <p:spPr>
+          <a:xfrm>
+            <a:off x="7602894" y="2424288"/>
+            <a:ext cx="1016000" cy="268111"/>
+          </a:xfrm>
+          <a:prstGeom prst="rect">
+            <a:avLst/>
+          </a:prstGeom>
+        </p:spPr>
+        <p:style>
+          <a:lnRef idx="2">
+            <a:schemeClr val="accent3">
+              <a:shade val="50000"/>
+            </a:schemeClr>
+          </a:lnRef>
+          <a:fillRef idx="1">
+            <a:schemeClr val="accent3"/>
+          </a:fillRef>
+          <a:effectRef idx="0">
+            <a:schemeClr val="accent3"/>
+          </a:effectRef>
+          <a:fontRef idx="minor">
+            <a:schemeClr val="lt1"/>
+          </a:fontRef>
+        </p:style>
+        <p:txBody>
+          <a:bodyPr rtlCol="0" anchor="ctr"/>
+          <a:lstStyle/>
+          <a:p>
+            <a:pPr algn="ctr"/>
+            <a:r>
+              <a:rPr kumimoji="1" lang="en-US" altLang="zh-CN" dirty="0" smtClean="0"/>
+              <a:t>Long</a:t>
+            </a:r>
+            <a:r>
+              <a:rPr kumimoji="1" lang="zh-CN" altLang="en-US" dirty="0" smtClean="0"/>
+              <a:t>低</a:t>
+            </a:r>
+            <a:endParaRPr kumimoji="1" lang="zh-CN" altLang="en-US" dirty="0"/>
+          </a:p>
+        </p:txBody>
+      </p:sp>
+      <p:sp>
+        <p:nvSpPr>
+          <p:cNvPr id="11" name="矩形 10"/>
+          <p:cNvSpPr/>
+          <p:nvPr/>
+        </p:nvSpPr>
+        <p:spPr>
+          <a:xfrm>
+            <a:off x="7602894" y="2696632"/>
+            <a:ext cx="1016000" cy="268111"/>
+          </a:xfrm>
+          <a:prstGeom prst="rect">
+            <a:avLst/>
+          </a:prstGeom>
+        </p:spPr>
+        <p:style>
+          <a:lnRef idx="2">
+            <a:schemeClr val="accent3">
+              <a:shade val="50000"/>
+            </a:schemeClr>
+          </a:lnRef>
+          <a:fillRef idx="1">
+            <a:schemeClr val="accent3"/>
+          </a:fillRef>
+          <a:effectRef idx="0">
+            <a:schemeClr val="accent3"/>
+          </a:effectRef>
+          <a:fontRef idx="minor">
+            <a:schemeClr val="lt1"/>
+          </a:fontRef>
+        </p:style>
+        <p:txBody>
+          <a:bodyPr rtlCol="0" anchor="ctr"/>
+          <a:lstStyle/>
+          <a:p>
+            <a:pPr algn="ctr"/>
+            <a:r>
+              <a:rPr kumimoji="1" lang="en-US" altLang="zh-CN" dirty="0" smtClean="0"/>
+              <a:t>Long</a:t>
+            </a:r>
+            <a:r>
+              <a:rPr kumimoji="1" lang="zh-CN" altLang="en-US" dirty="0" smtClean="0"/>
+              <a:t>高</a:t>
+            </a:r>
+            <a:endParaRPr kumimoji="1" lang="zh-CN" altLang="en-US" dirty="0"/>
+          </a:p>
+        </p:txBody>
+      </p:sp>
+      <p:sp>
+        <p:nvSpPr>
+          <p:cNvPr id="12" name="文本框 11"/>
+          <p:cNvSpPr txBox="1"/>
+          <p:nvPr/>
+        </p:nvSpPr>
+        <p:spPr>
+          <a:xfrm>
+            <a:off x="5927992" y="1524378"/>
+            <a:ext cx="994157" cy="369332"/>
+          </a:xfrm>
+          <a:prstGeom prst="rect">
+            <a:avLst/>
+          </a:prstGeom>
+          <a:noFill/>
+        </p:spPr>
+        <p:txBody>
+          <a:bodyPr wrap="none" rtlCol="0">
+            <a:spAutoFit/>
+          </a:bodyPr>
+          <a:lstStyle/>
+          <a:p>
+            <a:r>
+              <a:rPr kumimoji="1" lang="zh-CN" altLang="en-US" dirty="0" smtClean="0"/>
+              <a:t>线程栈</a:t>
+            </a:r>
+            <a:r>
+              <a:rPr kumimoji="1" lang="en-US" altLang="zh-CN" dirty="0" smtClean="0"/>
+              <a:t>1</a:t>
+            </a:r>
+            <a:endParaRPr kumimoji="1" lang="zh-CN" altLang="en-US" dirty="0"/>
+          </a:p>
+        </p:txBody>
+      </p:sp>
+      <p:sp>
+        <p:nvSpPr>
+          <p:cNvPr id="13" name="文本框 12"/>
+          <p:cNvSpPr txBox="1"/>
+          <p:nvPr/>
+        </p:nvSpPr>
+        <p:spPr>
+          <a:xfrm>
+            <a:off x="7631116" y="1506225"/>
+            <a:ext cx="994157" cy="369332"/>
+          </a:xfrm>
+          <a:prstGeom prst="rect">
+            <a:avLst/>
+          </a:prstGeom>
+          <a:noFill/>
+        </p:spPr>
+        <p:txBody>
+          <a:bodyPr wrap="none" rtlCol="0">
+            <a:spAutoFit/>
+          </a:bodyPr>
+          <a:lstStyle/>
+          <a:p>
+            <a:r>
+              <a:rPr kumimoji="1" lang="zh-CN" altLang="en-US" dirty="0" smtClean="0"/>
+              <a:t>线程栈</a:t>
+            </a:r>
+            <a:r>
+              <a:rPr kumimoji="1" lang="en-US" altLang="zh-CN" dirty="0" smtClean="0"/>
+              <a:t>2</a:t>
+            </a:r>
+            <a:endParaRPr kumimoji="1" lang="zh-CN" altLang="en-US" dirty="0"/>
+          </a:p>
+        </p:txBody>
+      </p:sp>
+      <p:sp>
+        <p:nvSpPr>
+          <p:cNvPr id="16" name="矩形 15"/>
+          <p:cNvSpPr/>
+          <p:nvPr/>
+        </p:nvSpPr>
+        <p:spPr>
+          <a:xfrm>
+            <a:off x="5927991" y="3798712"/>
+            <a:ext cx="506676" cy="437444"/>
+          </a:xfrm>
+          <a:prstGeom prst="rect">
+            <a:avLst/>
+          </a:prstGeom>
+        </p:spPr>
+        <p:style>
+          <a:lnRef idx="2">
+            <a:schemeClr val="accent2">
+              <a:shade val="50000"/>
+            </a:schemeClr>
+          </a:lnRef>
+          <a:fillRef idx="1">
+            <a:schemeClr val="accent2"/>
+          </a:fillRef>
+          <a:effectRef idx="0">
+            <a:schemeClr val="accent2"/>
+          </a:effectRef>
+          <a:fontRef idx="minor">
+            <a:schemeClr val="lt1"/>
+          </a:fontRef>
+        </p:style>
+        <p:txBody>
+          <a:bodyPr rtlCol="0" anchor="ctr"/>
+          <a:lstStyle/>
+          <a:p>
+            <a:pPr algn="ctr"/>
+            <a:endParaRPr kumimoji="1" lang="zh-CN" altLang="en-US"/>
+          </a:p>
+        </p:txBody>
+      </p:sp>
+      <p:sp>
+        <p:nvSpPr>
+          <p:cNvPr id="17" name="矩形 16"/>
+          <p:cNvSpPr/>
+          <p:nvPr/>
+        </p:nvSpPr>
+        <p:spPr>
+          <a:xfrm>
+            <a:off x="6941167" y="3798712"/>
+            <a:ext cx="661898" cy="437444"/>
+          </a:xfrm>
+          <a:prstGeom prst="rect">
+            <a:avLst/>
+          </a:prstGeom>
+        </p:spPr>
+        <p:style>
+          <a:lnRef idx="2">
+            <a:schemeClr val="accent2">
+              <a:shade val="50000"/>
+            </a:schemeClr>
+          </a:lnRef>
+          <a:fillRef idx="1">
+            <a:schemeClr val="accent2"/>
+          </a:fillRef>
+          <a:effectRef idx="0">
+            <a:schemeClr val="accent2"/>
+          </a:effectRef>
+          <a:fontRef idx="minor">
+            <a:schemeClr val="lt1"/>
+          </a:fontRef>
+        </p:style>
+        <p:txBody>
+          <a:bodyPr rtlCol="0" anchor="ctr"/>
+          <a:lstStyle/>
+          <a:p>
+            <a:pPr algn="ctr"/>
+            <a:r>
+              <a:rPr kumimoji="1" lang="zh-CN" altLang="en-US" dirty="0" smtClean="0"/>
+              <a:t>对象</a:t>
+            </a:r>
+            <a:endParaRPr kumimoji="1" lang="zh-CN" altLang="en-US" dirty="0"/>
+          </a:p>
+        </p:txBody>
+      </p:sp>
+      <p:cxnSp>
+        <p:nvCxnSpPr>
+          <p:cNvPr id="19" name="肘形连接符 18"/>
+          <p:cNvCxnSpPr>
+            <a:stCxn id="9" idx="1"/>
+            <a:endCxn id="17" idx="0"/>
+          </p:cNvCxnSpPr>
+          <p:nvPr/>
+        </p:nvCxnSpPr>
+        <p:spPr>
+          <a:xfrm rot="10800000" flipV="1">
+            <a:off x="7272116" y="2281766"/>
+            <a:ext cx="330778" cy="1516945"/>
+          </a:xfrm>
+          <a:prstGeom prst="bentConnector2">
+            <a:avLst/>
+          </a:prstGeom>
+          <a:ln>
+            <a:tailEnd type="arrow"/>
+          </a:ln>
+        </p:spPr>
+        <p:style>
+          <a:lnRef idx="2">
+            <a:schemeClr val="accent1"/>
+          </a:lnRef>
+          <a:fillRef idx="0">
+            <a:schemeClr val="accent1"/>
+          </a:fillRef>
+          <a:effectRef idx="1">
+            <a:schemeClr val="accent1"/>
+          </a:effectRef>
+          <a:fontRef idx="minor">
+            <a:schemeClr val="tx1"/>
+          </a:fontRef>
+        </p:style>
+      </p:cxnSp>
+      <p:sp>
+        <p:nvSpPr>
+          <p:cNvPr id="21" name="矩形 20"/>
+          <p:cNvSpPr/>
+          <p:nvPr/>
+        </p:nvSpPr>
+        <p:spPr>
+          <a:xfrm>
+            <a:off x="5927991" y="2983085"/>
+            <a:ext cx="1016000" cy="268111"/>
+          </a:xfrm>
+          <a:prstGeom prst="rect">
+            <a:avLst/>
+          </a:prstGeom>
+        </p:spPr>
+        <p:style>
+          <a:lnRef idx="2">
+            <a:schemeClr val="accent3">
+              <a:shade val="50000"/>
+            </a:schemeClr>
+          </a:lnRef>
+          <a:fillRef idx="1">
+            <a:schemeClr val="accent3"/>
+          </a:fillRef>
+          <a:effectRef idx="0">
+            <a:schemeClr val="accent3"/>
+          </a:effectRef>
+          <a:fontRef idx="minor">
+            <a:schemeClr val="lt1"/>
+          </a:fontRef>
+        </p:style>
+        <p:txBody>
+          <a:bodyPr rtlCol="0" anchor="ctr"/>
+          <a:lstStyle/>
+          <a:p>
+            <a:pPr algn="ctr"/>
+            <a:endParaRPr kumimoji="1" lang="zh-CN" altLang="en-US"/>
+          </a:p>
+        </p:txBody>
+      </p:sp>
+      <p:sp>
+        <p:nvSpPr>
+          <p:cNvPr id="22" name="矩形 21"/>
+          <p:cNvSpPr/>
+          <p:nvPr/>
+        </p:nvSpPr>
+        <p:spPr>
+          <a:xfrm>
+            <a:off x="7602894" y="2953452"/>
+            <a:ext cx="1016000" cy="268111"/>
+          </a:xfrm>
+          <a:prstGeom prst="rect">
+            <a:avLst/>
+          </a:prstGeom>
+        </p:spPr>
+        <p:style>
+          <a:lnRef idx="2">
+            <a:schemeClr val="accent3">
+              <a:shade val="50000"/>
+            </a:schemeClr>
+          </a:lnRef>
+          <a:fillRef idx="1">
+            <a:schemeClr val="accent3"/>
+          </a:fillRef>
+          <a:effectRef idx="0">
+            <a:schemeClr val="accent3"/>
+          </a:effectRef>
+          <a:fontRef idx="minor">
+            <a:schemeClr val="lt1"/>
+          </a:fontRef>
+        </p:style>
+        <p:txBody>
+          <a:bodyPr rtlCol="0" anchor="ctr"/>
+          <a:lstStyle/>
+          <a:p>
+            <a:pPr algn="ctr"/>
+            <a:endParaRPr kumimoji="1" lang="zh-CN" altLang="en-US"/>
+          </a:p>
+        </p:txBody>
+      </p:sp>
+      <p:sp>
+        <p:nvSpPr>
+          <p:cNvPr id="23" name="文本框 22"/>
+          <p:cNvSpPr txBox="1"/>
+          <p:nvPr/>
+        </p:nvSpPr>
+        <p:spPr>
+          <a:xfrm>
+            <a:off x="6860649" y="4236157"/>
+            <a:ext cx="877163" cy="369332"/>
+          </a:xfrm>
+          <a:prstGeom prst="rect">
+            <a:avLst/>
+          </a:prstGeom>
+          <a:noFill/>
+        </p:spPr>
+        <p:txBody>
+          <a:bodyPr wrap="none" rtlCol="0">
+            <a:spAutoFit/>
+          </a:bodyPr>
+          <a:lstStyle/>
+          <a:p>
+            <a:r>
+              <a:rPr kumimoji="1" lang="zh-CN" altLang="en-US" dirty="0" smtClean="0"/>
+              <a:t>堆空间</a:t>
+            </a:r>
+            <a:endParaRPr kumimoji="1" lang="zh-CN" altLang="en-US" dirty="0"/>
+          </a:p>
+        </p:txBody>
+      </p:sp>
+      <p:sp>
+        <p:nvSpPr>
+          <p:cNvPr id="24" name="左大括号 23"/>
+          <p:cNvSpPr/>
+          <p:nvPr/>
+        </p:nvSpPr>
+        <p:spPr>
+          <a:xfrm>
+            <a:off x="5702214" y="1917888"/>
+            <a:ext cx="225777" cy="808566"/>
+          </a:xfrm>
+          <a:prstGeom prst="leftBrace">
+            <a:avLst/>
+          </a:prstGeom>
+        </p:spPr>
+        <p:style>
+          <a:lnRef idx="2">
+            <a:schemeClr val="accent1"/>
+          </a:lnRef>
+          <a:fillRef idx="0">
+            <a:schemeClr val="accent1"/>
+          </a:fillRef>
+          <a:effectRef idx="1">
+            <a:schemeClr val="accent1"/>
+          </a:effectRef>
+          <a:fontRef idx="minor">
+            <a:schemeClr val="tx1"/>
+          </a:fontRef>
+        </p:style>
+        <p:txBody>
+          <a:bodyPr rtlCol="0" anchor="ctr"/>
+          <a:lstStyle/>
+          <a:p>
+            <a:pPr algn="ctr"/>
+            <a:endParaRPr kumimoji="1" lang="zh-CN" altLang="en-US"/>
+          </a:p>
+        </p:txBody>
+      </p:sp>
+      <p:sp>
+        <p:nvSpPr>
+          <p:cNvPr id="25" name="左大括号 24"/>
+          <p:cNvSpPr/>
+          <p:nvPr/>
+        </p:nvSpPr>
+        <p:spPr>
+          <a:xfrm>
+            <a:off x="5575214" y="2434164"/>
+            <a:ext cx="352777" cy="817032"/>
+          </a:xfrm>
+          <a:prstGeom prst="leftBrace">
+            <a:avLst/>
+          </a:prstGeom>
+        </p:spPr>
+        <p:style>
+          <a:lnRef idx="2">
+            <a:schemeClr val="accent1"/>
+          </a:lnRef>
+          <a:fillRef idx="0">
+            <a:schemeClr val="accent1"/>
+          </a:fillRef>
+          <a:effectRef idx="1">
+            <a:schemeClr val="accent1"/>
+          </a:effectRef>
+          <a:fontRef idx="minor">
+            <a:schemeClr val="tx1"/>
+          </a:fontRef>
+        </p:style>
+        <p:txBody>
+          <a:bodyPr rtlCol="0" anchor="ctr"/>
+          <a:lstStyle/>
+          <a:p>
+            <a:pPr algn="ctr"/>
+            <a:endParaRPr kumimoji="1" lang="zh-CN" altLang="en-US"/>
+          </a:p>
+        </p:txBody>
+      </p:sp>
+      <p:sp>
+        <p:nvSpPr>
+          <p:cNvPr id="26" name="文本框 25"/>
+          <p:cNvSpPr txBox="1"/>
+          <p:nvPr/>
+        </p:nvSpPr>
+        <p:spPr>
+          <a:xfrm>
+            <a:off x="5020733" y="2111398"/>
+            <a:ext cx="763325" cy="369332"/>
+          </a:xfrm>
+          <a:prstGeom prst="rect">
+            <a:avLst/>
+          </a:prstGeom>
+          <a:noFill/>
+        </p:spPr>
+        <p:txBody>
+          <a:bodyPr wrap="none" rtlCol="0">
+            <a:spAutoFit/>
+          </a:bodyPr>
+          <a:lstStyle/>
+          <a:p>
+            <a:r>
+              <a:rPr kumimoji="1" lang="zh-CN" altLang="en-US" dirty="0" smtClean="0"/>
+              <a:t>方法</a:t>
+            </a:r>
+            <a:r>
+              <a:rPr kumimoji="1" lang="en-US" altLang="zh-CN" dirty="0"/>
+              <a:t>2</a:t>
+            </a:r>
+            <a:endParaRPr kumimoji="1" lang="zh-CN" altLang="en-US" dirty="0"/>
+          </a:p>
+        </p:txBody>
+      </p:sp>
+      <p:sp>
+        <p:nvSpPr>
+          <p:cNvPr id="27" name="文本框 26"/>
+          <p:cNvSpPr txBox="1"/>
+          <p:nvPr/>
+        </p:nvSpPr>
+        <p:spPr>
+          <a:xfrm>
+            <a:off x="5006622" y="2626451"/>
+            <a:ext cx="763325" cy="369332"/>
+          </a:xfrm>
+          <a:prstGeom prst="rect">
+            <a:avLst/>
+          </a:prstGeom>
+          <a:noFill/>
+        </p:spPr>
+        <p:txBody>
+          <a:bodyPr wrap="none" rtlCol="0">
+            <a:spAutoFit/>
+          </a:bodyPr>
+          <a:lstStyle/>
+          <a:p>
+            <a:r>
+              <a:rPr kumimoji="1" lang="zh-CN" altLang="en-US" dirty="0" smtClean="0"/>
+              <a:t>方法</a:t>
+            </a:r>
+            <a:r>
+              <a:rPr kumimoji="1" lang="en-US" altLang="zh-CN" dirty="0"/>
+              <a:t>1</a:t>
+            </a:r>
+            <a:endParaRPr kumimoji="1" lang="zh-CN" altLang="en-US" dirty="0"/>
+          </a:p>
+        </p:txBody>
+      </p:sp>
+      <p:sp>
+        <p:nvSpPr>
+          <p:cNvPr id="34" name="矩形 33"/>
+          <p:cNvSpPr/>
+          <p:nvPr/>
+        </p:nvSpPr>
+        <p:spPr>
+          <a:xfrm>
+            <a:off x="6434491" y="3798713"/>
+            <a:ext cx="506676" cy="437444"/>
+          </a:xfrm>
+          <a:prstGeom prst="rect">
+            <a:avLst/>
+          </a:prstGeom>
+        </p:spPr>
+        <p:style>
+          <a:lnRef idx="2">
+            <a:schemeClr val="accent2">
+              <a:shade val="50000"/>
+            </a:schemeClr>
+          </a:lnRef>
+          <a:fillRef idx="1">
+            <a:schemeClr val="accent2"/>
+          </a:fillRef>
+          <a:effectRef idx="0">
+            <a:schemeClr val="accent2"/>
+          </a:effectRef>
+          <a:fontRef idx="minor">
+            <a:schemeClr val="lt1"/>
+          </a:fontRef>
+        </p:style>
+        <p:txBody>
+          <a:bodyPr rtlCol="0" anchor="ctr"/>
+          <a:lstStyle/>
+          <a:p>
+            <a:pPr algn="ctr"/>
+            <a:endParaRPr kumimoji="1" lang="zh-CN" altLang="en-US" dirty="0"/>
+          </a:p>
+        </p:txBody>
+      </p:sp>
+      <p:sp>
+        <p:nvSpPr>
+          <p:cNvPr id="35" name="矩形 34"/>
+          <p:cNvSpPr/>
+          <p:nvPr/>
+        </p:nvSpPr>
+        <p:spPr>
+          <a:xfrm>
+            <a:off x="7605718" y="3798712"/>
+            <a:ext cx="677504" cy="437444"/>
+          </a:xfrm>
+          <a:prstGeom prst="rect">
+            <a:avLst/>
+          </a:prstGeom>
+        </p:spPr>
+        <p:style>
+          <a:lnRef idx="2">
+            <a:schemeClr val="accent2">
+              <a:shade val="50000"/>
+            </a:schemeClr>
+          </a:lnRef>
+          <a:fillRef idx="1">
+            <a:schemeClr val="accent2"/>
+          </a:fillRef>
+          <a:effectRef idx="0">
+            <a:schemeClr val="accent2"/>
+          </a:effectRef>
+          <a:fontRef idx="minor">
+            <a:schemeClr val="lt1"/>
+          </a:fontRef>
+        </p:style>
+        <p:txBody>
+          <a:bodyPr rtlCol="0" anchor="ctr"/>
+          <a:lstStyle/>
+          <a:p>
+            <a:pPr algn="ctr"/>
+            <a:r>
+              <a:rPr kumimoji="1" lang="zh-CN" altLang="en-US" dirty="0" smtClean="0"/>
+              <a:t>数值</a:t>
+            </a:r>
+            <a:endParaRPr kumimoji="1" lang="zh-CN" altLang="en-US" dirty="0"/>
+          </a:p>
+        </p:txBody>
+      </p:sp>
+      <p:sp>
+        <p:nvSpPr>
+          <p:cNvPr id="36" name="矩形 35"/>
+          <p:cNvSpPr/>
+          <p:nvPr/>
+        </p:nvSpPr>
+        <p:spPr>
+          <a:xfrm>
+            <a:off x="8283222" y="3798713"/>
+            <a:ext cx="335672" cy="437444"/>
+          </a:xfrm>
+          <a:prstGeom prst="rect">
+            <a:avLst/>
+          </a:prstGeom>
+        </p:spPr>
+        <p:style>
+          <a:lnRef idx="2">
+            <a:schemeClr val="accent2">
+              <a:shade val="50000"/>
+            </a:schemeClr>
+          </a:lnRef>
+          <a:fillRef idx="1">
+            <a:schemeClr val="accent2"/>
+          </a:fillRef>
+          <a:effectRef idx="0">
+            <a:schemeClr val="accent2"/>
+          </a:effectRef>
+          <a:fontRef idx="minor">
+            <a:schemeClr val="lt1"/>
+          </a:fontRef>
+        </p:style>
+        <p:txBody>
+          <a:bodyPr rtlCol="0" anchor="ctr"/>
+          <a:lstStyle/>
+          <a:p>
+            <a:pPr algn="ctr"/>
+            <a:endParaRPr kumimoji="1" lang="zh-CN" altLang="en-US"/>
+          </a:p>
+        </p:txBody>
+      </p:sp>
+      <p:sp>
+        <p:nvSpPr>
+          <p:cNvPr id="14" name="文本框 13"/>
+          <p:cNvSpPr txBox="1"/>
+          <p:nvPr/>
+        </p:nvSpPr>
+        <p:spPr>
+          <a:xfrm>
+            <a:off x="5716325" y="4909445"/>
+            <a:ext cx="3089007" cy="369332"/>
+          </a:xfrm>
+          <a:prstGeom prst="rect">
+            <a:avLst/>
+          </a:prstGeom>
+          <a:noFill/>
+        </p:spPr>
+        <p:txBody>
+          <a:bodyPr wrap="none" rtlCol="0">
+            <a:spAutoFit/>
+          </a:bodyPr>
+          <a:lstStyle/>
+          <a:p>
+            <a:r>
+              <a:rPr kumimoji="1" lang="en-US" altLang="zh-CN" dirty="0" smtClean="0"/>
+              <a:t>-Xss1M</a:t>
+            </a:r>
+            <a:r>
+              <a:rPr kumimoji="1" lang="zh-CN" altLang="en-US" dirty="0" smtClean="0"/>
+              <a:t>栈大小</a:t>
+            </a:r>
+            <a:r>
+              <a:rPr kumimoji="1" lang="en-US" altLang="zh-CN" dirty="0" smtClean="0"/>
+              <a:t>  -Xmx1G</a:t>
+            </a:r>
+            <a:r>
+              <a:rPr kumimoji="1" lang="zh-CN" altLang="en-US" dirty="0" smtClean="0"/>
+              <a:t>堆大小</a:t>
+            </a:r>
+            <a:endParaRPr kumimoji="1" lang="zh-CN" altLang="en-US" dirty="0"/>
+          </a:p>
+        </p:txBody>
+      </p:sp>
+      <p:sp>
+        <p:nvSpPr>
+          <p:cNvPr id="15" name="矩形 14"/>
+          <p:cNvSpPr/>
+          <p:nvPr/>
+        </p:nvSpPr>
+        <p:spPr>
+          <a:xfrm>
+            <a:off x="4890747" y="1874913"/>
+            <a:ext cx="455540" cy="286453"/>
+          </a:xfrm>
+          <a:prstGeom prst="rect">
+            <a:avLst/>
+          </a:prstGeom>
+        </p:spPr>
+        <p:style>
+          <a:lnRef idx="2">
+            <a:schemeClr val="accent3">
+              <a:shade val="50000"/>
+            </a:schemeClr>
+          </a:lnRef>
+          <a:fillRef idx="1">
+            <a:schemeClr val="accent3"/>
+          </a:fillRef>
+          <a:effectRef idx="0">
+            <a:schemeClr val="accent3"/>
+          </a:effectRef>
+          <a:fontRef idx="minor">
+            <a:schemeClr val="lt1"/>
+          </a:fontRef>
+        </p:style>
+        <p:txBody>
+          <a:bodyPr rtlCol="0" anchor="ctr"/>
+          <a:lstStyle/>
+          <a:p>
+            <a:pPr algn="ctr"/>
+            <a:r>
+              <a:rPr kumimoji="1" lang="en-US" altLang="zh-CN" dirty="0" smtClean="0"/>
+              <a:t>PC</a:t>
+            </a:r>
+            <a:endParaRPr kumimoji="1" lang="zh-CN" altLang="en-US" dirty="0"/>
+          </a:p>
+        </p:txBody>
+      </p:sp>
+      <p:cxnSp>
+        <p:nvCxnSpPr>
+          <p:cNvPr id="20" name="直线箭头连接符 19"/>
+          <p:cNvCxnSpPr>
+            <a:stCxn id="15" idx="3"/>
+            <a:endCxn id="4" idx="1"/>
+          </p:cNvCxnSpPr>
+          <p:nvPr/>
+        </p:nvCxnSpPr>
+        <p:spPr>
+          <a:xfrm>
+            <a:off x="5346287" y="2018140"/>
+            <a:ext cx="581704" cy="9625"/>
+          </a:xfrm>
+          <a:prstGeom prst="straightConnector1">
+            <a:avLst/>
+          </a:prstGeom>
+          <a:ln>
+            <a:tailEnd type="arrow"/>
+          </a:ln>
+        </p:spPr>
+        <p:style>
+          <a:lnRef idx="3">
+            <a:schemeClr val="accent2"/>
+          </a:lnRef>
+          <a:fillRef idx="0">
+            <a:schemeClr val="accent2"/>
+          </a:fillRef>
+          <a:effectRef idx="2">
+            <a:schemeClr val="accent2"/>
+          </a:effectRef>
+          <a:fontRef idx="minor">
+            <a:schemeClr val="tx1"/>
+          </a:fontRef>
+        </p:style>
+      </p:cxnSp>
+    </p:spTree>
+    <p:extLst>
+      <p:ext uri="{BB962C8B-B14F-4D97-AF65-F5344CB8AC3E}">
+        <p14:creationId xmlns:p14="http://schemas.microsoft.com/office/powerpoint/2010/main" val="651022070"/>
+      </p:ext>
+    </p:extLst>
+  </p:cSld>
+  <p:clrMapOvr>
+    <a:masterClrMapping/>
+  </p:clrMapOvr>
+  <p:timing>
+    <p:tnLst>
+      <p:par>
+        <p:cTn id="1" dur="indefinite" restart="never" nodeType="tmRoot"/>
+      </p:par>
+    </p:tnLst>
+  </p:timing>
+</p:sld>
+</file>
+
+<file path=ppt/slides/slide20.xml><?xml version="1.0" encoding="utf-8"?>
 <p:sld xmlns:a="http://schemas.openxmlformats.org/drawingml/2006/main" xmlns:r="http://schemas.openxmlformats.org/officeDocument/2006/relationships" xmlns:p="http://schemas.openxmlformats.org/presentationml/2006/main">
   <p:cSld>
     <p:spTree>
@@ -14188,1294 +16610,7 @@
 </p:sld>
 </file>
 
-<file path=ppt/slides/slide2.xml><?xml version="1.0" encoding="utf-8"?>
-<p:sld xmlns:a="http://schemas.openxmlformats.org/drawingml/2006/main" xmlns:r="http://schemas.openxmlformats.org/officeDocument/2006/relationships" xmlns:p="http://schemas.openxmlformats.org/presentationml/2006/main">
-  <p:cSld>
-    <p:spTree>
-      <p:nvGrpSpPr>
-        <p:cNvPr id="1" name=""/>
-        <p:cNvGrpSpPr/>
-        <p:nvPr/>
-      </p:nvGrpSpPr>
-      <p:grpSpPr>
-        <a:xfrm>
-          <a:off x="0" y="0"/>
-          <a:ext cx="0" cy="0"/>
-          <a:chOff x="0" y="0"/>
-          <a:chExt cx="0" cy="0"/>
-        </a:xfrm>
-      </p:grpSpPr>
-      <p:sp>
-        <p:nvSpPr>
-          <p:cNvPr id="2" name="标题 1"/>
-          <p:cNvSpPr>
-            <a:spLocks noGrp="1"/>
-          </p:cNvSpPr>
-          <p:nvPr>
-            <p:ph type="title"/>
-          </p:nvPr>
-        </p:nvSpPr>
-        <p:spPr/>
-        <p:txBody>
-          <a:bodyPr/>
-          <a:lstStyle/>
-          <a:p>
-            <a:r>
-              <a:rPr kumimoji="1" lang="en-US" altLang="zh-CN" dirty="0" smtClean="0"/>
-              <a:t>JVM</a:t>
-            </a:r>
-            <a:r>
-              <a:rPr kumimoji="1" lang="zh-CN" altLang="en-US" dirty="0" smtClean="0"/>
-              <a:t>内存模型</a:t>
-            </a:r>
-            <a:endParaRPr kumimoji="1" lang="zh-CN" altLang="en-US" dirty="0"/>
-          </a:p>
-        </p:txBody>
-      </p:sp>
-      <p:sp>
-        <p:nvSpPr>
-          <p:cNvPr id="33" name="内容占位符 32"/>
-          <p:cNvSpPr>
-            <a:spLocks noGrp="1"/>
-          </p:cNvSpPr>
-          <p:nvPr>
-            <p:ph idx="1"/>
-          </p:nvPr>
-        </p:nvSpPr>
-        <p:spPr>
-          <a:xfrm>
-            <a:off x="457200" y="1600200"/>
-            <a:ext cx="4549421" cy="4525963"/>
-          </a:xfrm>
-        </p:spPr>
-        <p:txBody>
-          <a:bodyPr>
-            <a:normAutofit fontScale="70000" lnSpcReduction="20000"/>
-          </a:bodyPr>
-          <a:lstStyle/>
-          <a:p>
-            <a:r>
-              <a:rPr kumimoji="1" lang="zh-CN" altLang="en-US" dirty="0" smtClean="0"/>
-              <a:t>堆：</a:t>
-            </a:r>
-            <a:endParaRPr kumimoji="1" lang="en-US" altLang="zh-CN" dirty="0" smtClean="0"/>
-          </a:p>
-          <a:p>
-            <a:pPr lvl="1"/>
-            <a:r>
-              <a:rPr kumimoji="1" lang="zh-CN" altLang="en-US" dirty="0" smtClean="0"/>
-              <a:t>所有对</a:t>
-            </a:r>
-            <a:r>
-              <a:rPr kumimoji="1" lang="zh-CN" altLang="en-US" dirty="0"/>
-              <a:t>象全部</a:t>
-            </a:r>
-            <a:r>
-              <a:rPr kumimoji="1" lang="zh-CN" altLang="en-US" dirty="0" smtClean="0"/>
-              <a:t>放在共享堆空间中</a:t>
-            </a:r>
-            <a:endParaRPr kumimoji="1" lang="en-US" altLang="zh-CN" dirty="0" smtClean="0"/>
-          </a:p>
-          <a:p>
-            <a:pPr lvl="1"/>
-            <a:r>
-              <a:rPr kumimoji="1" lang="zh-CN" altLang="en-US" dirty="0"/>
-              <a:t>对象的属性在共享堆空间内</a:t>
-            </a:r>
-            <a:endParaRPr kumimoji="1" lang="en-US" altLang="zh-CN" dirty="0"/>
-          </a:p>
-          <a:p>
-            <a:pPr lvl="2"/>
-            <a:r>
-              <a:rPr kumimoji="1" lang="zh-CN" altLang="en-US" dirty="0"/>
-              <a:t>堆内存单字节对齐，</a:t>
-            </a:r>
-            <a:r>
-              <a:rPr kumimoji="1" lang="en-US" altLang="zh-CN" dirty="0"/>
-              <a:t>short</a:t>
-            </a:r>
-            <a:r>
-              <a:rPr kumimoji="1" lang="zh-CN" altLang="en-US" dirty="0" smtClean="0"/>
-              <a:t>不变</a:t>
-            </a:r>
-            <a:endParaRPr kumimoji="1" lang="en-US" altLang="zh-CN" dirty="0" smtClean="0"/>
-          </a:p>
-          <a:p>
-            <a:r>
-              <a:rPr kumimoji="1" lang="zh-CN" altLang="en-US" dirty="0" smtClean="0"/>
-              <a:t>栈：</a:t>
-            </a:r>
-            <a:endParaRPr kumimoji="1" lang="zh-CN" altLang="en-US" dirty="0"/>
-          </a:p>
-          <a:p>
-            <a:pPr lvl="1"/>
-            <a:r>
-              <a:rPr kumimoji="1" lang="zh-CN" altLang="en-US" dirty="0"/>
-              <a:t>每个线程都有独立的线程栈空间</a:t>
-            </a:r>
-          </a:p>
-          <a:p>
-            <a:pPr lvl="1"/>
-            <a:r>
-              <a:rPr kumimoji="1" lang="zh-CN" altLang="en-US" dirty="0"/>
-              <a:t>线程栈只存基本类型和对象地址</a:t>
-            </a:r>
-          </a:p>
-          <a:p>
-            <a:pPr lvl="2"/>
-            <a:r>
-              <a:rPr kumimoji="1" lang="zh-CN" altLang="en-US" dirty="0" smtClean="0"/>
-              <a:t>栈内存</a:t>
-            </a:r>
-            <a:r>
-              <a:rPr kumimoji="1" lang="en-US" altLang="zh-CN" dirty="0" smtClean="0"/>
-              <a:t>4</a:t>
-            </a:r>
-            <a:r>
-              <a:rPr kumimoji="1" lang="zh-CN" altLang="en-US" dirty="0" smtClean="0"/>
-              <a:t>字节对齐</a:t>
-            </a:r>
-            <a:r>
-              <a:rPr kumimoji="1" lang="zh-CN" altLang="en-US" dirty="0"/>
-              <a:t>，</a:t>
-            </a:r>
-            <a:r>
-              <a:rPr kumimoji="1" lang="en-US" altLang="zh-CN" dirty="0"/>
-              <a:t>short</a:t>
-            </a:r>
-            <a:r>
-              <a:rPr kumimoji="1" lang="zh-CN" altLang="en-US" dirty="0"/>
-              <a:t>变</a:t>
-            </a:r>
-            <a:r>
-              <a:rPr kumimoji="1" lang="en-US" altLang="zh-CN" dirty="0" err="1" smtClean="0"/>
-              <a:t>int</a:t>
-            </a:r>
-            <a:endParaRPr kumimoji="1" lang="en-US" altLang="zh-CN" dirty="0" smtClean="0"/>
-          </a:p>
-          <a:p>
-            <a:pPr lvl="2"/>
-            <a:r>
-              <a:rPr kumimoji="1" lang="zh-CN" altLang="en-US" dirty="0" smtClean="0"/>
-              <a:t>对象地址</a:t>
-            </a:r>
-            <a:r>
-              <a:rPr kumimoji="1" lang="en-US" altLang="zh-CN" dirty="0" smtClean="0"/>
-              <a:t>4</a:t>
-            </a:r>
-            <a:r>
-              <a:rPr kumimoji="1" lang="zh-CN" altLang="en-US" dirty="0" smtClean="0"/>
-              <a:t>字节，引用堆空间</a:t>
-            </a:r>
-            <a:endParaRPr kumimoji="1" lang="en-US" altLang="zh-CN" dirty="0"/>
-          </a:p>
-          <a:p>
-            <a:pPr lvl="1"/>
-            <a:r>
-              <a:rPr kumimoji="1" lang="zh-CN" altLang="en-US" dirty="0"/>
-              <a:t>方法中局部变量在线程栈空间内</a:t>
-            </a:r>
-          </a:p>
-          <a:p>
-            <a:pPr lvl="2"/>
-            <a:r>
-              <a:rPr kumimoji="1" lang="zh-CN" altLang="en-US" dirty="0"/>
-              <a:t>局部变量不会竞争，线程安全</a:t>
-            </a:r>
-          </a:p>
-          <a:p>
-            <a:pPr lvl="2"/>
-            <a:r>
-              <a:rPr kumimoji="1" lang="zh-CN" altLang="en-US" dirty="0"/>
-              <a:t>方法参数在栈顶交叉，不拷贝</a:t>
-            </a:r>
-          </a:p>
-          <a:p>
-            <a:pPr lvl="2"/>
-            <a:r>
-              <a:rPr kumimoji="1" lang="zh-CN" altLang="en-US" dirty="0"/>
-              <a:t>栈顶寄存，减少中间状态读</a:t>
-            </a:r>
-            <a:r>
-              <a:rPr kumimoji="1" lang="zh-CN" altLang="en-US" dirty="0" smtClean="0"/>
-              <a:t>取</a:t>
-            </a:r>
-            <a:endParaRPr kumimoji="1" lang="en-US" altLang="zh-CN" dirty="0" smtClean="0"/>
-          </a:p>
-          <a:p>
-            <a:pPr lvl="1"/>
-            <a:r>
-              <a:rPr kumimoji="1" lang="en-US" altLang="zh-CN" dirty="0" smtClean="0"/>
-              <a:t>PC</a:t>
-            </a:r>
-            <a:r>
-              <a:rPr kumimoji="1" lang="zh-CN" altLang="en-US" dirty="0" smtClean="0"/>
-              <a:t>指针记录当前执行位置</a:t>
-            </a:r>
-            <a:endParaRPr kumimoji="1" lang="zh-CN" altLang="en-US" dirty="0"/>
-          </a:p>
-          <a:p>
-            <a:endParaRPr kumimoji="1" lang="zh-CN" altLang="en-US" dirty="0"/>
-          </a:p>
-        </p:txBody>
-      </p:sp>
-      <p:sp>
-        <p:nvSpPr>
-          <p:cNvPr id="4" name="矩形 3"/>
-          <p:cNvSpPr/>
-          <p:nvPr/>
-        </p:nvSpPr>
-        <p:spPr>
-          <a:xfrm>
-            <a:off x="5927991" y="1893709"/>
-            <a:ext cx="1016000" cy="268111"/>
-          </a:xfrm>
-          <a:prstGeom prst="rect">
-            <a:avLst/>
-          </a:prstGeom>
-        </p:spPr>
-        <p:style>
-          <a:lnRef idx="2">
-            <a:schemeClr val="accent3">
-              <a:shade val="50000"/>
-            </a:schemeClr>
-          </a:lnRef>
-          <a:fillRef idx="1">
-            <a:schemeClr val="accent3"/>
-          </a:fillRef>
-          <a:effectRef idx="0">
-            <a:schemeClr val="accent3"/>
-          </a:effectRef>
-          <a:fontRef idx="minor">
-            <a:schemeClr val="lt1"/>
-          </a:fontRef>
-        </p:style>
-        <p:txBody>
-          <a:bodyPr rtlCol="0" anchor="ctr"/>
-          <a:lstStyle/>
-          <a:p>
-            <a:pPr algn="ctr"/>
-            <a:endParaRPr kumimoji="1" lang="zh-CN" altLang="en-US"/>
-          </a:p>
-        </p:txBody>
-      </p:sp>
-      <p:sp>
-        <p:nvSpPr>
-          <p:cNvPr id="5" name="矩形 4"/>
-          <p:cNvSpPr/>
-          <p:nvPr/>
-        </p:nvSpPr>
-        <p:spPr>
-          <a:xfrm>
-            <a:off x="5927991" y="2166053"/>
-            <a:ext cx="1016000" cy="268111"/>
-          </a:xfrm>
-          <a:prstGeom prst="rect">
-            <a:avLst/>
-          </a:prstGeom>
-        </p:spPr>
-        <p:style>
-          <a:lnRef idx="2">
-            <a:schemeClr val="accent3">
-              <a:shade val="50000"/>
-            </a:schemeClr>
-          </a:lnRef>
-          <a:fillRef idx="1">
-            <a:schemeClr val="accent3"/>
-          </a:fillRef>
-          <a:effectRef idx="0">
-            <a:schemeClr val="accent3"/>
-          </a:effectRef>
-          <a:fontRef idx="minor">
-            <a:schemeClr val="lt1"/>
-          </a:fontRef>
-        </p:style>
-        <p:txBody>
-          <a:bodyPr rtlCol="0" anchor="ctr"/>
-          <a:lstStyle/>
-          <a:p>
-            <a:pPr algn="ctr"/>
-            <a:endParaRPr kumimoji="1" lang="zh-CN" altLang="en-US"/>
-          </a:p>
-        </p:txBody>
-      </p:sp>
-      <p:sp>
-        <p:nvSpPr>
-          <p:cNvPr id="6" name="矩形 5"/>
-          <p:cNvSpPr/>
-          <p:nvPr/>
-        </p:nvSpPr>
-        <p:spPr>
-          <a:xfrm>
-            <a:off x="5927991" y="2442630"/>
-            <a:ext cx="1016000" cy="268111"/>
-          </a:xfrm>
-          <a:prstGeom prst="rect">
-            <a:avLst/>
-          </a:prstGeom>
-        </p:spPr>
-        <p:style>
-          <a:lnRef idx="2">
-            <a:schemeClr val="accent3">
-              <a:shade val="50000"/>
-            </a:schemeClr>
-          </a:lnRef>
-          <a:fillRef idx="1">
-            <a:schemeClr val="accent3"/>
-          </a:fillRef>
-          <a:effectRef idx="0">
-            <a:schemeClr val="accent3"/>
-          </a:effectRef>
-          <a:fontRef idx="minor">
-            <a:schemeClr val="lt1"/>
-          </a:fontRef>
-        </p:style>
-        <p:txBody>
-          <a:bodyPr rtlCol="0" anchor="ctr"/>
-          <a:lstStyle/>
-          <a:p>
-            <a:pPr algn="ctr"/>
-            <a:r>
-              <a:rPr kumimoji="1" lang="zh-CN" altLang="en-US" dirty="0" smtClean="0"/>
-              <a:t>参数</a:t>
-            </a:r>
-            <a:endParaRPr kumimoji="1" lang="zh-CN" altLang="en-US" dirty="0"/>
-          </a:p>
-        </p:txBody>
-      </p:sp>
-      <p:sp>
-        <p:nvSpPr>
-          <p:cNvPr id="7" name="矩形 6"/>
-          <p:cNvSpPr/>
-          <p:nvPr/>
-        </p:nvSpPr>
-        <p:spPr>
-          <a:xfrm>
-            <a:off x="5927991" y="2714974"/>
-            <a:ext cx="1016000" cy="268111"/>
-          </a:xfrm>
-          <a:prstGeom prst="rect">
-            <a:avLst/>
-          </a:prstGeom>
-        </p:spPr>
-        <p:style>
-          <a:lnRef idx="2">
-            <a:schemeClr val="accent3">
-              <a:shade val="50000"/>
-            </a:schemeClr>
-          </a:lnRef>
-          <a:fillRef idx="1">
-            <a:schemeClr val="accent3"/>
-          </a:fillRef>
-          <a:effectRef idx="0">
-            <a:schemeClr val="accent3"/>
-          </a:effectRef>
-          <a:fontRef idx="minor">
-            <a:schemeClr val="lt1"/>
-          </a:fontRef>
-        </p:style>
-        <p:txBody>
-          <a:bodyPr rtlCol="0" anchor="ctr"/>
-          <a:lstStyle/>
-          <a:p>
-            <a:pPr algn="ctr"/>
-            <a:endParaRPr kumimoji="1" lang="zh-CN" altLang="en-US"/>
-          </a:p>
-        </p:txBody>
-      </p:sp>
-      <p:sp>
-        <p:nvSpPr>
-          <p:cNvPr id="8" name="矩形 7"/>
-          <p:cNvSpPr/>
-          <p:nvPr/>
-        </p:nvSpPr>
-        <p:spPr>
-          <a:xfrm>
-            <a:off x="7602894" y="1875367"/>
-            <a:ext cx="1016000" cy="268111"/>
-          </a:xfrm>
-          <a:prstGeom prst="rect">
-            <a:avLst/>
-          </a:prstGeom>
-        </p:spPr>
-        <p:style>
-          <a:lnRef idx="2">
-            <a:schemeClr val="accent3">
-              <a:shade val="50000"/>
-            </a:schemeClr>
-          </a:lnRef>
-          <a:fillRef idx="1">
-            <a:schemeClr val="accent3"/>
-          </a:fillRef>
-          <a:effectRef idx="0">
-            <a:schemeClr val="accent3"/>
-          </a:effectRef>
-          <a:fontRef idx="minor">
-            <a:schemeClr val="lt1"/>
-          </a:fontRef>
-        </p:style>
-        <p:txBody>
-          <a:bodyPr rtlCol="0" anchor="ctr"/>
-          <a:lstStyle/>
-          <a:p>
-            <a:pPr algn="ctr"/>
-            <a:r>
-              <a:rPr kumimoji="1" lang="zh-CN" altLang="en-US" dirty="0" smtClean="0"/>
-              <a:t>数值</a:t>
-            </a:r>
-            <a:endParaRPr kumimoji="1" lang="zh-CN" altLang="en-US" dirty="0"/>
-          </a:p>
-        </p:txBody>
-      </p:sp>
-      <p:sp>
-        <p:nvSpPr>
-          <p:cNvPr id="9" name="矩形 8"/>
-          <p:cNvSpPr/>
-          <p:nvPr/>
-        </p:nvSpPr>
-        <p:spPr>
-          <a:xfrm>
-            <a:off x="7602894" y="2147711"/>
-            <a:ext cx="1016000" cy="268111"/>
-          </a:xfrm>
-          <a:prstGeom prst="rect">
-            <a:avLst/>
-          </a:prstGeom>
-        </p:spPr>
-        <p:style>
-          <a:lnRef idx="2">
-            <a:schemeClr val="accent3">
-              <a:shade val="50000"/>
-            </a:schemeClr>
-          </a:lnRef>
-          <a:fillRef idx="1">
-            <a:schemeClr val="accent3"/>
-          </a:fillRef>
-          <a:effectRef idx="0">
-            <a:schemeClr val="accent3"/>
-          </a:effectRef>
-          <a:fontRef idx="minor">
-            <a:schemeClr val="lt1"/>
-          </a:fontRef>
-        </p:style>
-        <p:txBody>
-          <a:bodyPr rtlCol="0" anchor="ctr"/>
-          <a:lstStyle/>
-          <a:p>
-            <a:pPr algn="ctr"/>
-            <a:r>
-              <a:rPr kumimoji="1" lang="zh-CN" altLang="en-US" dirty="0" smtClean="0"/>
-              <a:t>地址</a:t>
-            </a:r>
-            <a:endParaRPr kumimoji="1" lang="zh-CN" altLang="en-US" dirty="0"/>
-          </a:p>
-        </p:txBody>
-      </p:sp>
-      <p:sp>
-        <p:nvSpPr>
-          <p:cNvPr id="10" name="矩形 9"/>
-          <p:cNvSpPr/>
-          <p:nvPr/>
-        </p:nvSpPr>
-        <p:spPr>
-          <a:xfrm>
-            <a:off x="7602894" y="2424288"/>
-            <a:ext cx="1016000" cy="268111"/>
-          </a:xfrm>
-          <a:prstGeom prst="rect">
-            <a:avLst/>
-          </a:prstGeom>
-        </p:spPr>
-        <p:style>
-          <a:lnRef idx="2">
-            <a:schemeClr val="accent3">
-              <a:shade val="50000"/>
-            </a:schemeClr>
-          </a:lnRef>
-          <a:fillRef idx="1">
-            <a:schemeClr val="accent3"/>
-          </a:fillRef>
-          <a:effectRef idx="0">
-            <a:schemeClr val="accent3"/>
-          </a:effectRef>
-          <a:fontRef idx="minor">
-            <a:schemeClr val="lt1"/>
-          </a:fontRef>
-        </p:style>
-        <p:txBody>
-          <a:bodyPr rtlCol="0" anchor="ctr"/>
-          <a:lstStyle/>
-          <a:p>
-            <a:pPr algn="ctr"/>
-            <a:r>
-              <a:rPr kumimoji="1" lang="en-US" altLang="zh-CN" dirty="0" smtClean="0"/>
-              <a:t>Long</a:t>
-            </a:r>
-            <a:r>
-              <a:rPr kumimoji="1" lang="zh-CN" altLang="en-US" dirty="0" smtClean="0"/>
-              <a:t>低</a:t>
-            </a:r>
-            <a:endParaRPr kumimoji="1" lang="zh-CN" altLang="en-US" dirty="0"/>
-          </a:p>
-        </p:txBody>
-      </p:sp>
-      <p:sp>
-        <p:nvSpPr>
-          <p:cNvPr id="11" name="矩形 10"/>
-          <p:cNvSpPr/>
-          <p:nvPr/>
-        </p:nvSpPr>
-        <p:spPr>
-          <a:xfrm>
-            <a:off x="7602894" y="2696632"/>
-            <a:ext cx="1016000" cy="268111"/>
-          </a:xfrm>
-          <a:prstGeom prst="rect">
-            <a:avLst/>
-          </a:prstGeom>
-        </p:spPr>
-        <p:style>
-          <a:lnRef idx="2">
-            <a:schemeClr val="accent3">
-              <a:shade val="50000"/>
-            </a:schemeClr>
-          </a:lnRef>
-          <a:fillRef idx="1">
-            <a:schemeClr val="accent3"/>
-          </a:fillRef>
-          <a:effectRef idx="0">
-            <a:schemeClr val="accent3"/>
-          </a:effectRef>
-          <a:fontRef idx="minor">
-            <a:schemeClr val="lt1"/>
-          </a:fontRef>
-        </p:style>
-        <p:txBody>
-          <a:bodyPr rtlCol="0" anchor="ctr"/>
-          <a:lstStyle/>
-          <a:p>
-            <a:pPr algn="ctr"/>
-            <a:r>
-              <a:rPr kumimoji="1" lang="en-US" altLang="zh-CN" dirty="0" smtClean="0"/>
-              <a:t>Long</a:t>
-            </a:r>
-            <a:r>
-              <a:rPr kumimoji="1" lang="zh-CN" altLang="en-US" dirty="0" smtClean="0"/>
-              <a:t>高</a:t>
-            </a:r>
-            <a:endParaRPr kumimoji="1" lang="zh-CN" altLang="en-US" dirty="0"/>
-          </a:p>
-        </p:txBody>
-      </p:sp>
-      <p:sp>
-        <p:nvSpPr>
-          <p:cNvPr id="12" name="文本框 11"/>
-          <p:cNvSpPr txBox="1"/>
-          <p:nvPr/>
-        </p:nvSpPr>
-        <p:spPr>
-          <a:xfrm>
-            <a:off x="5927992" y="1524378"/>
-            <a:ext cx="994157" cy="369332"/>
-          </a:xfrm>
-          <a:prstGeom prst="rect">
-            <a:avLst/>
-          </a:prstGeom>
-          <a:noFill/>
-        </p:spPr>
-        <p:txBody>
-          <a:bodyPr wrap="none" rtlCol="0">
-            <a:spAutoFit/>
-          </a:bodyPr>
-          <a:lstStyle/>
-          <a:p>
-            <a:r>
-              <a:rPr kumimoji="1" lang="zh-CN" altLang="en-US" dirty="0" smtClean="0"/>
-              <a:t>线程栈</a:t>
-            </a:r>
-            <a:r>
-              <a:rPr kumimoji="1" lang="en-US" altLang="zh-CN" dirty="0" smtClean="0"/>
-              <a:t>1</a:t>
-            </a:r>
-            <a:endParaRPr kumimoji="1" lang="zh-CN" altLang="en-US" dirty="0"/>
-          </a:p>
-        </p:txBody>
-      </p:sp>
-      <p:sp>
-        <p:nvSpPr>
-          <p:cNvPr id="13" name="文本框 12"/>
-          <p:cNvSpPr txBox="1"/>
-          <p:nvPr/>
-        </p:nvSpPr>
-        <p:spPr>
-          <a:xfrm>
-            <a:off x="7631116" y="1506225"/>
-            <a:ext cx="994157" cy="369332"/>
-          </a:xfrm>
-          <a:prstGeom prst="rect">
-            <a:avLst/>
-          </a:prstGeom>
-          <a:noFill/>
-        </p:spPr>
-        <p:txBody>
-          <a:bodyPr wrap="none" rtlCol="0">
-            <a:spAutoFit/>
-          </a:bodyPr>
-          <a:lstStyle/>
-          <a:p>
-            <a:r>
-              <a:rPr kumimoji="1" lang="zh-CN" altLang="en-US" dirty="0" smtClean="0"/>
-              <a:t>线程栈</a:t>
-            </a:r>
-            <a:r>
-              <a:rPr kumimoji="1" lang="en-US" altLang="zh-CN" dirty="0" smtClean="0"/>
-              <a:t>2</a:t>
-            </a:r>
-            <a:endParaRPr kumimoji="1" lang="zh-CN" altLang="en-US" dirty="0"/>
-          </a:p>
-        </p:txBody>
-      </p:sp>
-      <p:sp>
-        <p:nvSpPr>
-          <p:cNvPr id="16" name="矩形 15"/>
-          <p:cNvSpPr/>
-          <p:nvPr/>
-        </p:nvSpPr>
-        <p:spPr>
-          <a:xfrm>
-            <a:off x="5927991" y="3798712"/>
-            <a:ext cx="506676" cy="437444"/>
-          </a:xfrm>
-          <a:prstGeom prst="rect">
-            <a:avLst/>
-          </a:prstGeom>
-        </p:spPr>
-        <p:style>
-          <a:lnRef idx="2">
-            <a:schemeClr val="accent2">
-              <a:shade val="50000"/>
-            </a:schemeClr>
-          </a:lnRef>
-          <a:fillRef idx="1">
-            <a:schemeClr val="accent2"/>
-          </a:fillRef>
-          <a:effectRef idx="0">
-            <a:schemeClr val="accent2"/>
-          </a:effectRef>
-          <a:fontRef idx="minor">
-            <a:schemeClr val="lt1"/>
-          </a:fontRef>
-        </p:style>
-        <p:txBody>
-          <a:bodyPr rtlCol="0" anchor="ctr"/>
-          <a:lstStyle/>
-          <a:p>
-            <a:pPr algn="ctr"/>
-            <a:endParaRPr kumimoji="1" lang="zh-CN" altLang="en-US"/>
-          </a:p>
-        </p:txBody>
-      </p:sp>
-      <p:sp>
-        <p:nvSpPr>
-          <p:cNvPr id="17" name="矩形 16"/>
-          <p:cNvSpPr/>
-          <p:nvPr/>
-        </p:nvSpPr>
-        <p:spPr>
-          <a:xfrm>
-            <a:off x="6941167" y="3798712"/>
-            <a:ext cx="661898" cy="437444"/>
-          </a:xfrm>
-          <a:prstGeom prst="rect">
-            <a:avLst/>
-          </a:prstGeom>
-        </p:spPr>
-        <p:style>
-          <a:lnRef idx="2">
-            <a:schemeClr val="accent2">
-              <a:shade val="50000"/>
-            </a:schemeClr>
-          </a:lnRef>
-          <a:fillRef idx="1">
-            <a:schemeClr val="accent2"/>
-          </a:fillRef>
-          <a:effectRef idx="0">
-            <a:schemeClr val="accent2"/>
-          </a:effectRef>
-          <a:fontRef idx="minor">
-            <a:schemeClr val="lt1"/>
-          </a:fontRef>
-        </p:style>
-        <p:txBody>
-          <a:bodyPr rtlCol="0" anchor="ctr"/>
-          <a:lstStyle/>
-          <a:p>
-            <a:pPr algn="ctr"/>
-            <a:r>
-              <a:rPr kumimoji="1" lang="zh-CN" altLang="en-US" dirty="0" smtClean="0"/>
-              <a:t>对象</a:t>
-            </a:r>
-            <a:endParaRPr kumimoji="1" lang="zh-CN" altLang="en-US" dirty="0"/>
-          </a:p>
-        </p:txBody>
-      </p:sp>
-      <p:cxnSp>
-        <p:nvCxnSpPr>
-          <p:cNvPr id="19" name="肘形连接符 18"/>
-          <p:cNvCxnSpPr>
-            <a:stCxn id="9" idx="1"/>
-            <a:endCxn id="17" idx="0"/>
-          </p:cNvCxnSpPr>
-          <p:nvPr/>
-        </p:nvCxnSpPr>
-        <p:spPr>
-          <a:xfrm rot="10800000" flipV="1">
-            <a:off x="7272116" y="2281766"/>
-            <a:ext cx="330778" cy="1516945"/>
-          </a:xfrm>
-          <a:prstGeom prst="bentConnector2">
-            <a:avLst/>
-          </a:prstGeom>
-          <a:ln>
-            <a:tailEnd type="arrow"/>
-          </a:ln>
-        </p:spPr>
-        <p:style>
-          <a:lnRef idx="2">
-            <a:schemeClr val="accent1"/>
-          </a:lnRef>
-          <a:fillRef idx="0">
-            <a:schemeClr val="accent1"/>
-          </a:fillRef>
-          <a:effectRef idx="1">
-            <a:schemeClr val="accent1"/>
-          </a:effectRef>
-          <a:fontRef idx="minor">
-            <a:schemeClr val="tx1"/>
-          </a:fontRef>
-        </p:style>
-      </p:cxnSp>
-      <p:sp>
-        <p:nvSpPr>
-          <p:cNvPr id="21" name="矩形 20"/>
-          <p:cNvSpPr/>
-          <p:nvPr/>
-        </p:nvSpPr>
-        <p:spPr>
-          <a:xfrm>
-            <a:off x="5927991" y="2983085"/>
-            <a:ext cx="1016000" cy="268111"/>
-          </a:xfrm>
-          <a:prstGeom prst="rect">
-            <a:avLst/>
-          </a:prstGeom>
-        </p:spPr>
-        <p:style>
-          <a:lnRef idx="2">
-            <a:schemeClr val="accent3">
-              <a:shade val="50000"/>
-            </a:schemeClr>
-          </a:lnRef>
-          <a:fillRef idx="1">
-            <a:schemeClr val="accent3"/>
-          </a:fillRef>
-          <a:effectRef idx="0">
-            <a:schemeClr val="accent3"/>
-          </a:effectRef>
-          <a:fontRef idx="minor">
-            <a:schemeClr val="lt1"/>
-          </a:fontRef>
-        </p:style>
-        <p:txBody>
-          <a:bodyPr rtlCol="0" anchor="ctr"/>
-          <a:lstStyle/>
-          <a:p>
-            <a:pPr algn="ctr"/>
-            <a:endParaRPr kumimoji="1" lang="zh-CN" altLang="en-US"/>
-          </a:p>
-        </p:txBody>
-      </p:sp>
-      <p:sp>
-        <p:nvSpPr>
-          <p:cNvPr id="22" name="矩形 21"/>
-          <p:cNvSpPr/>
-          <p:nvPr/>
-        </p:nvSpPr>
-        <p:spPr>
-          <a:xfrm>
-            <a:off x="7602894" y="2953452"/>
-            <a:ext cx="1016000" cy="268111"/>
-          </a:xfrm>
-          <a:prstGeom prst="rect">
-            <a:avLst/>
-          </a:prstGeom>
-        </p:spPr>
-        <p:style>
-          <a:lnRef idx="2">
-            <a:schemeClr val="accent3">
-              <a:shade val="50000"/>
-            </a:schemeClr>
-          </a:lnRef>
-          <a:fillRef idx="1">
-            <a:schemeClr val="accent3"/>
-          </a:fillRef>
-          <a:effectRef idx="0">
-            <a:schemeClr val="accent3"/>
-          </a:effectRef>
-          <a:fontRef idx="minor">
-            <a:schemeClr val="lt1"/>
-          </a:fontRef>
-        </p:style>
-        <p:txBody>
-          <a:bodyPr rtlCol="0" anchor="ctr"/>
-          <a:lstStyle/>
-          <a:p>
-            <a:pPr algn="ctr"/>
-            <a:endParaRPr kumimoji="1" lang="zh-CN" altLang="en-US"/>
-          </a:p>
-        </p:txBody>
-      </p:sp>
-      <p:sp>
-        <p:nvSpPr>
-          <p:cNvPr id="23" name="文本框 22"/>
-          <p:cNvSpPr txBox="1"/>
-          <p:nvPr/>
-        </p:nvSpPr>
-        <p:spPr>
-          <a:xfrm>
-            <a:off x="6860649" y="4236157"/>
-            <a:ext cx="877163" cy="369332"/>
-          </a:xfrm>
-          <a:prstGeom prst="rect">
-            <a:avLst/>
-          </a:prstGeom>
-          <a:noFill/>
-        </p:spPr>
-        <p:txBody>
-          <a:bodyPr wrap="none" rtlCol="0">
-            <a:spAutoFit/>
-          </a:bodyPr>
-          <a:lstStyle/>
-          <a:p>
-            <a:r>
-              <a:rPr kumimoji="1" lang="zh-CN" altLang="en-US" dirty="0" smtClean="0"/>
-              <a:t>堆空间</a:t>
-            </a:r>
-            <a:endParaRPr kumimoji="1" lang="zh-CN" altLang="en-US" dirty="0"/>
-          </a:p>
-        </p:txBody>
-      </p:sp>
-      <p:sp>
-        <p:nvSpPr>
-          <p:cNvPr id="24" name="左大括号 23"/>
-          <p:cNvSpPr/>
-          <p:nvPr/>
-        </p:nvSpPr>
-        <p:spPr>
-          <a:xfrm>
-            <a:off x="5702214" y="1917888"/>
-            <a:ext cx="225777" cy="808566"/>
-          </a:xfrm>
-          <a:prstGeom prst="leftBrace">
-            <a:avLst/>
-          </a:prstGeom>
-        </p:spPr>
-        <p:style>
-          <a:lnRef idx="2">
-            <a:schemeClr val="accent1"/>
-          </a:lnRef>
-          <a:fillRef idx="0">
-            <a:schemeClr val="accent1"/>
-          </a:fillRef>
-          <a:effectRef idx="1">
-            <a:schemeClr val="accent1"/>
-          </a:effectRef>
-          <a:fontRef idx="minor">
-            <a:schemeClr val="tx1"/>
-          </a:fontRef>
-        </p:style>
-        <p:txBody>
-          <a:bodyPr rtlCol="0" anchor="ctr"/>
-          <a:lstStyle/>
-          <a:p>
-            <a:pPr algn="ctr"/>
-            <a:endParaRPr kumimoji="1" lang="zh-CN" altLang="en-US"/>
-          </a:p>
-        </p:txBody>
-      </p:sp>
-      <p:sp>
-        <p:nvSpPr>
-          <p:cNvPr id="25" name="左大括号 24"/>
-          <p:cNvSpPr/>
-          <p:nvPr/>
-        </p:nvSpPr>
-        <p:spPr>
-          <a:xfrm>
-            <a:off x="5575214" y="2434164"/>
-            <a:ext cx="352777" cy="817032"/>
-          </a:xfrm>
-          <a:prstGeom prst="leftBrace">
-            <a:avLst/>
-          </a:prstGeom>
-        </p:spPr>
-        <p:style>
-          <a:lnRef idx="2">
-            <a:schemeClr val="accent1"/>
-          </a:lnRef>
-          <a:fillRef idx="0">
-            <a:schemeClr val="accent1"/>
-          </a:fillRef>
-          <a:effectRef idx="1">
-            <a:schemeClr val="accent1"/>
-          </a:effectRef>
-          <a:fontRef idx="minor">
-            <a:schemeClr val="tx1"/>
-          </a:fontRef>
-        </p:style>
-        <p:txBody>
-          <a:bodyPr rtlCol="0" anchor="ctr"/>
-          <a:lstStyle/>
-          <a:p>
-            <a:pPr algn="ctr"/>
-            <a:endParaRPr kumimoji="1" lang="zh-CN" altLang="en-US"/>
-          </a:p>
-        </p:txBody>
-      </p:sp>
-      <p:sp>
-        <p:nvSpPr>
-          <p:cNvPr id="26" name="文本框 25"/>
-          <p:cNvSpPr txBox="1"/>
-          <p:nvPr/>
-        </p:nvSpPr>
-        <p:spPr>
-          <a:xfrm>
-            <a:off x="5020733" y="2111398"/>
-            <a:ext cx="763325" cy="369332"/>
-          </a:xfrm>
-          <a:prstGeom prst="rect">
-            <a:avLst/>
-          </a:prstGeom>
-          <a:noFill/>
-        </p:spPr>
-        <p:txBody>
-          <a:bodyPr wrap="none" rtlCol="0">
-            <a:spAutoFit/>
-          </a:bodyPr>
-          <a:lstStyle/>
-          <a:p>
-            <a:r>
-              <a:rPr kumimoji="1" lang="zh-CN" altLang="en-US" dirty="0" smtClean="0"/>
-              <a:t>方法</a:t>
-            </a:r>
-            <a:r>
-              <a:rPr kumimoji="1" lang="en-US" altLang="zh-CN" dirty="0"/>
-              <a:t>2</a:t>
-            </a:r>
-            <a:endParaRPr kumimoji="1" lang="zh-CN" altLang="en-US" dirty="0"/>
-          </a:p>
-        </p:txBody>
-      </p:sp>
-      <p:sp>
-        <p:nvSpPr>
-          <p:cNvPr id="27" name="文本框 26"/>
-          <p:cNvSpPr txBox="1"/>
-          <p:nvPr/>
-        </p:nvSpPr>
-        <p:spPr>
-          <a:xfrm>
-            <a:off x="5006622" y="2626451"/>
-            <a:ext cx="763325" cy="369332"/>
-          </a:xfrm>
-          <a:prstGeom prst="rect">
-            <a:avLst/>
-          </a:prstGeom>
-          <a:noFill/>
-        </p:spPr>
-        <p:txBody>
-          <a:bodyPr wrap="none" rtlCol="0">
-            <a:spAutoFit/>
-          </a:bodyPr>
-          <a:lstStyle/>
-          <a:p>
-            <a:r>
-              <a:rPr kumimoji="1" lang="zh-CN" altLang="en-US" dirty="0" smtClean="0"/>
-              <a:t>方法</a:t>
-            </a:r>
-            <a:r>
-              <a:rPr kumimoji="1" lang="en-US" altLang="zh-CN" dirty="0"/>
-              <a:t>1</a:t>
-            </a:r>
-            <a:endParaRPr kumimoji="1" lang="zh-CN" altLang="en-US" dirty="0"/>
-          </a:p>
-        </p:txBody>
-      </p:sp>
-      <p:sp>
-        <p:nvSpPr>
-          <p:cNvPr id="34" name="矩形 33"/>
-          <p:cNvSpPr/>
-          <p:nvPr/>
-        </p:nvSpPr>
-        <p:spPr>
-          <a:xfrm>
-            <a:off x="6434491" y="3798713"/>
-            <a:ext cx="506676" cy="437444"/>
-          </a:xfrm>
-          <a:prstGeom prst="rect">
-            <a:avLst/>
-          </a:prstGeom>
-        </p:spPr>
-        <p:style>
-          <a:lnRef idx="2">
-            <a:schemeClr val="accent2">
-              <a:shade val="50000"/>
-            </a:schemeClr>
-          </a:lnRef>
-          <a:fillRef idx="1">
-            <a:schemeClr val="accent2"/>
-          </a:fillRef>
-          <a:effectRef idx="0">
-            <a:schemeClr val="accent2"/>
-          </a:effectRef>
-          <a:fontRef idx="minor">
-            <a:schemeClr val="lt1"/>
-          </a:fontRef>
-        </p:style>
-        <p:txBody>
-          <a:bodyPr rtlCol="0" anchor="ctr"/>
-          <a:lstStyle/>
-          <a:p>
-            <a:pPr algn="ctr"/>
-            <a:endParaRPr kumimoji="1" lang="zh-CN" altLang="en-US" dirty="0"/>
-          </a:p>
-        </p:txBody>
-      </p:sp>
-      <p:sp>
-        <p:nvSpPr>
-          <p:cNvPr id="35" name="矩形 34"/>
-          <p:cNvSpPr/>
-          <p:nvPr/>
-        </p:nvSpPr>
-        <p:spPr>
-          <a:xfrm>
-            <a:off x="7605718" y="3798712"/>
-            <a:ext cx="677504" cy="437444"/>
-          </a:xfrm>
-          <a:prstGeom prst="rect">
-            <a:avLst/>
-          </a:prstGeom>
-        </p:spPr>
-        <p:style>
-          <a:lnRef idx="2">
-            <a:schemeClr val="accent2">
-              <a:shade val="50000"/>
-            </a:schemeClr>
-          </a:lnRef>
-          <a:fillRef idx="1">
-            <a:schemeClr val="accent2"/>
-          </a:fillRef>
-          <a:effectRef idx="0">
-            <a:schemeClr val="accent2"/>
-          </a:effectRef>
-          <a:fontRef idx="minor">
-            <a:schemeClr val="lt1"/>
-          </a:fontRef>
-        </p:style>
-        <p:txBody>
-          <a:bodyPr rtlCol="0" anchor="ctr"/>
-          <a:lstStyle/>
-          <a:p>
-            <a:pPr algn="ctr"/>
-            <a:r>
-              <a:rPr kumimoji="1" lang="zh-CN" altLang="en-US" dirty="0" smtClean="0"/>
-              <a:t>数值</a:t>
-            </a:r>
-            <a:endParaRPr kumimoji="1" lang="zh-CN" altLang="en-US" dirty="0"/>
-          </a:p>
-        </p:txBody>
-      </p:sp>
-      <p:sp>
-        <p:nvSpPr>
-          <p:cNvPr id="36" name="矩形 35"/>
-          <p:cNvSpPr/>
-          <p:nvPr/>
-        </p:nvSpPr>
-        <p:spPr>
-          <a:xfrm>
-            <a:off x="8283222" y="3798713"/>
-            <a:ext cx="335672" cy="437444"/>
-          </a:xfrm>
-          <a:prstGeom prst="rect">
-            <a:avLst/>
-          </a:prstGeom>
-        </p:spPr>
-        <p:style>
-          <a:lnRef idx="2">
-            <a:schemeClr val="accent2">
-              <a:shade val="50000"/>
-            </a:schemeClr>
-          </a:lnRef>
-          <a:fillRef idx="1">
-            <a:schemeClr val="accent2"/>
-          </a:fillRef>
-          <a:effectRef idx="0">
-            <a:schemeClr val="accent2"/>
-          </a:effectRef>
-          <a:fontRef idx="minor">
-            <a:schemeClr val="lt1"/>
-          </a:fontRef>
-        </p:style>
-        <p:txBody>
-          <a:bodyPr rtlCol="0" anchor="ctr"/>
-          <a:lstStyle/>
-          <a:p>
-            <a:pPr algn="ctr"/>
-            <a:endParaRPr kumimoji="1" lang="zh-CN" altLang="en-US"/>
-          </a:p>
-        </p:txBody>
-      </p:sp>
-      <p:sp>
-        <p:nvSpPr>
-          <p:cNvPr id="14" name="文本框 13"/>
-          <p:cNvSpPr txBox="1"/>
-          <p:nvPr/>
-        </p:nvSpPr>
-        <p:spPr>
-          <a:xfrm>
-            <a:off x="5716325" y="4909445"/>
-            <a:ext cx="3089007" cy="369332"/>
-          </a:xfrm>
-          <a:prstGeom prst="rect">
-            <a:avLst/>
-          </a:prstGeom>
-          <a:noFill/>
-        </p:spPr>
-        <p:txBody>
-          <a:bodyPr wrap="none" rtlCol="0">
-            <a:spAutoFit/>
-          </a:bodyPr>
-          <a:lstStyle/>
-          <a:p>
-            <a:r>
-              <a:rPr kumimoji="1" lang="en-US" altLang="zh-CN" dirty="0" smtClean="0"/>
-              <a:t>-Xss1M</a:t>
-            </a:r>
-            <a:r>
-              <a:rPr kumimoji="1" lang="zh-CN" altLang="en-US" dirty="0" smtClean="0"/>
-              <a:t>栈大小</a:t>
-            </a:r>
-            <a:r>
-              <a:rPr kumimoji="1" lang="en-US" altLang="zh-CN" dirty="0" smtClean="0"/>
-              <a:t>  -Xmx1G</a:t>
-            </a:r>
-            <a:r>
-              <a:rPr kumimoji="1" lang="zh-CN" altLang="en-US" dirty="0" smtClean="0"/>
-              <a:t>堆大小</a:t>
-            </a:r>
-            <a:endParaRPr kumimoji="1" lang="zh-CN" altLang="en-US" dirty="0"/>
-          </a:p>
-        </p:txBody>
-      </p:sp>
-      <p:sp>
-        <p:nvSpPr>
-          <p:cNvPr id="15" name="矩形 14"/>
-          <p:cNvSpPr/>
-          <p:nvPr/>
-        </p:nvSpPr>
-        <p:spPr>
-          <a:xfrm>
-            <a:off x="4890747" y="1874913"/>
-            <a:ext cx="455540" cy="286453"/>
-          </a:xfrm>
-          <a:prstGeom prst="rect">
-            <a:avLst/>
-          </a:prstGeom>
-        </p:spPr>
-        <p:style>
-          <a:lnRef idx="2">
-            <a:schemeClr val="accent3">
-              <a:shade val="50000"/>
-            </a:schemeClr>
-          </a:lnRef>
-          <a:fillRef idx="1">
-            <a:schemeClr val="accent3"/>
-          </a:fillRef>
-          <a:effectRef idx="0">
-            <a:schemeClr val="accent3"/>
-          </a:effectRef>
-          <a:fontRef idx="minor">
-            <a:schemeClr val="lt1"/>
-          </a:fontRef>
-        </p:style>
-        <p:txBody>
-          <a:bodyPr rtlCol="0" anchor="ctr"/>
-          <a:lstStyle/>
-          <a:p>
-            <a:pPr algn="ctr"/>
-            <a:r>
-              <a:rPr kumimoji="1" lang="en-US" altLang="zh-CN" dirty="0" smtClean="0"/>
-              <a:t>PC</a:t>
-            </a:r>
-            <a:endParaRPr kumimoji="1" lang="zh-CN" altLang="en-US" dirty="0"/>
-          </a:p>
-        </p:txBody>
-      </p:sp>
-      <p:cxnSp>
-        <p:nvCxnSpPr>
-          <p:cNvPr id="20" name="直线箭头连接符 19"/>
-          <p:cNvCxnSpPr>
-            <a:stCxn id="15" idx="3"/>
-            <a:endCxn id="4" idx="1"/>
-          </p:cNvCxnSpPr>
-          <p:nvPr/>
-        </p:nvCxnSpPr>
-        <p:spPr>
-          <a:xfrm>
-            <a:off x="5346287" y="2018140"/>
-            <a:ext cx="581704" cy="9625"/>
-          </a:xfrm>
-          <a:prstGeom prst="straightConnector1">
-            <a:avLst/>
-          </a:prstGeom>
-          <a:ln>
-            <a:tailEnd type="arrow"/>
-          </a:ln>
-        </p:spPr>
-        <p:style>
-          <a:lnRef idx="3">
-            <a:schemeClr val="accent2"/>
-          </a:lnRef>
-          <a:fillRef idx="0">
-            <a:schemeClr val="accent2"/>
-          </a:fillRef>
-          <a:effectRef idx="2">
-            <a:schemeClr val="accent2"/>
-          </a:effectRef>
-          <a:fontRef idx="minor">
-            <a:schemeClr val="tx1"/>
-          </a:fontRef>
-        </p:style>
-      </p:cxnSp>
-    </p:spTree>
-    <p:extLst>
-      <p:ext uri="{BB962C8B-B14F-4D97-AF65-F5344CB8AC3E}">
-        <p14:creationId xmlns:p14="http://schemas.microsoft.com/office/powerpoint/2010/main" val="651022070"/>
-      </p:ext>
-    </p:extLst>
-  </p:cSld>
-  <p:clrMapOvr>
-    <a:masterClrMapping/>
-  </p:clrMapOvr>
-  <p:timing>
-    <p:tnLst>
-      <p:par>
-        <p:cTn id="1" dur="indefinite" restart="never" nodeType="tmRoot"/>
-      </p:par>
-    </p:tnLst>
-  </p:timing>
-</p:sld>
-</file>
-
-<file path=ppt/slides/slide20.xml><?xml version="1.0" encoding="utf-8"?>
+<file path=ppt/slides/slide21.xml><?xml version="1.0" encoding="utf-8"?>
 <p:sld xmlns:a="http://schemas.openxmlformats.org/drawingml/2006/main" xmlns:r="http://schemas.openxmlformats.org/officeDocument/2006/relationships" xmlns:p="http://schemas.openxmlformats.org/presentationml/2006/main">
   <p:cSld>
     <p:spTree>
@@ -16910,218 +18045,6 @@
 </p:sld>
 </file>
 
-<file path=ppt/slides/slide21.xml><?xml version="1.0" encoding="utf-8"?>
-<p:sld xmlns:a="http://schemas.openxmlformats.org/drawingml/2006/main" xmlns:r="http://schemas.openxmlformats.org/officeDocument/2006/relationships" xmlns:p="http://schemas.openxmlformats.org/presentationml/2006/main">
-  <p:cSld>
-    <p:spTree>
-      <p:nvGrpSpPr>
-        <p:cNvPr id="1" name=""/>
-        <p:cNvGrpSpPr/>
-        <p:nvPr/>
-      </p:nvGrpSpPr>
-      <p:grpSpPr>
-        <a:xfrm>
-          <a:off x="0" y="0"/>
-          <a:ext cx="0" cy="0"/>
-          <a:chOff x="0" y="0"/>
-          <a:chExt cx="0" cy="0"/>
-        </a:xfrm>
-      </p:grpSpPr>
-      <p:sp>
-        <p:nvSpPr>
-          <p:cNvPr id="2" name="标题 1"/>
-          <p:cNvSpPr>
-            <a:spLocks noGrp="1"/>
-          </p:cNvSpPr>
-          <p:nvPr>
-            <p:ph type="title"/>
-          </p:nvPr>
-        </p:nvSpPr>
-        <p:spPr/>
-        <p:txBody>
-          <a:bodyPr/>
-          <a:lstStyle/>
-          <a:p>
-            <a:r>
-              <a:rPr kumimoji="1" lang="zh-CN" altLang="en-US" dirty="0" smtClean="0"/>
-              <a:t>线程安全策略</a:t>
-            </a:r>
-            <a:endParaRPr kumimoji="1" lang="zh-CN" altLang="en-US" dirty="0"/>
-          </a:p>
-        </p:txBody>
-      </p:sp>
-      <p:sp>
-        <p:nvSpPr>
-          <p:cNvPr id="3" name="内容占位符 2"/>
-          <p:cNvSpPr>
-            <a:spLocks noGrp="1"/>
-          </p:cNvSpPr>
-          <p:nvPr>
-            <p:ph idx="1"/>
-          </p:nvPr>
-        </p:nvSpPr>
-        <p:spPr/>
-        <p:txBody>
-          <a:bodyPr>
-            <a:normAutofit fontScale="77500" lnSpcReduction="20000"/>
-          </a:bodyPr>
-          <a:lstStyle/>
-          <a:p>
-            <a:r>
-              <a:rPr kumimoji="1" lang="zh-CN" altLang="en-US" dirty="0" smtClean="0"/>
-              <a:t>不可变类</a:t>
-            </a:r>
-            <a:endParaRPr kumimoji="1" lang="en-US" altLang="zh-CN" dirty="0" smtClean="0"/>
-          </a:p>
-          <a:p>
-            <a:pPr lvl="1"/>
-            <a:r>
-              <a:rPr kumimoji="1" lang="zh-CN" altLang="en-US" dirty="0" smtClean="0"/>
-              <a:t>如果一个类初始化后，所有属性和类都是</a:t>
-            </a:r>
-            <a:r>
-              <a:rPr kumimoji="1" lang="en-US" altLang="zh-CN" dirty="0" smtClean="0"/>
-              <a:t>final</a:t>
-            </a:r>
-            <a:r>
-              <a:rPr kumimoji="1" lang="zh-CN" altLang="en-US" dirty="0" smtClean="0"/>
-              <a:t>不可变的，则它是线程安全，不需要任何同步，活性高。</a:t>
-            </a:r>
-            <a:endParaRPr kumimoji="1" lang="en-US" altLang="zh-CN" dirty="0" smtClean="0"/>
-          </a:p>
-          <a:p>
-            <a:r>
-              <a:rPr kumimoji="1" lang="zh-CN" altLang="en-US" dirty="0" smtClean="0"/>
-              <a:t>线程栈内使用</a:t>
-            </a:r>
-            <a:endParaRPr kumimoji="1" lang="en-US" altLang="zh-CN" dirty="0" smtClean="0"/>
-          </a:p>
-          <a:p>
-            <a:pPr lvl="1"/>
-            <a:r>
-              <a:rPr kumimoji="1" lang="zh-CN" altLang="en-US" dirty="0" smtClean="0"/>
-              <a:t>方法内局部变量使用</a:t>
-            </a:r>
-            <a:endParaRPr kumimoji="1" lang="en-US" altLang="zh-CN" dirty="0" smtClean="0"/>
-          </a:p>
-          <a:p>
-            <a:pPr lvl="1"/>
-            <a:r>
-              <a:rPr kumimoji="1" lang="zh-CN" altLang="en-US" dirty="0" smtClean="0"/>
-              <a:t>线程内参数传递</a:t>
-            </a:r>
-            <a:endParaRPr kumimoji="1" lang="en-US" altLang="zh-CN" dirty="0" smtClean="0"/>
-          </a:p>
-          <a:p>
-            <a:pPr lvl="1"/>
-            <a:r>
-              <a:rPr kumimoji="1" lang="en-US" altLang="zh-CN" dirty="0" err="1" smtClean="0"/>
-              <a:t>ThreadLocal</a:t>
-            </a:r>
-            <a:r>
-              <a:rPr kumimoji="1" lang="zh-CN" altLang="en-US" dirty="0" smtClean="0"/>
-              <a:t>持有</a:t>
-            </a:r>
-            <a:endParaRPr kumimoji="1" lang="en-US" altLang="zh-CN" dirty="0" smtClean="0"/>
-          </a:p>
-          <a:p>
-            <a:r>
-              <a:rPr kumimoji="1" lang="zh-CN" altLang="en-US" dirty="0" smtClean="0"/>
-              <a:t>同步锁</a:t>
-            </a:r>
-            <a:endParaRPr kumimoji="1" lang="en-US" altLang="zh-CN" dirty="0" smtClean="0"/>
-          </a:p>
-          <a:p>
-            <a:pPr lvl="1"/>
-            <a:r>
-              <a:rPr kumimoji="1" lang="en-US" altLang="zh-CN" dirty="0"/>
-              <a:t>synchronized</a:t>
-            </a:r>
-            <a:r>
-              <a:rPr kumimoji="1" lang="zh-CN" altLang="en-US" dirty="0" smtClean="0"/>
-              <a:t>的代码串行执行，线程安全，但活性低。</a:t>
-            </a:r>
-            <a:endParaRPr kumimoji="1" lang="en-US" altLang="zh-CN" dirty="0" smtClean="0"/>
-          </a:p>
-          <a:p>
-            <a:pPr lvl="1"/>
-            <a:r>
-              <a:rPr kumimoji="1" lang="en-US" altLang="zh-CN" dirty="0" smtClean="0"/>
-              <a:t>volatile</a:t>
-            </a:r>
-            <a:r>
-              <a:rPr kumimoji="1" lang="zh-CN" altLang="en-US" dirty="0" smtClean="0"/>
-              <a:t>变量锁外双重检测</a:t>
-            </a:r>
-            <a:r>
-              <a:rPr kumimoji="1" lang="en-US" altLang="zh-CN" dirty="0" smtClean="0"/>
-              <a:t>(JDK1.5+)</a:t>
-            </a:r>
-            <a:r>
-              <a:rPr kumimoji="1" lang="zh-CN" altLang="zh-CN" dirty="0" smtClean="0"/>
-              <a:t>，</a:t>
-            </a:r>
-            <a:r>
-              <a:rPr kumimoji="1" lang="zh-CN" altLang="en-US" dirty="0" smtClean="0"/>
-              <a:t>降低锁竞争。</a:t>
-            </a:r>
-            <a:endParaRPr kumimoji="1" lang="en-US" altLang="zh-CN" dirty="0" smtClean="0"/>
-          </a:p>
-          <a:p>
-            <a:pPr lvl="1"/>
-            <a:r>
-              <a:rPr kumimoji="1" lang="zh-CN" altLang="en-US" dirty="0" smtClean="0"/>
-              <a:t>读写条件分离，锁粒度分级，排序锁。</a:t>
-            </a:r>
-            <a:endParaRPr kumimoji="1" lang="en-US" altLang="zh-CN" dirty="0" smtClean="0"/>
-          </a:p>
-          <a:p>
-            <a:r>
-              <a:rPr kumimoji="1" lang="en-US" altLang="zh-CN" dirty="0" smtClean="0"/>
-              <a:t>CAS (</a:t>
-            </a:r>
-            <a:r>
-              <a:rPr kumimoji="1" lang="en-US" altLang="zh-CN" dirty="0" err="1" smtClean="0"/>
-              <a:t>CompreAndSet</a:t>
-            </a:r>
-            <a:r>
-              <a:rPr kumimoji="1" lang="en-US" altLang="zh-CN" dirty="0" smtClean="0"/>
-              <a:t>)</a:t>
-            </a:r>
-          </a:p>
-          <a:p>
-            <a:pPr lvl="1"/>
-            <a:r>
-              <a:rPr kumimoji="1" lang="zh-CN" altLang="en-US" dirty="0" smtClean="0"/>
-              <a:t>循环设新值，如果旧值变化，则重设，乐观并发。</a:t>
-            </a:r>
-            <a:endParaRPr kumimoji="1" lang="en-US" altLang="zh-CN" dirty="0" smtClean="0"/>
-          </a:p>
-          <a:p>
-            <a:endParaRPr kumimoji="1" lang="en-US" altLang="zh-CN" dirty="0" smtClean="0"/>
-          </a:p>
-        </p:txBody>
-      </p:sp>
-    </p:spTree>
-    <p:extLst>
-      <p:ext uri="{BB962C8B-B14F-4D97-AF65-F5344CB8AC3E}">
-        <p14:creationId xmlns:p14="http://schemas.microsoft.com/office/powerpoint/2010/main" val="3895689456"/>
-      </p:ext>
-    </p:extLst>
-  </p:cSld>
-  <p:clrMapOvr>
-    <a:masterClrMapping/>
-  </p:clrMapOvr>
-  <p:timing>
-    <p:tnLst>
-      <p:par>
-        <p:cTn id="1" dur="indefinite" restart="never" nodeType="tmRoot"/>
-      </p:par>
-    </p:tnLst>
-  </p:timing>
-</p:sld>
-</file>
-
 <file path=ppt/slides/slide22.xml><?xml version="1.0" encoding="utf-8"?>
 <p:sld xmlns:a="http://schemas.openxmlformats.org/drawingml/2006/main" xmlns:r="http://schemas.openxmlformats.org/officeDocument/2006/relationships" xmlns:p="http://schemas.openxmlformats.org/presentationml/2006/main">
   <p:cSld>
@@ -17156,6 +18079,218 @@
           <a:p>
             <a:r>
               <a:rPr kumimoji="1" lang="zh-CN" altLang="en-US" dirty="0" smtClean="0"/>
+              <a:t>线程安全策略</a:t>
+            </a:r>
+            <a:endParaRPr kumimoji="1" lang="zh-CN" altLang="en-US" dirty="0"/>
+          </a:p>
+        </p:txBody>
+      </p:sp>
+      <p:sp>
+        <p:nvSpPr>
+          <p:cNvPr id="3" name="内容占位符 2"/>
+          <p:cNvSpPr>
+            <a:spLocks noGrp="1"/>
+          </p:cNvSpPr>
+          <p:nvPr>
+            <p:ph idx="1"/>
+          </p:nvPr>
+        </p:nvSpPr>
+        <p:spPr/>
+        <p:txBody>
+          <a:bodyPr>
+            <a:normAutofit fontScale="77500" lnSpcReduction="20000"/>
+          </a:bodyPr>
+          <a:lstStyle/>
+          <a:p>
+            <a:r>
+              <a:rPr kumimoji="1" lang="zh-CN" altLang="en-US" dirty="0" smtClean="0"/>
+              <a:t>不可变类</a:t>
+            </a:r>
+            <a:endParaRPr kumimoji="1" lang="en-US" altLang="zh-CN" dirty="0" smtClean="0"/>
+          </a:p>
+          <a:p>
+            <a:pPr lvl="1"/>
+            <a:r>
+              <a:rPr kumimoji="1" lang="zh-CN" altLang="en-US" dirty="0" smtClean="0"/>
+              <a:t>如果一个类初始化后，所有属性和类都是</a:t>
+            </a:r>
+            <a:r>
+              <a:rPr kumimoji="1" lang="en-US" altLang="zh-CN" dirty="0" smtClean="0"/>
+              <a:t>final</a:t>
+            </a:r>
+            <a:r>
+              <a:rPr kumimoji="1" lang="zh-CN" altLang="en-US" dirty="0" smtClean="0"/>
+              <a:t>不可变的，则它是线程安全，不需要任何同步，活性高。</a:t>
+            </a:r>
+            <a:endParaRPr kumimoji="1" lang="en-US" altLang="zh-CN" dirty="0" smtClean="0"/>
+          </a:p>
+          <a:p>
+            <a:r>
+              <a:rPr kumimoji="1" lang="zh-CN" altLang="en-US" dirty="0" smtClean="0"/>
+              <a:t>线程栈内使用</a:t>
+            </a:r>
+            <a:endParaRPr kumimoji="1" lang="en-US" altLang="zh-CN" dirty="0" smtClean="0"/>
+          </a:p>
+          <a:p>
+            <a:pPr lvl="1"/>
+            <a:r>
+              <a:rPr kumimoji="1" lang="zh-CN" altLang="en-US" dirty="0" smtClean="0"/>
+              <a:t>方法内局部变量使用</a:t>
+            </a:r>
+            <a:endParaRPr kumimoji="1" lang="en-US" altLang="zh-CN" dirty="0" smtClean="0"/>
+          </a:p>
+          <a:p>
+            <a:pPr lvl="1"/>
+            <a:r>
+              <a:rPr kumimoji="1" lang="zh-CN" altLang="en-US" dirty="0" smtClean="0"/>
+              <a:t>线程内参数传递</a:t>
+            </a:r>
+            <a:endParaRPr kumimoji="1" lang="en-US" altLang="zh-CN" dirty="0" smtClean="0"/>
+          </a:p>
+          <a:p>
+            <a:pPr lvl="1"/>
+            <a:r>
+              <a:rPr kumimoji="1" lang="en-US" altLang="zh-CN" dirty="0" err="1" smtClean="0"/>
+              <a:t>ThreadLocal</a:t>
+            </a:r>
+            <a:r>
+              <a:rPr kumimoji="1" lang="zh-CN" altLang="en-US" dirty="0" smtClean="0"/>
+              <a:t>持有</a:t>
+            </a:r>
+            <a:endParaRPr kumimoji="1" lang="en-US" altLang="zh-CN" dirty="0" smtClean="0"/>
+          </a:p>
+          <a:p>
+            <a:r>
+              <a:rPr kumimoji="1" lang="zh-CN" altLang="en-US" dirty="0" smtClean="0"/>
+              <a:t>同步锁</a:t>
+            </a:r>
+            <a:endParaRPr kumimoji="1" lang="en-US" altLang="zh-CN" dirty="0" smtClean="0"/>
+          </a:p>
+          <a:p>
+            <a:pPr lvl="1"/>
+            <a:r>
+              <a:rPr kumimoji="1" lang="en-US" altLang="zh-CN" dirty="0"/>
+              <a:t>synchronized</a:t>
+            </a:r>
+            <a:r>
+              <a:rPr kumimoji="1" lang="zh-CN" altLang="en-US" dirty="0" smtClean="0"/>
+              <a:t>的代码串行执行，线程安全，但活性低。</a:t>
+            </a:r>
+            <a:endParaRPr kumimoji="1" lang="en-US" altLang="zh-CN" dirty="0" smtClean="0"/>
+          </a:p>
+          <a:p>
+            <a:pPr lvl="1"/>
+            <a:r>
+              <a:rPr kumimoji="1" lang="en-US" altLang="zh-CN" dirty="0" smtClean="0"/>
+              <a:t>volatile</a:t>
+            </a:r>
+            <a:r>
+              <a:rPr kumimoji="1" lang="zh-CN" altLang="en-US" dirty="0" smtClean="0"/>
+              <a:t>变量锁外双重检测</a:t>
+            </a:r>
+            <a:r>
+              <a:rPr kumimoji="1" lang="en-US" altLang="zh-CN" dirty="0" smtClean="0"/>
+              <a:t>(JDK1.5+)</a:t>
+            </a:r>
+            <a:r>
+              <a:rPr kumimoji="1" lang="zh-CN" altLang="zh-CN" dirty="0" smtClean="0"/>
+              <a:t>，</a:t>
+            </a:r>
+            <a:r>
+              <a:rPr kumimoji="1" lang="zh-CN" altLang="en-US" dirty="0" smtClean="0"/>
+              <a:t>降低锁竞争。</a:t>
+            </a:r>
+            <a:endParaRPr kumimoji="1" lang="en-US" altLang="zh-CN" dirty="0" smtClean="0"/>
+          </a:p>
+          <a:p>
+            <a:pPr lvl="1"/>
+            <a:r>
+              <a:rPr kumimoji="1" lang="zh-CN" altLang="en-US" dirty="0" smtClean="0"/>
+              <a:t>读写条件分离，锁粒度分级，排序锁。</a:t>
+            </a:r>
+            <a:endParaRPr kumimoji="1" lang="en-US" altLang="zh-CN" dirty="0" smtClean="0"/>
+          </a:p>
+          <a:p>
+            <a:r>
+              <a:rPr kumimoji="1" lang="en-US" altLang="zh-CN" dirty="0" smtClean="0"/>
+              <a:t>CAS (</a:t>
+            </a:r>
+            <a:r>
+              <a:rPr kumimoji="1" lang="en-US" altLang="zh-CN" dirty="0" err="1" smtClean="0"/>
+              <a:t>CompreAndSet</a:t>
+            </a:r>
+            <a:r>
+              <a:rPr kumimoji="1" lang="en-US" altLang="zh-CN" dirty="0" smtClean="0"/>
+              <a:t>)</a:t>
+            </a:r>
+          </a:p>
+          <a:p>
+            <a:pPr lvl="1"/>
+            <a:r>
+              <a:rPr kumimoji="1" lang="zh-CN" altLang="en-US" dirty="0" smtClean="0"/>
+              <a:t>循环设新值，如果旧值变化，则重设，乐观并发。</a:t>
+            </a:r>
+            <a:endParaRPr kumimoji="1" lang="en-US" altLang="zh-CN" dirty="0" smtClean="0"/>
+          </a:p>
+          <a:p>
+            <a:endParaRPr kumimoji="1" lang="en-US" altLang="zh-CN" dirty="0" smtClean="0"/>
+          </a:p>
+        </p:txBody>
+      </p:sp>
+    </p:spTree>
+    <p:extLst>
+      <p:ext uri="{BB962C8B-B14F-4D97-AF65-F5344CB8AC3E}">
+        <p14:creationId xmlns:p14="http://schemas.microsoft.com/office/powerpoint/2010/main" val="3895689456"/>
+      </p:ext>
+    </p:extLst>
+  </p:cSld>
+  <p:clrMapOvr>
+    <a:masterClrMapping/>
+  </p:clrMapOvr>
+  <p:timing>
+    <p:tnLst>
+      <p:par>
+        <p:cTn id="1" dur="indefinite" restart="never" nodeType="tmRoot"/>
+      </p:par>
+    </p:tnLst>
+  </p:timing>
+</p:sld>
+</file>
+
+<file path=ppt/slides/slide23.xml><?xml version="1.0" encoding="utf-8"?>
+<p:sld xmlns:a="http://schemas.openxmlformats.org/drawingml/2006/main" xmlns:r="http://schemas.openxmlformats.org/officeDocument/2006/relationships" xmlns:p="http://schemas.openxmlformats.org/presentationml/2006/main">
+  <p:cSld>
+    <p:spTree>
+      <p:nvGrpSpPr>
+        <p:cNvPr id="1" name=""/>
+        <p:cNvGrpSpPr/>
+        <p:nvPr/>
+      </p:nvGrpSpPr>
+      <p:grpSpPr>
+        <a:xfrm>
+          <a:off x="0" y="0"/>
+          <a:ext cx="0" cy="0"/>
+          <a:chOff x="0" y="0"/>
+          <a:chExt cx="0" cy="0"/>
+        </a:xfrm>
+      </p:grpSpPr>
+      <p:sp>
+        <p:nvSpPr>
+          <p:cNvPr id="2" name="标题 1"/>
+          <p:cNvSpPr>
+            <a:spLocks noGrp="1"/>
+          </p:cNvSpPr>
+          <p:nvPr>
+            <p:ph type="title"/>
+          </p:nvPr>
+        </p:nvSpPr>
+        <p:spPr/>
+        <p:txBody>
+          <a:bodyPr/>
+          <a:lstStyle/>
+          <a:p>
+            <a:r>
+              <a:rPr kumimoji="1" lang="zh-CN" altLang="en-US" dirty="0" smtClean="0"/>
               <a:t>习惯</a:t>
             </a:r>
             <a:endParaRPr kumimoji="1" lang="zh-CN" altLang="en-US" dirty="0"/>
@@ -17261,7 +18396,7 @@
 </p:sld>
 </file>
 
-<file path=ppt/slides/slide23.xml><?xml version="1.0" encoding="utf-8"?>
+<file path=ppt/slides/slide24.xml><?xml version="1.0" encoding="utf-8"?>
 <p:sld xmlns:a="http://schemas.openxmlformats.org/drawingml/2006/main" xmlns:r="http://schemas.openxmlformats.org/officeDocument/2006/relationships" xmlns:p="http://schemas.openxmlformats.org/presentationml/2006/main">
   <p:cSld>
     <p:spTree>
@@ -17514,6 +18649,415 @@
       </p:grpSpPr>
       <p:sp>
         <p:nvSpPr>
+          <p:cNvPr id="2" name="标题 1"/>
+          <p:cNvSpPr>
+            <a:spLocks noGrp="1"/>
+          </p:cNvSpPr>
+          <p:nvPr>
+            <p:ph type="title"/>
+          </p:nvPr>
+        </p:nvSpPr>
+        <p:spPr/>
+        <p:txBody>
+          <a:bodyPr/>
+          <a:lstStyle/>
+          <a:p>
+            <a:r>
+              <a:rPr kumimoji="1" lang="en-US" altLang="zh-CN" dirty="0" smtClean="0"/>
+              <a:t>JVM</a:t>
+            </a:r>
+            <a:r>
+              <a:rPr kumimoji="1" lang="zh-CN" altLang="en-US" dirty="0" smtClean="0"/>
+              <a:t>内存模型</a:t>
+            </a:r>
+            <a:endParaRPr kumimoji="1" lang="zh-CN" altLang="en-US" dirty="0"/>
+          </a:p>
+        </p:txBody>
+      </p:sp>
+      <p:sp>
+        <p:nvSpPr>
+          <p:cNvPr id="33" name="内容占位符 32"/>
+          <p:cNvSpPr>
+            <a:spLocks noGrp="1"/>
+          </p:cNvSpPr>
+          <p:nvPr>
+            <p:ph idx="1"/>
+          </p:nvPr>
+        </p:nvSpPr>
+        <p:spPr>
+          <a:xfrm>
+            <a:off x="91440" y="1238250"/>
+            <a:ext cx="5867400" cy="4887913"/>
+          </a:xfrm>
+        </p:spPr>
+        <p:txBody>
+          <a:bodyPr>
+            <a:normAutofit/>
+          </a:bodyPr>
+          <a:lstStyle/>
+          <a:p>
+            <a:pPr latinLnBrk="1"/>
+            <a:r>
+              <a:rPr lang="zh-CN" altLang="en-US" sz="1800" dirty="0"/>
+              <a:t>虚拟机对主内存和工作内存的操作有如下</a:t>
+            </a:r>
+            <a:r>
+              <a:rPr lang="en-US" altLang="zh-CN" sz="1800" dirty="0"/>
+              <a:t>8</a:t>
+            </a:r>
+            <a:r>
+              <a:rPr lang="zh-CN" altLang="en-US" sz="1800" dirty="0"/>
+              <a:t>个（每个操作都具备原子性）：</a:t>
+            </a:r>
+          </a:p>
+          <a:p>
+            <a:pPr marL="0" indent="0" latinLnBrk="1">
+              <a:buNone/>
+            </a:pPr>
+            <a:r>
+              <a:rPr lang="zh-CN" altLang="en-US" sz="1800" b="1" dirty="0"/>
+              <a:t> </a:t>
+            </a:r>
+            <a:r>
+              <a:rPr lang="en-US" altLang="zh-CN" sz="1800" b="1" dirty="0"/>
+              <a:t>lock</a:t>
+            </a:r>
+            <a:r>
+              <a:rPr lang="zh-CN" altLang="en-US" sz="1800" dirty="0"/>
+              <a:t>：锁定主内存中某变量的内存区域</a:t>
+            </a:r>
+            <a:r>
+              <a:rPr lang="zh-CN" altLang="en-US" sz="1800" dirty="0" smtClean="0"/>
+              <a:t>；</a:t>
+            </a:r>
+            <a:endParaRPr lang="en-US" altLang="zh-CN" sz="1800" dirty="0" smtClean="0"/>
+          </a:p>
+          <a:p>
+            <a:pPr marL="0" indent="0" latinLnBrk="1">
+              <a:buNone/>
+            </a:pPr>
+            <a:r>
+              <a:rPr lang="en-US" altLang="zh-CN" sz="1800" b="1" dirty="0" smtClean="0"/>
+              <a:t>unlock</a:t>
+            </a:r>
+            <a:r>
+              <a:rPr lang="zh-CN" altLang="en-US" sz="1800" dirty="0"/>
+              <a:t>：和</a:t>
+            </a:r>
+            <a:r>
+              <a:rPr lang="en-US" altLang="zh-CN" sz="1800" dirty="0"/>
+              <a:t>lock</a:t>
+            </a:r>
+            <a:r>
+              <a:rPr lang="zh-CN" altLang="en-US" sz="1800" dirty="0"/>
+              <a:t>对应的解锁</a:t>
+            </a:r>
+            <a:r>
+              <a:rPr lang="zh-CN" altLang="en-US" sz="1800" dirty="0" smtClean="0"/>
+              <a:t>；</a:t>
+            </a:r>
+            <a:endParaRPr lang="en-US" altLang="zh-CN" sz="1800" dirty="0" smtClean="0"/>
+          </a:p>
+          <a:p>
+            <a:pPr marL="0" indent="0" latinLnBrk="1">
+              <a:buNone/>
+            </a:pPr>
+            <a:r>
+              <a:rPr lang="en-US" altLang="zh-CN" sz="1800" b="1" dirty="0" smtClean="0"/>
+              <a:t>read</a:t>
+            </a:r>
+            <a:r>
+              <a:rPr lang="zh-CN" altLang="en-US" sz="1800" dirty="0"/>
+              <a:t>：从主内存中度变量的值</a:t>
+            </a:r>
+            <a:r>
+              <a:rPr lang="zh-CN" altLang="en-US" sz="1800" dirty="0" smtClean="0"/>
+              <a:t>；</a:t>
+            </a:r>
+            <a:endParaRPr lang="en-US" altLang="zh-CN" sz="1800" dirty="0" smtClean="0"/>
+          </a:p>
+          <a:p>
+            <a:pPr marL="0" indent="0" latinLnBrk="1">
+              <a:buNone/>
+            </a:pPr>
+            <a:r>
+              <a:rPr lang="en-US" altLang="zh-CN" sz="1800" b="1" dirty="0" smtClean="0"/>
+              <a:t>load</a:t>
+            </a:r>
+            <a:r>
+              <a:rPr lang="zh-CN" altLang="en-US" sz="1800" dirty="0"/>
+              <a:t>：将</a:t>
+            </a:r>
+            <a:r>
+              <a:rPr lang="en-US" altLang="zh-CN" sz="1800" dirty="0"/>
+              <a:t>read</a:t>
+            </a:r>
+            <a:r>
+              <a:rPr lang="zh-CN" altLang="en-US" sz="1800" dirty="0"/>
+              <a:t>操作读来的值加载到工作内存</a:t>
+            </a:r>
+            <a:r>
+              <a:rPr lang="zh-CN" altLang="en-US" sz="1800" dirty="0" smtClean="0"/>
+              <a:t>；</a:t>
+            </a:r>
+            <a:endParaRPr lang="en-US" altLang="zh-CN" sz="1800" dirty="0" smtClean="0"/>
+          </a:p>
+          <a:p>
+            <a:pPr marL="0" indent="0" latinLnBrk="1">
+              <a:buNone/>
+            </a:pPr>
+            <a:r>
+              <a:rPr lang="en-US" altLang="zh-CN" sz="1800" b="1" dirty="0" smtClean="0"/>
+              <a:t>use</a:t>
+            </a:r>
+            <a:r>
+              <a:rPr lang="zh-CN" altLang="en-US" sz="1800" dirty="0"/>
+              <a:t>：将工作内存中变量的值传入执行引擎（</a:t>
+            </a:r>
+            <a:r>
+              <a:rPr lang="zh-CN" altLang="en-US" sz="1800" b="1" dirty="0"/>
+              <a:t>注意</a:t>
+            </a:r>
+            <a:r>
+              <a:rPr lang="zh-CN" altLang="en-US" sz="1800" dirty="0"/>
+              <a:t>：只是指这个传输动作，不包括计算，这和代码层面的“使用”不同）</a:t>
+            </a:r>
+            <a:r>
+              <a:rPr lang="zh-CN" altLang="en-US" sz="1800" dirty="0" smtClean="0"/>
+              <a:t>；</a:t>
+            </a:r>
+            <a:endParaRPr lang="en-US" altLang="zh-CN" sz="1800" dirty="0" smtClean="0"/>
+          </a:p>
+          <a:p>
+            <a:pPr marL="0" indent="0" latinLnBrk="1">
+              <a:buNone/>
+            </a:pPr>
+            <a:r>
+              <a:rPr lang="en-US" altLang="zh-CN" sz="1800" b="1" dirty="0" smtClean="0"/>
+              <a:t>assign</a:t>
+            </a:r>
+            <a:r>
+              <a:rPr lang="zh-CN" altLang="en-US" sz="1800" dirty="0"/>
+              <a:t>：将执行引擎计算的结果写到工作内存</a:t>
+            </a:r>
+            <a:r>
+              <a:rPr lang="zh-CN" altLang="en-US" sz="1800" dirty="0" smtClean="0"/>
+              <a:t>；</a:t>
+            </a:r>
+            <a:endParaRPr lang="en-US" altLang="zh-CN" sz="1800" dirty="0" smtClean="0"/>
+          </a:p>
+          <a:p>
+            <a:pPr marL="0" indent="0" latinLnBrk="1">
+              <a:buNone/>
+            </a:pPr>
+            <a:r>
+              <a:rPr lang="en-US" altLang="zh-CN" sz="1800" b="1" dirty="0" smtClean="0"/>
+              <a:t>store</a:t>
+            </a:r>
+            <a:r>
+              <a:rPr lang="zh-CN" altLang="en-US" sz="1800" dirty="0"/>
+              <a:t>：将变量的值从工作内存中拿出</a:t>
+            </a:r>
+            <a:r>
+              <a:rPr lang="zh-CN" altLang="en-US" sz="1800" dirty="0" smtClean="0"/>
+              <a:t>；</a:t>
+            </a:r>
+            <a:endParaRPr lang="en-US" altLang="zh-CN" sz="1800" dirty="0" smtClean="0"/>
+          </a:p>
+          <a:p>
+            <a:pPr marL="0" indent="0" latinLnBrk="1">
+              <a:buNone/>
+            </a:pPr>
+            <a:r>
+              <a:rPr lang="en-US" altLang="zh-CN" sz="1800" b="1" dirty="0" smtClean="0"/>
+              <a:t>write</a:t>
+            </a:r>
+            <a:r>
+              <a:rPr lang="zh-CN" altLang="en-US" sz="1800" dirty="0"/>
+              <a:t>：将</a:t>
+            </a:r>
+            <a:r>
+              <a:rPr lang="en-US" altLang="zh-CN" sz="1800" dirty="0"/>
+              <a:t>store</a:t>
+            </a:r>
+            <a:r>
+              <a:rPr lang="zh-CN" altLang="en-US" sz="1800" dirty="0"/>
+              <a:t>拿出的值写到主内存</a:t>
+            </a:r>
+            <a:r>
+              <a:rPr lang="en-US" altLang="zh-CN" sz="1800" dirty="0"/>
+              <a:t>.</a:t>
+            </a:r>
+          </a:p>
+        </p:txBody>
+      </p:sp>
+      <p:pic>
+        <p:nvPicPr>
+          <p:cNvPr id="5" name="Picture 3"/>
+          <p:cNvPicPr>
+            <a:picLocks noChangeAspect="1" noChangeArrowheads="1"/>
+          </p:cNvPicPr>
+          <p:nvPr/>
+        </p:nvPicPr>
+        <p:blipFill>
+          <a:blip r:embed="rId3">
+            <a:extLst>
+              <a:ext uri="{28A0092B-C50C-407E-A947-70E740481C1C}">
+                <a14:useLocalDpi xmlns:a14="http://schemas.microsoft.com/office/drawing/2010/main" val="0"/>
+              </a:ext>
+            </a:extLst>
+          </a:blip>
+          <a:srcRect/>
+          <a:stretch>
+            <a:fillRect/>
+          </a:stretch>
+        </p:blipFill>
+        <p:spPr bwMode="auto">
+          <a:xfrm>
+            <a:off x="5821681" y="2162173"/>
+            <a:ext cx="3322320" cy="3419865"/>
+          </a:xfrm>
+          <a:prstGeom prst="rect">
+            <a:avLst/>
+          </a:prstGeom>
+          <a:noFill/>
+          <a:ln>
+            <a:noFill/>
+          </a:ln>
+          <a:effectLst/>
+          <a:extLst>
+            <a:ext uri="{909E8E84-426E-40DD-AFC4-6F175D3DCCD1}">
+              <a14:hiddenFill xmlns:a14="http://schemas.microsoft.com/office/drawing/2010/main">
+                <a:solidFill>
+                  <a:schemeClr val="accent1"/>
+                </a:solidFill>
+              </a14:hiddenFill>
+            </a:ext>
+            <a:ext uri="{91240B29-F687-4F45-9708-019B960494DF}">
+              <a14:hiddenLine xmlns:a14="http://schemas.microsoft.com/office/drawing/2010/main" w="9525">
+                <a:solidFill>
+                  <a:schemeClr val="tx1"/>
+                </a:solidFill>
+                <a:miter lim="800000"/>
+                <a:headEnd/>
+                <a:tailEnd/>
+              </a14:hiddenLine>
+            </a:ext>
+            <a:ext uri="{AF507438-7753-43E0-B8FC-AC1667EBCBE1}">
+              <a14:hiddenEffects xmlns:a14="http://schemas.microsoft.com/office/drawing/2010/main">
+                <a:effectLst>
+                  <a:outerShdw dist="35921" dir="2700000" algn="ctr" rotWithShape="0">
+                    <a:schemeClr val="bg2"/>
+                  </a:outerShdw>
+                </a:effectLst>
+              </a14:hiddenEffects>
+            </a:ext>
+          </a:extLst>
+        </p:spPr>
+      </p:pic>
+      <p:pic>
+        <p:nvPicPr>
+          <p:cNvPr id="6" name="Picture 4"/>
+          <p:cNvPicPr>
+            <a:picLocks noChangeAspect="1" noChangeArrowheads="1"/>
+          </p:cNvPicPr>
+          <p:nvPr/>
+        </p:nvPicPr>
+        <p:blipFill>
+          <a:blip r:embed="rId4">
+            <a:extLst>
+              <a:ext uri="{28A0092B-C50C-407E-A947-70E740481C1C}">
+                <a14:useLocalDpi xmlns:a14="http://schemas.microsoft.com/office/drawing/2010/main" val="0"/>
+              </a:ext>
+            </a:extLst>
+          </a:blip>
+          <a:srcRect/>
+          <a:stretch>
+            <a:fillRect/>
+          </a:stretch>
+        </p:blipFill>
+        <p:spPr bwMode="auto">
+          <a:xfrm>
+            <a:off x="7710622" y="1238250"/>
+            <a:ext cx="1257300" cy="361950"/>
+          </a:xfrm>
+          <a:prstGeom prst="rect">
+            <a:avLst/>
+          </a:prstGeom>
+          <a:noFill/>
+          <a:ln>
+            <a:noFill/>
+          </a:ln>
+          <a:effectLst/>
+          <a:extLst>
+            <a:ext uri="{909E8E84-426E-40DD-AFC4-6F175D3DCCD1}">
+              <a14:hiddenFill xmlns:a14="http://schemas.microsoft.com/office/drawing/2010/main">
+                <a:solidFill>
+                  <a:schemeClr val="accent1"/>
+                </a:solidFill>
+              </a14:hiddenFill>
+            </a:ext>
+            <a:ext uri="{91240B29-F687-4F45-9708-019B960494DF}">
+              <a14:hiddenLine xmlns:a14="http://schemas.microsoft.com/office/drawing/2010/main" w="9525">
+                <a:solidFill>
+                  <a:schemeClr val="tx1"/>
+                </a:solidFill>
+                <a:miter lim="800000"/>
+                <a:headEnd/>
+                <a:tailEnd/>
+              </a14:hiddenLine>
+            </a:ext>
+            <a:ext uri="{AF507438-7753-43E0-B8FC-AC1667EBCBE1}">
+              <a14:hiddenEffects xmlns:a14="http://schemas.microsoft.com/office/drawing/2010/main">
+                <a:effectLst>
+                  <a:outerShdw dist="35921" dir="2700000" algn="ctr" rotWithShape="0">
+                    <a:schemeClr val="bg2"/>
+                  </a:outerShdw>
+                </a:effectLst>
+              </a14:hiddenEffects>
+            </a:ext>
+          </a:extLst>
+        </p:spPr>
+      </p:pic>
+    </p:spTree>
+    <p:extLst>
+      <p:ext uri="{BB962C8B-B14F-4D97-AF65-F5344CB8AC3E}">
+        <p14:creationId xmlns:p14="http://schemas.microsoft.com/office/powerpoint/2010/main" val="2135530538"/>
+      </p:ext>
+    </p:extLst>
+  </p:cSld>
+  <p:clrMapOvr>
+    <a:masterClrMapping/>
+  </p:clrMapOvr>
+  <p:timing>
+    <p:tnLst>
+      <p:par>
+        <p:cTn id="1" dur="indefinite" restart="never" nodeType="tmRoot"/>
+      </p:par>
+    </p:tnLst>
+  </p:timing>
+</p:sld>
+</file>
+
+<file path=ppt/slides/slide5.xml><?xml version="1.0" encoding="utf-8"?>
+<p:sld xmlns:a="http://schemas.openxmlformats.org/drawingml/2006/main" xmlns:r="http://schemas.openxmlformats.org/officeDocument/2006/relationships" xmlns:p="http://schemas.openxmlformats.org/presentationml/2006/main">
+  <p:cSld>
+    <p:spTree>
+      <p:nvGrpSpPr>
+        <p:cNvPr id="1" name=""/>
+        <p:cNvGrpSpPr/>
+        <p:nvPr/>
+      </p:nvGrpSpPr>
+      <p:grpSpPr>
+        <a:xfrm>
+          <a:off x="0" y="0"/>
+          <a:ext cx="0" cy="0"/>
+          <a:chOff x="0" y="0"/>
+          <a:chExt cx="0" cy="0"/>
+        </a:xfrm>
+      </p:grpSpPr>
+      <p:sp>
+        <p:nvSpPr>
           <p:cNvPr id="3" name="内容占位符 2"/>
           <p:cNvSpPr>
             <a:spLocks noGrp="1"/>
@@ -18681,7 +20225,7 @@
 </p:sld>
 </file>
 
-<file path=ppt/slides/slide5.xml><?xml version="1.0" encoding="utf-8"?>
+<file path=ppt/slides/slide6.xml><?xml version="1.0" encoding="utf-8"?>
 <p:sld xmlns:a="http://schemas.openxmlformats.org/drawingml/2006/main" xmlns:r="http://schemas.openxmlformats.org/officeDocument/2006/relationships" xmlns:p="http://schemas.openxmlformats.org/presentationml/2006/main">
   <p:cSld>
     <p:spTree>
@@ -19182,9 +20726,6 @@
               </a:rPr>
               <a:t>的操作也是同理。</a:t>
             </a:r>
-            <a:endParaRPr lang="zh-CN" altLang="en-US" sz="2100" dirty="0">
-              <a:latin typeface="+mn-ea"/>
-            </a:endParaRPr>
           </a:p>
           <a:p>
             <a:pPr marL="0" indent="0">
@@ -19414,7 +20955,7 @@
 </p:sld>
 </file>
 
-<file path=ppt/slides/slide6.xml><?xml version="1.0" encoding="utf-8"?>
+<file path=ppt/slides/slide7.xml><?xml version="1.0" encoding="utf-8"?>
 <p:sld xmlns:a="http://schemas.openxmlformats.org/drawingml/2006/main" xmlns:r="http://schemas.openxmlformats.org/officeDocument/2006/relationships" xmlns:p="http://schemas.openxmlformats.org/presentationml/2006/main">
   <p:cSld>
     <p:spTree>
@@ -19774,6 +21315,21 @@
               </a:rPr>
               <a:t>3</a:t>
             </a:r>
+            <a:r>
+              <a:rPr lang="zh-CN" altLang="en-US" sz="2400" dirty="0" smtClean="0">
+                <a:latin typeface="+mn-ea"/>
+              </a:rPr>
+              <a:t>、</a:t>
+            </a:r>
+            <a:r>
+              <a:rPr lang="en-US" altLang="zh-CN" sz="2400" dirty="0" smtClean="0">
+                <a:latin typeface="+mn-ea"/>
+              </a:rPr>
+              <a:t>4</a:t>
+            </a:r>
+            <a:endParaRPr lang="en-US" altLang="zh-CN" sz="2400" dirty="0" smtClean="0">
+              <a:latin typeface="+mn-ea"/>
+            </a:endParaRPr>
           </a:p>
           <a:p>
             <a:pPr marL="0" indent="0" latinLnBrk="1">
@@ -19856,190 +21412,6 @@
     <p:extLst>
       <p:ext uri="{BB962C8B-B14F-4D97-AF65-F5344CB8AC3E}">
         <p14:creationId xmlns:p14="http://schemas.microsoft.com/office/powerpoint/2010/main" val="1018486195"/>
-      </p:ext>
-    </p:extLst>
-  </p:cSld>
-  <p:clrMapOvr>
-    <a:masterClrMapping/>
-  </p:clrMapOvr>
-  <p:timing>
-    <p:tnLst>
-      <p:par>
-        <p:cTn id="1" dur="indefinite" restart="never" nodeType="tmRoot"/>
-      </p:par>
-    </p:tnLst>
-  </p:timing>
-</p:sld>
-</file>
-
-<file path=ppt/slides/slide7.xml><?xml version="1.0" encoding="utf-8"?>
-<p:sld xmlns:a="http://schemas.openxmlformats.org/drawingml/2006/main" xmlns:r="http://schemas.openxmlformats.org/officeDocument/2006/relationships" xmlns:p="http://schemas.openxmlformats.org/presentationml/2006/main">
-  <p:cSld>
-    <p:spTree>
-      <p:nvGrpSpPr>
-        <p:cNvPr id="1" name=""/>
-        <p:cNvGrpSpPr/>
-        <p:nvPr/>
-      </p:nvGrpSpPr>
-      <p:grpSpPr>
-        <a:xfrm>
-          <a:off x="0" y="0"/>
-          <a:ext cx="0" cy="0"/>
-          <a:chOff x="0" y="0"/>
-          <a:chExt cx="0" cy="0"/>
-        </a:xfrm>
-      </p:grpSpPr>
-      <p:sp>
-        <p:nvSpPr>
-          <p:cNvPr id="2" name="标题 1"/>
-          <p:cNvSpPr>
-            <a:spLocks noGrp="1"/>
-          </p:cNvSpPr>
-          <p:nvPr>
-            <p:ph type="title"/>
-          </p:nvPr>
-        </p:nvSpPr>
-        <p:spPr/>
-        <p:txBody>
-          <a:bodyPr/>
-          <a:lstStyle/>
-          <a:p>
-            <a:r>
-              <a:rPr kumimoji="1" lang="zh-CN" altLang="en-US" dirty="0" smtClean="0"/>
-              <a:t>原子性</a:t>
-            </a:r>
-            <a:endParaRPr kumimoji="1" lang="zh-CN" altLang="en-US" dirty="0"/>
-          </a:p>
-        </p:txBody>
-      </p:sp>
-      <p:sp>
-        <p:nvSpPr>
-          <p:cNvPr id="3" name="内容占位符 2"/>
-          <p:cNvSpPr>
-            <a:spLocks noGrp="1"/>
-          </p:cNvSpPr>
-          <p:nvPr>
-            <p:ph idx="1"/>
-          </p:nvPr>
-        </p:nvSpPr>
-        <p:spPr/>
-        <p:txBody>
-          <a:bodyPr/>
-          <a:lstStyle/>
-          <a:p>
-            <a:r>
-              <a:rPr kumimoji="1" lang="zh-CN" altLang="en-US" dirty="0" smtClean="0"/>
-              <a:t>对象类型：</a:t>
-            </a:r>
-            <a:endParaRPr kumimoji="1" lang="en-US" altLang="zh-CN" dirty="0" smtClean="0"/>
-          </a:p>
-          <a:p>
-            <a:pPr lvl="1"/>
-            <a:r>
-              <a:rPr kumimoji="1" lang="zh-CN" altLang="en-US" dirty="0" smtClean="0"/>
-              <a:t>对象地址原子读</a:t>
-            </a:r>
-            <a:r>
-              <a:rPr kumimoji="1" lang="zh-CN" altLang="en-US" dirty="0"/>
-              <a:t>写</a:t>
-            </a:r>
-            <a:r>
-              <a:rPr kumimoji="1" lang="zh-CN" altLang="zh-CN" dirty="0"/>
-              <a:t>，</a:t>
-            </a:r>
-            <a:r>
-              <a:rPr kumimoji="1" lang="zh-CN" altLang="en-US" dirty="0"/>
-              <a:t>线程</a:t>
-            </a:r>
-            <a:r>
-              <a:rPr kumimoji="1" lang="zh-CN" altLang="en-US" dirty="0" smtClean="0"/>
-              <a:t>安全</a:t>
-            </a:r>
-            <a:endParaRPr kumimoji="1" lang="en-US" altLang="zh-CN" dirty="0" smtClean="0"/>
-          </a:p>
-          <a:p>
-            <a:pPr lvl="1"/>
-            <a:r>
-              <a:rPr kumimoji="1" lang="zh-CN" altLang="en-US" dirty="0"/>
-              <a:t>并发读不可变状态，线程安全</a:t>
-            </a:r>
-            <a:endParaRPr kumimoji="1" lang="en-US" altLang="zh-CN" dirty="0"/>
-          </a:p>
-          <a:p>
-            <a:pPr lvl="1"/>
-            <a:r>
-              <a:rPr kumimoji="1" lang="zh-CN" altLang="en-US" dirty="0"/>
-              <a:t>并发读写可变状态，非线程线</a:t>
-            </a:r>
-            <a:r>
-              <a:rPr kumimoji="1" lang="zh-CN" altLang="en-US" dirty="0" smtClean="0"/>
-              <a:t>程</a:t>
-            </a:r>
-            <a:endParaRPr kumimoji="1" lang="en-US" altLang="zh-CN" dirty="0" smtClean="0"/>
-          </a:p>
-          <a:p>
-            <a:r>
-              <a:rPr kumimoji="1" lang="zh-CN" altLang="en-US" dirty="0" smtClean="0"/>
-              <a:t>基本类型：</a:t>
-            </a:r>
-            <a:endParaRPr kumimoji="1" lang="en-US" altLang="zh-CN" dirty="0"/>
-          </a:p>
-          <a:p>
-            <a:pPr lvl="1"/>
-            <a:r>
-              <a:rPr kumimoji="1" lang="en-US" altLang="zh-CN" dirty="0" err="1"/>
-              <a:t>int,char</a:t>
-            </a:r>
-            <a:r>
-              <a:rPr kumimoji="1" lang="zh-CN" altLang="en-US" dirty="0"/>
-              <a:t>数值读写，线程安全</a:t>
-            </a:r>
-            <a:endParaRPr kumimoji="1" lang="en-US" altLang="zh-CN" dirty="0"/>
-          </a:p>
-          <a:p>
-            <a:pPr lvl="1"/>
-            <a:r>
-              <a:rPr kumimoji="1" lang="en-US" altLang="zh-CN" dirty="0" err="1"/>
-              <a:t>long,double</a:t>
-            </a:r>
-            <a:r>
-              <a:rPr kumimoji="1" lang="zh-CN" altLang="en-US" dirty="0"/>
-              <a:t>高低位，非线程安全</a:t>
-            </a:r>
-            <a:endParaRPr kumimoji="1" lang="en-US" altLang="zh-CN" dirty="0"/>
-          </a:p>
-          <a:p>
-            <a:pPr lvl="1"/>
-            <a:r>
-              <a:rPr kumimoji="1" lang="en-US" altLang="zh-CN" dirty="0" err="1"/>
-              <a:t>i</a:t>
-            </a:r>
-            <a:r>
-              <a:rPr kumimoji="1" lang="en-US" altLang="zh-CN" dirty="0"/>
-              <a:t>++</a:t>
-            </a:r>
-            <a:r>
-              <a:rPr kumimoji="1" lang="zh-CN" altLang="en-US" dirty="0"/>
-              <a:t>等组合操作，非线程</a:t>
-            </a:r>
-            <a:r>
-              <a:rPr kumimoji="1" lang="zh-CN" altLang="en-US" dirty="0" smtClean="0"/>
-              <a:t>安全</a:t>
-            </a:r>
-            <a:endParaRPr kumimoji="1" lang="en-US" altLang="zh-CN" dirty="0" smtClean="0"/>
-          </a:p>
-          <a:p>
-            <a:endParaRPr kumimoji="1" lang="en-US" altLang="zh-CN" dirty="0"/>
-          </a:p>
-          <a:p>
-            <a:endParaRPr kumimoji="1" lang="zh-CN" altLang="en-US" dirty="0"/>
-          </a:p>
-        </p:txBody>
-      </p:sp>
-    </p:spTree>
-    <p:extLst>
-      <p:ext uri="{BB962C8B-B14F-4D97-AF65-F5344CB8AC3E}">
-        <p14:creationId xmlns:p14="http://schemas.microsoft.com/office/powerpoint/2010/main" val="3254470761"/>
       </p:ext>
     </p:extLst>
   </p:cSld>
@@ -20090,7 +21462,7 @@
           <a:p>
             <a:r>
               <a:rPr kumimoji="1" lang="zh-CN" altLang="en-US" dirty="0" smtClean="0"/>
-              <a:t>可见性</a:t>
+              <a:t>原子性</a:t>
             </a:r>
             <a:endParaRPr kumimoji="1" lang="zh-CN" altLang="en-US" dirty="0"/>
           </a:p>
@@ -20112,110 +21484,118 @@
           <a:lstStyle/>
           <a:p>
             <a:r>
-              <a:rPr kumimoji="1" lang="en-US" altLang="zh-CN" dirty="0"/>
-              <a:t>final</a:t>
-            </a:r>
+              <a:rPr kumimoji="1" lang="zh-CN" altLang="en-US" dirty="0" smtClean="0"/>
+              <a:t>对象类型：</a:t>
+            </a:r>
+            <a:endParaRPr kumimoji="1" lang="en-US" altLang="zh-CN" dirty="0" smtClean="0"/>
           </a:p>
           <a:p>
             <a:pPr lvl="1"/>
             <a:r>
+              <a:rPr kumimoji="1" lang="zh-CN" altLang="en-US" dirty="0" smtClean="0"/>
+              <a:t>对象地址原子读</a:t>
+            </a:r>
+            <a:r>
               <a:rPr kumimoji="1" lang="zh-CN" altLang="en-US" dirty="0"/>
-              <a:t>初始化</a:t>
-            </a:r>
-            <a:r>
-              <a:rPr kumimoji="1" lang="en-US" altLang="zh-CN" dirty="0"/>
-              <a:t>final</a:t>
+              <a:t>写</a:t>
+            </a:r>
+            <a:r>
+              <a:rPr kumimoji="1" lang="zh-CN" altLang="zh-CN" dirty="0"/>
+              <a:t>，</a:t>
             </a:r>
             <a:r>
               <a:rPr kumimoji="1" lang="zh-CN" altLang="en-US" dirty="0"/>
-              <a:t>字段确保可见性</a:t>
+              <a:t>线程</a:t>
+            </a:r>
+            <a:r>
+              <a:rPr kumimoji="1" lang="zh-CN" altLang="en-US" dirty="0" smtClean="0"/>
+              <a:t>安全</a:t>
+            </a:r>
+            <a:endParaRPr kumimoji="1" lang="en-US" altLang="zh-CN" dirty="0" smtClean="0"/>
+          </a:p>
+          <a:p>
+            <a:pPr lvl="1"/>
+            <a:r>
+              <a:rPr kumimoji="1" lang="zh-CN" altLang="en-US" dirty="0"/>
+              <a:t>并发读不可变状态，线程安全</a:t>
             </a:r>
             <a:endParaRPr kumimoji="1" lang="en-US" altLang="zh-CN" dirty="0"/>
           </a:p>
           <a:p>
-            <a:r>
-              <a:rPr kumimoji="1" lang="en-US" altLang="zh-CN" dirty="0" smtClean="0"/>
-              <a:t>volatile</a:t>
-            </a:r>
-          </a:p>
-          <a:p>
             <a:pPr lvl="1"/>
             <a:r>
+              <a:rPr kumimoji="1" lang="zh-CN" altLang="en-US" dirty="0"/>
+              <a:t>并发读写可变状态，非线程线</a:t>
+            </a:r>
+            <a:r>
               <a:rPr kumimoji="1" lang="zh-CN" altLang="en-US" dirty="0" smtClean="0"/>
-              <a:t>读写</a:t>
-            </a:r>
-            <a:r>
-              <a:rPr kumimoji="1" lang="en-US" altLang="zh-CN" dirty="0" smtClean="0"/>
-              <a:t>volatile</a:t>
-            </a:r>
+              <a:t>程</a:t>
+            </a:r>
+            <a:endParaRPr kumimoji="1" lang="en-US" altLang="zh-CN" dirty="0" smtClean="0"/>
+          </a:p>
+          <a:p>
             <a:r>
               <a:rPr kumimoji="1" lang="zh-CN" altLang="en-US" dirty="0" smtClean="0"/>
-              <a:t>字段</a:t>
+              <a:t>基本类型：</a:t>
+            </a:r>
+            <a:endParaRPr kumimoji="1" lang="en-US" altLang="zh-CN" dirty="0"/>
+          </a:p>
+          <a:p>
+            <a:pPr lvl="1"/>
+            <a:r>
+              <a:rPr kumimoji="1" lang="en-US" altLang="zh-CN" dirty="0" err="1"/>
+              <a:t>int,char</a:t>
             </a:r>
             <a:r>
               <a:rPr kumimoji="1" lang="zh-CN" altLang="en-US" dirty="0"/>
-              <a:t>确保可见</a:t>
+              <a:t>数值读写，线程安全</a:t>
+            </a:r>
+            <a:endParaRPr kumimoji="1" lang="en-US" altLang="zh-CN" dirty="0"/>
+          </a:p>
+          <a:p>
+            <a:pPr lvl="1"/>
+            <a:r>
+              <a:rPr kumimoji="1" lang="en-US" altLang="zh-CN" dirty="0" err="1"/>
+              <a:t>long,double</a:t>
+            </a:r>
+            <a:r>
+              <a:rPr kumimoji="1" lang="zh-CN" altLang="en-US" dirty="0"/>
+              <a:t>高低位，非线程安全</a:t>
+            </a:r>
+            <a:endParaRPr kumimoji="1" lang="en-US" altLang="zh-CN" dirty="0"/>
+          </a:p>
+          <a:p>
+            <a:pPr lvl="1"/>
+            <a:r>
+              <a:rPr kumimoji="1" lang="en-US" altLang="zh-CN" dirty="0" err="1"/>
+              <a:t>i</a:t>
+            </a:r>
+            <a:r>
+              <a:rPr kumimoji="1" lang="en-US" altLang="zh-CN" dirty="0"/>
+              <a:t>++</a:t>
+            </a:r>
+            <a:r>
+              <a:rPr kumimoji="1" lang="zh-CN" altLang="en-US" dirty="0"/>
+              <a:t>等组合操作，非线程</a:t>
             </a:r>
             <a:r>
               <a:rPr kumimoji="1" lang="zh-CN" altLang="en-US" dirty="0" smtClean="0"/>
-              <a:t>性</a:t>
+              <a:t>安全</a:t>
             </a:r>
             <a:endParaRPr kumimoji="1" lang="en-US" altLang="zh-CN" dirty="0" smtClean="0"/>
           </a:p>
           <a:p>
-            <a:r>
-              <a:rPr kumimoji="1" lang="en-US" altLang="zh-CN" dirty="0" smtClean="0"/>
-              <a:t>synchronized</a:t>
-            </a:r>
-          </a:p>
-          <a:p>
-            <a:pPr lvl="1"/>
-            <a:r>
-              <a:rPr kumimoji="1" lang="zh-CN" altLang="en-US" dirty="0" smtClean="0"/>
-              <a:t>同步块内读写字段确保可见</a:t>
-            </a:r>
-            <a:r>
-              <a:rPr kumimoji="1" lang="zh-CN" altLang="en-US" dirty="0"/>
-              <a:t>性</a:t>
-            </a:r>
-            <a:endParaRPr kumimoji="1" lang="en-US" altLang="zh-CN" dirty="0" smtClean="0"/>
-          </a:p>
-          <a:p>
-            <a:r>
-              <a:rPr kumimoji="1" lang="en-US" altLang="zh-CN" dirty="0"/>
-              <a:t>h</a:t>
-            </a:r>
-            <a:r>
-              <a:rPr kumimoji="1" lang="en-US" altLang="zh-CN" dirty="0" smtClean="0"/>
-              <a:t>appen before</a:t>
-            </a:r>
-          </a:p>
-          <a:p>
-            <a:pPr lvl="1"/>
-            <a:r>
-              <a:rPr kumimoji="1" lang="zh-CN" altLang="en-US" dirty="0" smtClean="0"/>
-              <a:t>遵守</a:t>
-            </a:r>
-            <a:r>
-              <a:rPr kumimoji="1" lang="en-US" altLang="zh-CN" dirty="0"/>
-              <a:t>happen </a:t>
-            </a:r>
-            <a:r>
-              <a:rPr kumimoji="1" lang="en-US" altLang="zh-CN" dirty="0" smtClean="0"/>
-              <a:t>before</a:t>
-            </a:r>
-            <a:r>
-              <a:rPr kumimoji="1" lang="zh-CN" altLang="en-US" dirty="0" smtClean="0"/>
-              <a:t>次序可见性</a:t>
-            </a:r>
             <a:endParaRPr kumimoji="1" lang="en-US" altLang="zh-CN" dirty="0"/>
+          </a:p>
+          <a:p>
+            <a:endParaRPr kumimoji="1" lang="zh-CN" altLang="en-US" dirty="0"/>
           </a:p>
         </p:txBody>
       </p:sp>
     </p:spTree>
     <p:extLst>
       <p:ext uri="{BB962C8B-B14F-4D97-AF65-F5344CB8AC3E}">
-        <p14:creationId xmlns:p14="http://schemas.microsoft.com/office/powerpoint/2010/main" val="612455946"/>
+        <p14:creationId xmlns:p14="http://schemas.microsoft.com/office/powerpoint/2010/main" val="3254470761"/>
       </p:ext>
     </p:extLst>
   </p:cSld>
@@ -20265,12 +21645,8 @@
           <a:lstStyle/>
           <a:p>
             <a:r>
-              <a:rPr kumimoji="1" lang="zh-CN" altLang="en-US" dirty="0"/>
-              <a:t>可排序</a:t>
-            </a:r>
-            <a:r>
               <a:rPr kumimoji="1" lang="zh-CN" altLang="en-US" dirty="0" smtClean="0"/>
-              <a:t>性</a:t>
+              <a:t>可见性</a:t>
             </a:r>
             <a:endParaRPr kumimoji="1" lang="zh-CN" altLang="en-US" dirty="0"/>
           </a:p>
@@ -20288,305 +21664,114 @@
         </p:nvSpPr>
         <p:spPr/>
         <p:txBody>
-          <a:bodyPr>
-            <a:normAutofit fontScale="55000" lnSpcReduction="20000"/>
-          </a:bodyPr>
+          <a:bodyPr/>
           <a:lstStyle/>
           <a:p>
             <a:r>
               <a:rPr kumimoji="1" lang="en-US" altLang="zh-CN" dirty="0"/>
-              <a:t>Happen</a:t>
-            </a:r>
+              <a:t>final</a:t>
+            </a:r>
+          </a:p>
+          <a:p>
+            <a:pPr lvl="1"/>
             <a:r>
               <a:rPr kumimoji="1" lang="zh-CN" altLang="en-US" dirty="0"/>
-              <a:t> </a:t>
-            </a:r>
-            <a:r>
-              <a:rPr kumimoji="1" lang="en-US" altLang="zh-CN" dirty="0" smtClean="0"/>
-              <a:t>Before</a:t>
-            </a:r>
+              <a:t>初始化</a:t>
+            </a:r>
+            <a:r>
+              <a:rPr kumimoji="1" lang="en-US" altLang="zh-CN" dirty="0"/>
+              <a:t>final</a:t>
+            </a:r>
+            <a:r>
+              <a:rPr kumimoji="1" lang="zh-CN" altLang="en-US" dirty="0"/>
+              <a:t>字段确保可见性</a:t>
+            </a:r>
+            <a:endParaRPr kumimoji="1" lang="en-US" altLang="zh-CN" dirty="0"/>
+          </a:p>
+          <a:p>
+            <a:r>
+              <a:rPr kumimoji="1" lang="en-US" altLang="zh-CN" dirty="0" smtClean="0"/>
+              <a:t>volatile</a:t>
+            </a:r>
+          </a:p>
+          <a:p>
+            <a:pPr lvl="1"/>
             <a:r>
               <a:rPr kumimoji="1" lang="zh-CN" altLang="en-US" dirty="0" smtClean="0"/>
-              <a:t> 法则</a:t>
+              <a:t>读写</a:t>
+            </a:r>
+            <a:r>
+              <a:rPr kumimoji="1" lang="en-US" altLang="zh-CN" dirty="0" smtClean="0"/>
+              <a:t>volatile</a:t>
+            </a:r>
+            <a:r>
+              <a:rPr kumimoji="1" lang="zh-CN" altLang="en-US" dirty="0" smtClean="0"/>
+              <a:t>字段</a:t>
+            </a:r>
+            <a:r>
+              <a:rPr kumimoji="1" lang="zh-CN" altLang="en-US" dirty="0"/>
+              <a:t>确保可见</a:t>
+            </a:r>
+            <a:r>
+              <a:rPr kumimoji="1" lang="zh-CN" altLang="en-US" dirty="0" smtClean="0"/>
+              <a:t>性</a:t>
             </a:r>
             <a:endParaRPr kumimoji="1" lang="en-US" altLang="zh-CN" dirty="0" smtClean="0"/>
           </a:p>
           <a:p>
+            <a:r>
+              <a:rPr kumimoji="1" lang="en-US" altLang="zh-CN" dirty="0" smtClean="0"/>
+              <a:t>synchronized</a:t>
+            </a:r>
+          </a:p>
+          <a:p>
             <a:pPr lvl="1"/>
             <a:r>
               <a:rPr kumimoji="1" lang="zh-CN" altLang="en-US" dirty="0" smtClean="0"/>
-              <a:t>程序次序法则</a:t>
+              <a:t>同步块内读写字段确保可见</a:t>
+            </a:r>
+            <a:r>
+              <a:rPr kumimoji="1" lang="zh-CN" altLang="en-US" dirty="0"/>
+              <a:t>性</a:t>
             </a:r>
             <a:endParaRPr kumimoji="1" lang="en-US" altLang="zh-CN" dirty="0" smtClean="0"/>
           </a:p>
           <a:p>
-            <a:pPr lvl="2"/>
+            <a:r>
+              <a:rPr kumimoji="1" lang="en-US" altLang="zh-CN" dirty="0"/>
+              <a:t>h</a:t>
+            </a:r>
+            <a:r>
+              <a:rPr kumimoji="1" lang="en-US" altLang="zh-CN" dirty="0" smtClean="0"/>
+              <a:t>appen before</a:t>
+            </a:r>
+          </a:p>
+          <a:p>
+            <a:pPr lvl="1"/>
             <a:r>
               <a:rPr kumimoji="1" lang="zh-CN" altLang="en-US" dirty="0" smtClean="0"/>
-              <a:t>如果</a:t>
-            </a:r>
-            <a:r>
-              <a:rPr kumimoji="1" lang="en-US" altLang="zh-CN" dirty="0"/>
-              <a:t>A</a:t>
-            </a:r>
-            <a:r>
-              <a:rPr kumimoji="1" lang="zh-CN" altLang="en-US" dirty="0"/>
-              <a:t>一定在</a:t>
-            </a:r>
-            <a:r>
-              <a:rPr kumimoji="1" lang="en-US" altLang="zh-CN" dirty="0"/>
-              <a:t>B</a:t>
-            </a:r>
-            <a:r>
-              <a:rPr kumimoji="1" lang="zh-CN" altLang="en-US" dirty="0"/>
-              <a:t>之前发生，则</a:t>
-            </a:r>
-            <a:r>
-              <a:rPr kumimoji="1" lang="en-US" altLang="zh-CN" dirty="0"/>
-              <a:t>happen before,</a:t>
-            </a:r>
-          </a:p>
-          <a:p>
-            <a:pPr lvl="1"/>
+              <a:t>遵守</a:t>
+            </a:r>
+            <a:r>
+              <a:rPr kumimoji="1" lang="en-US" altLang="zh-CN" dirty="0"/>
+              <a:t>happen </a:t>
+            </a:r>
+            <a:r>
+              <a:rPr kumimoji="1" lang="en-US" altLang="zh-CN" dirty="0" smtClean="0"/>
+              <a:t>before</a:t>
+            </a:r>
             <a:r>
               <a:rPr kumimoji="1" lang="zh-CN" altLang="en-US" dirty="0" smtClean="0"/>
-              <a:t>监视器法则</a:t>
-            </a:r>
-            <a:endParaRPr kumimoji="1" lang="en-US" altLang="zh-CN" dirty="0" smtClean="0"/>
-          </a:p>
-          <a:p>
-            <a:pPr lvl="2"/>
-            <a:r>
-              <a:rPr kumimoji="1" lang="zh-CN" altLang="en-US" dirty="0" smtClean="0"/>
-              <a:t>对一个监视</a:t>
-            </a:r>
-            <a:r>
-              <a:rPr kumimoji="1" lang="zh-CN" altLang="en-US" dirty="0"/>
-              <a:t>器的解锁一定发生在后续对同一监视器加锁之前</a:t>
-            </a:r>
-          </a:p>
-          <a:p>
-            <a:pPr lvl="1"/>
-            <a:r>
-              <a:rPr kumimoji="1" lang="en-US" altLang="zh-CN" dirty="0" err="1" smtClean="0"/>
-              <a:t>Volatie</a:t>
-            </a:r>
-            <a:r>
-              <a:rPr kumimoji="1" lang="zh-CN" altLang="en-US" dirty="0" smtClean="0"/>
-              <a:t>变量法则</a:t>
-            </a:r>
-            <a:endParaRPr kumimoji="1" lang="en-US" altLang="zh-CN" dirty="0" smtClean="0"/>
-          </a:p>
-          <a:p>
-            <a:pPr lvl="2"/>
-            <a:r>
-              <a:rPr kumimoji="1" lang="zh-CN" altLang="en-US" dirty="0" smtClean="0"/>
-              <a:t>写</a:t>
-            </a:r>
-            <a:r>
-              <a:rPr kumimoji="1" lang="en-US" altLang="zh-CN" dirty="0"/>
-              <a:t>volatile</a:t>
-            </a:r>
-            <a:r>
-              <a:rPr kumimoji="1" lang="zh-CN" altLang="en-US" dirty="0"/>
-              <a:t>变量一定发生在后续对它的读之前</a:t>
-            </a:r>
-          </a:p>
-          <a:p>
-            <a:pPr lvl="1"/>
-            <a:r>
-              <a:rPr kumimoji="1" lang="zh-CN" altLang="en-US" dirty="0" smtClean="0"/>
-              <a:t>线程启动法则</a:t>
-            </a:r>
-            <a:endParaRPr kumimoji="1" lang="en-US" altLang="zh-CN" dirty="0" smtClean="0"/>
-          </a:p>
-          <a:p>
-            <a:pPr lvl="2"/>
-            <a:r>
-              <a:rPr kumimoji="1" lang="en-US" altLang="zh-CN" dirty="0" err="1" smtClean="0"/>
-              <a:t>Thread.start</a:t>
-            </a:r>
-            <a:r>
-              <a:rPr kumimoji="1" lang="zh-CN" altLang="en-US" dirty="0"/>
-              <a:t>一定发生在线程</a:t>
-            </a:r>
-            <a:r>
-              <a:rPr kumimoji="1" lang="zh-CN" altLang="en-US" dirty="0" smtClean="0"/>
-              <a:t>中的动作之前</a:t>
-            </a:r>
-            <a:endParaRPr kumimoji="1" lang="zh-CN" altLang="en-US" dirty="0"/>
-          </a:p>
-          <a:p>
-            <a:pPr lvl="1"/>
-            <a:r>
-              <a:rPr kumimoji="1" lang="zh-CN" altLang="en-US" dirty="0" smtClean="0"/>
-              <a:t>线程终结法则</a:t>
-            </a:r>
-            <a:endParaRPr kumimoji="1" lang="en-US" altLang="zh-CN" dirty="0" smtClean="0"/>
-          </a:p>
-          <a:p>
-            <a:pPr lvl="2"/>
-            <a:r>
-              <a:rPr kumimoji="1" lang="zh-CN" altLang="en-US" dirty="0" smtClean="0"/>
-              <a:t>线</a:t>
-            </a:r>
-            <a:r>
-              <a:rPr kumimoji="1" lang="zh-CN" altLang="en-US" dirty="0"/>
-              <a:t>程中的任何动作一定发生在括号中的动作之前（其他线程检测到这个线程已经终止，从</a:t>
-            </a:r>
-            <a:r>
-              <a:rPr kumimoji="1" lang="en-US" altLang="zh-CN" dirty="0" err="1"/>
-              <a:t>Thread.join</a:t>
-            </a:r>
-            <a:r>
-              <a:rPr kumimoji="1" lang="zh-CN" altLang="en-US" dirty="0"/>
-              <a:t>调用成功返回，</a:t>
-            </a:r>
-            <a:r>
-              <a:rPr kumimoji="1" lang="en-US" altLang="zh-CN" dirty="0" err="1"/>
-              <a:t>Thread.isAlive</a:t>
-            </a:r>
-            <a:r>
-              <a:rPr kumimoji="1" lang="en-US" altLang="zh-CN" dirty="0"/>
-              <a:t>()</a:t>
-            </a:r>
-            <a:r>
-              <a:rPr kumimoji="1" lang="zh-CN" altLang="en-US" dirty="0"/>
-              <a:t>返回</a:t>
-            </a:r>
-            <a:r>
-              <a:rPr kumimoji="1" lang="en-US" altLang="zh-CN" dirty="0"/>
-              <a:t>false</a:t>
-            </a:r>
-            <a:r>
-              <a:rPr kumimoji="1" lang="zh-CN" altLang="en-US" dirty="0"/>
-              <a:t>）</a:t>
-            </a:r>
-          </a:p>
-          <a:p>
-            <a:pPr lvl="1"/>
-            <a:r>
-              <a:rPr kumimoji="1" lang="zh-CN" altLang="en-US" dirty="0" smtClean="0"/>
-              <a:t>中断法则</a:t>
-            </a:r>
-            <a:endParaRPr kumimoji="1" lang="en-US" altLang="zh-CN" dirty="0" smtClean="0"/>
-          </a:p>
-          <a:p>
-            <a:pPr lvl="2"/>
-            <a:r>
-              <a:rPr kumimoji="1" lang="zh-CN" altLang="en-US" dirty="0" smtClean="0"/>
-              <a:t>一个线程调用另一个线</a:t>
-            </a:r>
-            <a:r>
-              <a:rPr kumimoji="1" lang="zh-CN" altLang="en-US" dirty="0"/>
-              <a:t>程的</a:t>
-            </a:r>
-            <a:r>
-              <a:rPr kumimoji="1" lang="en-US" altLang="zh-CN" dirty="0"/>
-              <a:t>interrupt</a:t>
-            </a:r>
-            <a:r>
-              <a:rPr kumimoji="1" lang="zh-CN" altLang="en-US" dirty="0"/>
-              <a:t>一定发</a:t>
-            </a:r>
-            <a:r>
-              <a:rPr kumimoji="1" lang="zh-CN" altLang="en-US" dirty="0" smtClean="0"/>
-              <a:t>生在另一线程发现中断之前。</a:t>
-            </a:r>
-            <a:endParaRPr kumimoji="1" lang="zh-CN" altLang="en-US" dirty="0"/>
-          </a:p>
-          <a:p>
-            <a:pPr lvl="1"/>
-            <a:r>
-              <a:rPr kumimoji="1" lang="zh-CN" altLang="en-US" dirty="0" smtClean="0"/>
-              <a:t>终结法则</a:t>
-            </a:r>
-            <a:endParaRPr kumimoji="1" lang="en-US" altLang="zh-CN" dirty="0" smtClean="0"/>
-          </a:p>
-          <a:p>
-            <a:pPr lvl="2"/>
-            <a:r>
-              <a:rPr kumimoji="1" lang="zh-CN" altLang="en-US" dirty="0" smtClean="0"/>
-              <a:t>一个对</a:t>
-            </a:r>
-            <a:r>
-              <a:rPr kumimoji="1" lang="zh-CN" altLang="en-US" dirty="0"/>
-              <a:t>象的构造函数结束一定发生在对象的</a:t>
-            </a:r>
-            <a:r>
-              <a:rPr kumimoji="1" lang="en-US" altLang="zh-CN" dirty="0" err="1"/>
-              <a:t>finalizer</a:t>
-            </a:r>
-            <a:r>
-              <a:rPr kumimoji="1" lang="zh-CN" altLang="en-US" dirty="0"/>
-              <a:t>之前</a:t>
-            </a:r>
-          </a:p>
-          <a:p>
-            <a:pPr lvl="1"/>
-            <a:r>
-              <a:rPr kumimoji="1" lang="zh-CN" altLang="en-US" dirty="0" smtClean="0"/>
-              <a:t>传递性</a:t>
-            </a:r>
-            <a:endParaRPr kumimoji="1" lang="en-US" altLang="zh-CN" dirty="0" smtClean="0"/>
-          </a:p>
-          <a:p>
-            <a:pPr lvl="2"/>
-            <a:r>
-              <a:rPr kumimoji="1" lang="en-US" altLang="zh-CN" dirty="0" smtClean="0"/>
-              <a:t>A</a:t>
-            </a:r>
-            <a:r>
-              <a:rPr kumimoji="1" lang="zh-CN" altLang="en-US" dirty="0"/>
-              <a:t>发生在</a:t>
-            </a:r>
-            <a:r>
-              <a:rPr kumimoji="1" lang="en-US" altLang="zh-CN" dirty="0"/>
-              <a:t>B</a:t>
-            </a:r>
-            <a:r>
-              <a:rPr kumimoji="1" lang="zh-CN" altLang="en-US" dirty="0"/>
-              <a:t>之前，</a:t>
-            </a:r>
-            <a:r>
-              <a:rPr kumimoji="1" lang="en-US" altLang="zh-CN" dirty="0"/>
-              <a:t>B</a:t>
-            </a:r>
-            <a:r>
-              <a:rPr kumimoji="1" lang="zh-CN" altLang="en-US" dirty="0"/>
-              <a:t>发生在</a:t>
-            </a:r>
-            <a:r>
-              <a:rPr kumimoji="1" lang="en-US" altLang="zh-CN" dirty="0"/>
-              <a:t>C</a:t>
-            </a:r>
-            <a:r>
-              <a:rPr kumimoji="1" lang="zh-CN" altLang="en-US" dirty="0"/>
-              <a:t>之前，</a:t>
-            </a:r>
-            <a:r>
-              <a:rPr kumimoji="1" lang="en-US" altLang="zh-CN" dirty="0"/>
-              <a:t>A</a:t>
-            </a:r>
-            <a:r>
-              <a:rPr kumimoji="1" lang="zh-CN" altLang="en-US" dirty="0"/>
-              <a:t>一定发生在</a:t>
-            </a:r>
-            <a:r>
-              <a:rPr kumimoji="1" lang="en-US" altLang="zh-CN" dirty="0"/>
-              <a:t>C</a:t>
-            </a:r>
-            <a:r>
-              <a:rPr kumimoji="1" lang="zh-CN" altLang="en-US" dirty="0"/>
-              <a:t>之前。 </a:t>
-            </a:r>
+              <a:t>次序可见性</a:t>
+            </a:r>
+            <a:endParaRPr kumimoji="1" lang="en-US" altLang="zh-CN" dirty="0"/>
           </a:p>
         </p:txBody>
       </p:sp>
     </p:spTree>
     <p:extLst>
       <p:ext uri="{BB962C8B-B14F-4D97-AF65-F5344CB8AC3E}">
-        <p14:creationId xmlns:p14="http://schemas.microsoft.com/office/powerpoint/2010/main" val="44307136"/>
+        <p14:creationId xmlns:p14="http://schemas.microsoft.com/office/powerpoint/2010/main" val="612455946"/>
       </p:ext>
     </p:extLst>
   </p:cSld>
